--- a/Presentation/Presentation nov 18.pptx
+++ b/Presentation/Presentation nov 18.pptx
@@ -2,13 +2,17 @@
 <file path=ppt/presentation.xml><?xml version="1.0" encoding="utf-8"?>
 <p:presentation xmlns:a="http://schemas.openxmlformats.org/drawingml/2006/main" xmlns:r="http://schemas.openxmlformats.org/officeDocument/2006/relationships" xmlns:p="http://schemas.openxmlformats.org/presentationml/2006/main" saveSubsetFonts="1" autoCompressPictures="0">
   <p:sldMasterIdLst>
-    <p:sldMasterId id="2147483648" r:id="rId1"/>
+    <p:sldMasterId id="2147483684" r:id="rId1"/>
   </p:sldMasterIdLst>
+  <p:notesMasterIdLst>
+    <p:notesMasterId r:id="rId7"/>
+  </p:notesMasterIdLst>
   <p:sldIdLst>
-    <p:sldId id="257" r:id="rId2"/>
-    <p:sldId id="261" r:id="rId3"/>
-    <p:sldId id="258" r:id="rId4"/>
-    <p:sldId id="262" r:id="rId5"/>
+    <p:sldId id="263" r:id="rId2"/>
+    <p:sldId id="257" r:id="rId3"/>
+    <p:sldId id="261" r:id="rId4"/>
+    <p:sldId id="258" r:id="rId5"/>
+    <p:sldId id="262" r:id="rId6"/>
   </p:sldIdLst>
   <p:sldSz cx="9144000" cy="6858000" type="screen4x3"/>
   <p:notesSz cx="6858000" cy="9144000"/>
@@ -110,9 +114,14 @@
 </p:presentation>
 </file>
 
-<file path=ppt/slideLayouts/slideLayout1.xml><?xml version="1.0" encoding="utf-8"?>
-<p:sldLayout xmlns:a="http://schemas.openxmlformats.org/drawingml/2006/main" xmlns:r="http://schemas.openxmlformats.org/officeDocument/2006/relationships" xmlns:p="http://schemas.openxmlformats.org/presentationml/2006/main" type="title" preserve="1">
-  <p:cSld name="Tittellysbilde">
+<file path=ppt/notesMasters/notesMaster1.xml><?xml version="1.0" encoding="utf-8"?>
+<p:notesMaster xmlns:a="http://schemas.openxmlformats.org/drawingml/2006/main" xmlns:r="http://schemas.openxmlformats.org/officeDocument/2006/relationships" xmlns:p="http://schemas.openxmlformats.org/presentationml/2006/main">
+  <p:cSld>
+    <p:bg>
+      <p:bgRef idx="1001">
+        <a:schemeClr val="bg1"/>
+      </p:bgRef>
+    </p:bg>
     <p:spTree>
       <p:nvGrpSpPr>
         <p:cNvPr id="1" name=""/>
@@ -129,232 +138,332 @@
       </p:grpSpPr>
       <p:sp>
         <p:nvSpPr>
-          <p:cNvPr id="2" name="Tittel 1"/>
-          <p:cNvSpPr>
-            <a:spLocks noGrp="1"/>
-          </p:cNvSpPr>
-          <p:nvPr>
-            <p:ph type="ctrTitle"/>
+          <p:cNvPr id="2" name="1 Marcador de encabezado"/>
+          <p:cNvSpPr>
+            <a:spLocks noGrp="1"/>
+          </p:cNvSpPr>
+          <p:nvPr>
+            <p:ph type="hdr" sz="quarter"/>
           </p:nvPr>
         </p:nvSpPr>
         <p:spPr>
           <a:xfrm>
-            <a:off x="685800" y="2130425"/>
-            <a:ext cx="7772400" cy="1470025"/>
+            <a:off x="0" y="0"/>
+            <a:ext cx="2971800" cy="457200"/>
           </a:xfrm>
+          <a:prstGeom prst="rect">
+            <a:avLst/>
+          </a:prstGeom>
         </p:spPr>
         <p:txBody>
-          <a:bodyPr/>
-          <a:lstStyle/>
-          <a:p>
-            <a:r>
-              <a:rPr lang="nb-NO" smtClean="0"/>
-              <a:t>Klikk for å redigere tittelstil</a:t>
-            </a:r>
-            <a:endParaRPr lang="nb-NO"/>
-          </a:p>
-        </p:txBody>
-      </p:sp>
-      <p:sp>
-        <p:nvSpPr>
-          <p:cNvPr id="3" name="Undertittel 2"/>
-          <p:cNvSpPr>
-            <a:spLocks noGrp="1"/>
-          </p:cNvSpPr>
-          <p:nvPr>
-            <p:ph type="subTitle" idx="1"/>
+          <a:bodyPr vert="horz" lIns="91440" tIns="45720" rIns="91440" bIns="45720" rtlCol="0"/>
+          <a:lstStyle>
+            <a:lvl1pPr algn="l">
+              <a:defRPr sz="1200"/>
+            </a:lvl1pPr>
+          </a:lstStyle>
+          <a:p>
+            <a:endParaRPr lang="en-GB"/>
+          </a:p>
+        </p:txBody>
+      </p:sp>
+      <p:sp>
+        <p:nvSpPr>
+          <p:cNvPr id="3" name="2 Marcador de fecha"/>
+          <p:cNvSpPr>
+            <a:spLocks noGrp="1"/>
+          </p:cNvSpPr>
+          <p:nvPr>
+            <p:ph type="dt" idx="1"/>
           </p:nvPr>
         </p:nvSpPr>
         <p:spPr>
           <a:xfrm>
-            <a:off x="1371600" y="3886200"/>
-            <a:ext cx="6400800" cy="1752600"/>
+            <a:off x="3884613" y="0"/>
+            <a:ext cx="2971800" cy="457200"/>
           </a:xfrm>
+          <a:prstGeom prst="rect">
+            <a:avLst/>
+          </a:prstGeom>
         </p:spPr>
         <p:txBody>
-          <a:bodyPr/>
+          <a:bodyPr vert="horz" lIns="91440" tIns="45720" rIns="91440" bIns="45720" rtlCol="0"/>
           <a:lstStyle>
-            <a:lvl1pPr marL="0" indent="0" algn="ctr">
-              <a:buNone/>
-              <a:defRPr>
-                <a:solidFill>
-                  <a:schemeClr val="tx1">
-                    <a:tint val="75000"/>
-                  </a:schemeClr>
-                </a:solidFill>
-              </a:defRPr>
+            <a:lvl1pPr algn="r">
+              <a:defRPr sz="1200"/>
             </a:lvl1pPr>
-            <a:lvl2pPr marL="457200" indent="0" algn="ctr">
-              <a:buNone/>
-              <a:defRPr>
-                <a:solidFill>
-                  <a:schemeClr val="tx1">
-                    <a:tint val="75000"/>
-                  </a:schemeClr>
-                </a:solidFill>
-              </a:defRPr>
-            </a:lvl2pPr>
-            <a:lvl3pPr marL="914400" indent="0" algn="ctr">
-              <a:buNone/>
-              <a:defRPr>
-                <a:solidFill>
-                  <a:schemeClr val="tx1">
-                    <a:tint val="75000"/>
-                  </a:schemeClr>
-                </a:solidFill>
-              </a:defRPr>
-            </a:lvl3pPr>
-            <a:lvl4pPr marL="1371600" indent="0" algn="ctr">
-              <a:buNone/>
-              <a:defRPr>
-                <a:solidFill>
-                  <a:schemeClr val="tx1">
-                    <a:tint val="75000"/>
-                  </a:schemeClr>
-                </a:solidFill>
-              </a:defRPr>
-            </a:lvl4pPr>
-            <a:lvl5pPr marL="1828800" indent="0" algn="ctr">
-              <a:buNone/>
-              <a:defRPr>
-                <a:solidFill>
-                  <a:schemeClr val="tx1">
-                    <a:tint val="75000"/>
-                  </a:schemeClr>
-                </a:solidFill>
-              </a:defRPr>
-            </a:lvl5pPr>
-            <a:lvl6pPr marL="2286000" indent="0" algn="ctr">
-              <a:buNone/>
-              <a:defRPr>
-                <a:solidFill>
-                  <a:schemeClr val="tx1">
-                    <a:tint val="75000"/>
-                  </a:schemeClr>
-                </a:solidFill>
-              </a:defRPr>
-            </a:lvl6pPr>
-            <a:lvl7pPr marL="2743200" indent="0" algn="ctr">
-              <a:buNone/>
-              <a:defRPr>
-                <a:solidFill>
-                  <a:schemeClr val="tx1">
-                    <a:tint val="75000"/>
-                  </a:schemeClr>
-                </a:solidFill>
-              </a:defRPr>
-            </a:lvl7pPr>
-            <a:lvl8pPr marL="3200400" indent="0" algn="ctr">
-              <a:buNone/>
-              <a:defRPr>
-                <a:solidFill>
-                  <a:schemeClr val="tx1">
-                    <a:tint val="75000"/>
-                  </a:schemeClr>
-                </a:solidFill>
-              </a:defRPr>
-            </a:lvl8pPr>
-            <a:lvl9pPr marL="3657600" indent="0" algn="ctr">
-              <a:buNone/>
-              <a:defRPr>
-                <a:solidFill>
-                  <a:schemeClr val="tx1">
-                    <a:tint val="75000"/>
-                  </a:schemeClr>
-                </a:solidFill>
-              </a:defRPr>
-            </a:lvl9pPr>
           </a:lstStyle>
           <a:p>
-            <a:r>
-              <a:rPr lang="nb-NO" smtClean="0"/>
-              <a:t>Klikk for å redigere undertittelstil i malen</a:t>
-            </a:r>
-            <a:endParaRPr lang="nb-NO"/>
-          </a:p>
-        </p:txBody>
-      </p:sp>
-      <p:sp>
-        <p:nvSpPr>
-          <p:cNvPr id="4" name="Plassholder for dato 3"/>
-          <p:cNvSpPr>
-            <a:spLocks noGrp="1"/>
-          </p:cNvSpPr>
-          <p:nvPr>
-            <p:ph type="dt" sz="half" idx="10"/>
-          </p:nvPr>
-        </p:nvSpPr>
-        <p:spPr/>
-        <p:txBody>
-          <a:bodyPr/>
-          <a:lstStyle/>
-          <a:p>
-            <a:fld id="{89ABF61E-C81E-B147-A9C3-9359CCDF05AF}" type="datetimeFigureOut">
-              <a:rPr lang="nb-NO" smtClean="0"/>
-              <a:t>17.11.14</a:t>
+            <a:fld id="{9184657C-6B7B-4D11-92FE-19D7F27F78B9}" type="datetimeFigureOut">
+              <a:rPr lang="en-GB" smtClean="0"/>
+              <a:t>17/11/2014</a:t>
             </a:fld>
-            <a:endParaRPr lang="nb-NO"/>
-          </a:p>
-        </p:txBody>
-      </p:sp>
-      <p:sp>
-        <p:nvSpPr>
-          <p:cNvPr id="5" name="Plassholder for bunntekst 4"/>
-          <p:cNvSpPr>
-            <a:spLocks noGrp="1"/>
-          </p:cNvSpPr>
-          <p:nvPr>
-            <p:ph type="ftr" sz="quarter" idx="11"/>
-          </p:nvPr>
-        </p:nvSpPr>
-        <p:spPr/>
-        <p:txBody>
-          <a:bodyPr/>
-          <a:lstStyle/>
-          <a:p>
-            <a:endParaRPr lang="nb-NO"/>
-          </a:p>
-        </p:txBody>
-      </p:sp>
-      <p:sp>
-        <p:nvSpPr>
-          <p:cNvPr id="6" name="Plassholder for lysbildenummer 5"/>
-          <p:cNvSpPr>
-            <a:spLocks noGrp="1"/>
-          </p:cNvSpPr>
-          <p:nvPr>
-            <p:ph type="sldNum" sz="quarter" idx="12"/>
-          </p:nvPr>
-        </p:nvSpPr>
-        <p:spPr/>
-        <p:txBody>
-          <a:bodyPr/>
-          <a:lstStyle/>
-          <a:p>
-            <a:fld id="{A592D690-0A75-2B47-B762-A5B99D01306A}" type="slidenum">
-              <a:rPr lang="nb-NO" smtClean="0"/>
-              <a:t>‹#›</a:t>
+            <a:endParaRPr lang="en-GB"/>
+          </a:p>
+        </p:txBody>
+      </p:sp>
+      <p:sp>
+        <p:nvSpPr>
+          <p:cNvPr id="4" name="3 Marcador de imagen de diapositiva"/>
+          <p:cNvSpPr>
+            <a:spLocks noGrp="1" noRot="1" noChangeAspect="1"/>
+          </p:cNvSpPr>
+          <p:nvPr>
+            <p:ph type="sldImg" idx="2"/>
+          </p:nvPr>
+        </p:nvSpPr>
+        <p:spPr>
+          <a:xfrm>
+            <a:off x="1143000" y="685800"/>
+            <a:ext cx="4572000" cy="3429000"/>
+          </a:xfrm>
+          <a:prstGeom prst="rect">
+            <a:avLst/>
+          </a:prstGeom>
+          <a:noFill/>
+          <a:ln w="12700">
+            <a:solidFill>
+              <a:prstClr val="black"/>
+            </a:solidFill>
+          </a:ln>
+        </p:spPr>
+        <p:txBody>
+          <a:bodyPr vert="horz" lIns="91440" tIns="45720" rIns="91440" bIns="45720" rtlCol="0" anchor="ctr"/>
+          <a:lstStyle/>
+          <a:p>
+            <a:endParaRPr lang="en-GB"/>
+          </a:p>
+        </p:txBody>
+      </p:sp>
+      <p:sp>
+        <p:nvSpPr>
+          <p:cNvPr id="5" name="4 Marcador de notas"/>
+          <p:cNvSpPr>
+            <a:spLocks noGrp="1"/>
+          </p:cNvSpPr>
+          <p:nvPr>
+            <p:ph type="body" sz="quarter" idx="3"/>
+          </p:nvPr>
+        </p:nvSpPr>
+        <p:spPr>
+          <a:xfrm>
+            <a:off x="685800" y="4343400"/>
+            <a:ext cx="5486400" cy="4114800"/>
+          </a:xfrm>
+          <a:prstGeom prst="rect">
+            <a:avLst/>
+          </a:prstGeom>
+        </p:spPr>
+        <p:txBody>
+          <a:bodyPr vert="horz" lIns="91440" tIns="45720" rIns="91440" bIns="45720" rtlCol="0">
+            <a:normAutofit/>
+          </a:bodyPr>
+          <a:lstStyle/>
+          <a:p>
+            <a:pPr lvl="0"/>
+            <a:r>
+              <a:rPr lang="es-ES" smtClean="0"/>
+              <a:t>Haga clic para modificar el estilo de texto del patrón</a:t>
+            </a:r>
+          </a:p>
+          <a:p>
+            <a:pPr lvl="1"/>
+            <a:r>
+              <a:rPr lang="es-ES" smtClean="0"/>
+              <a:t>Segundo nivel</a:t>
+            </a:r>
+          </a:p>
+          <a:p>
+            <a:pPr lvl="2"/>
+            <a:r>
+              <a:rPr lang="es-ES" smtClean="0"/>
+              <a:t>Tercer nivel</a:t>
+            </a:r>
+          </a:p>
+          <a:p>
+            <a:pPr lvl="3"/>
+            <a:r>
+              <a:rPr lang="es-ES" smtClean="0"/>
+              <a:t>Cuarto nivel</a:t>
+            </a:r>
+          </a:p>
+          <a:p>
+            <a:pPr lvl="4"/>
+            <a:r>
+              <a:rPr lang="es-ES" smtClean="0"/>
+              <a:t>Quinto nivel</a:t>
+            </a:r>
+            <a:endParaRPr lang="en-GB"/>
+          </a:p>
+        </p:txBody>
+      </p:sp>
+      <p:sp>
+        <p:nvSpPr>
+          <p:cNvPr id="6" name="5 Marcador de pie de página"/>
+          <p:cNvSpPr>
+            <a:spLocks noGrp="1"/>
+          </p:cNvSpPr>
+          <p:nvPr>
+            <p:ph type="ftr" sz="quarter" idx="4"/>
+          </p:nvPr>
+        </p:nvSpPr>
+        <p:spPr>
+          <a:xfrm>
+            <a:off x="0" y="8685213"/>
+            <a:ext cx="2971800" cy="457200"/>
+          </a:xfrm>
+          <a:prstGeom prst="rect">
+            <a:avLst/>
+          </a:prstGeom>
+        </p:spPr>
+        <p:txBody>
+          <a:bodyPr vert="horz" lIns="91440" tIns="45720" rIns="91440" bIns="45720" rtlCol="0" anchor="b"/>
+          <a:lstStyle>
+            <a:lvl1pPr algn="l">
+              <a:defRPr sz="1200"/>
+            </a:lvl1pPr>
+          </a:lstStyle>
+          <a:p>
+            <a:endParaRPr lang="en-GB"/>
+          </a:p>
+        </p:txBody>
+      </p:sp>
+      <p:sp>
+        <p:nvSpPr>
+          <p:cNvPr id="7" name="6 Marcador de número de diapositiva"/>
+          <p:cNvSpPr>
+            <a:spLocks noGrp="1"/>
+          </p:cNvSpPr>
+          <p:nvPr>
+            <p:ph type="sldNum" sz="quarter" idx="5"/>
+          </p:nvPr>
+        </p:nvSpPr>
+        <p:spPr>
+          <a:xfrm>
+            <a:off x="3884613" y="8685213"/>
+            <a:ext cx="2971800" cy="457200"/>
+          </a:xfrm>
+          <a:prstGeom prst="rect">
+            <a:avLst/>
+          </a:prstGeom>
+        </p:spPr>
+        <p:txBody>
+          <a:bodyPr vert="horz" lIns="91440" tIns="45720" rIns="91440" bIns="45720" rtlCol="0" anchor="b"/>
+          <a:lstStyle>
+            <a:lvl1pPr algn="r">
+              <a:defRPr sz="1200"/>
+            </a:lvl1pPr>
+          </a:lstStyle>
+          <a:p>
+            <a:fld id="{1E047F9F-E4D1-4A29-BB8A-19035468A4E4}" type="slidenum">
+              <a:rPr lang="en-GB" smtClean="0"/>
+              <a:t>‹Nº›</a:t>
             </a:fld>
-            <a:endParaRPr lang="nb-NO"/>
+            <a:endParaRPr lang="en-GB"/>
           </a:p>
         </p:txBody>
       </p:sp>
     </p:spTree>
-    <p:extLst>
-      <p:ext uri="{BB962C8B-B14F-4D97-AF65-F5344CB8AC3E}">
-        <p14:creationId xmlns:p14="http://schemas.microsoft.com/office/powerpoint/2010/main" val="2891878726"/>
-      </p:ext>
-    </p:extLst>
   </p:cSld>
-  <p:clrMapOvr>
-    <a:masterClrMapping/>
-  </p:clrMapOvr>
-</p:sldLayout>
+  <p:clrMap bg1="lt1" tx1="dk1" bg2="lt2" tx2="dk2" accent1="accent1" accent2="accent2" accent3="accent3" accent4="accent4" accent5="accent5" accent6="accent6" hlink="hlink" folHlink="folHlink"/>
+  <p:notesStyle>
+    <a:lvl1pPr marL="0" algn="l" defTabSz="914400" rtl="0" eaLnBrk="1" latinLnBrk="0" hangingPunct="1">
+      <a:defRPr sz="1200" kern="1200">
+        <a:solidFill>
+          <a:schemeClr val="tx1"/>
+        </a:solidFill>
+        <a:latin typeface="+mn-lt"/>
+        <a:ea typeface="+mn-ea"/>
+        <a:cs typeface="+mn-cs"/>
+      </a:defRPr>
+    </a:lvl1pPr>
+    <a:lvl2pPr marL="457200" algn="l" defTabSz="914400" rtl="0" eaLnBrk="1" latinLnBrk="0" hangingPunct="1">
+      <a:defRPr sz="1200" kern="1200">
+        <a:solidFill>
+          <a:schemeClr val="tx1"/>
+        </a:solidFill>
+        <a:latin typeface="+mn-lt"/>
+        <a:ea typeface="+mn-ea"/>
+        <a:cs typeface="+mn-cs"/>
+      </a:defRPr>
+    </a:lvl2pPr>
+    <a:lvl3pPr marL="914400" algn="l" defTabSz="914400" rtl="0" eaLnBrk="1" latinLnBrk="0" hangingPunct="1">
+      <a:defRPr sz="1200" kern="1200">
+        <a:solidFill>
+          <a:schemeClr val="tx1"/>
+        </a:solidFill>
+        <a:latin typeface="+mn-lt"/>
+        <a:ea typeface="+mn-ea"/>
+        <a:cs typeface="+mn-cs"/>
+      </a:defRPr>
+    </a:lvl3pPr>
+    <a:lvl4pPr marL="1371600" algn="l" defTabSz="914400" rtl="0" eaLnBrk="1" latinLnBrk="0" hangingPunct="1">
+      <a:defRPr sz="1200" kern="1200">
+        <a:solidFill>
+          <a:schemeClr val="tx1"/>
+        </a:solidFill>
+        <a:latin typeface="+mn-lt"/>
+        <a:ea typeface="+mn-ea"/>
+        <a:cs typeface="+mn-cs"/>
+      </a:defRPr>
+    </a:lvl4pPr>
+    <a:lvl5pPr marL="1828800" algn="l" defTabSz="914400" rtl="0" eaLnBrk="1" latinLnBrk="0" hangingPunct="1">
+      <a:defRPr sz="1200" kern="1200">
+        <a:solidFill>
+          <a:schemeClr val="tx1"/>
+        </a:solidFill>
+        <a:latin typeface="+mn-lt"/>
+        <a:ea typeface="+mn-ea"/>
+        <a:cs typeface="+mn-cs"/>
+      </a:defRPr>
+    </a:lvl5pPr>
+    <a:lvl6pPr marL="2286000" algn="l" defTabSz="914400" rtl="0" eaLnBrk="1" latinLnBrk="0" hangingPunct="1">
+      <a:defRPr sz="1200" kern="1200">
+        <a:solidFill>
+          <a:schemeClr val="tx1"/>
+        </a:solidFill>
+        <a:latin typeface="+mn-lt"/>
+        <a:ea typeface="+mn-ea"/>
+        <a:cs typeface="+mn-cs"/>
+      </a:defRPr>
+    </a:lvl6pPr>
+    <a:lvl7pPr marL="2743200" algn="l" defTabSz="914400" rtl="0" eaLnBrk="1" latinLnBrk="0" hangingPunct="1">
+      <a:defRPr sz="1200" kern="1200">
+        <a:solidFill>
+          <a:schemeClr val="tx1"/>
+        </a:solidFill>
+        <a:latin typeface="+mn-lt"/>
+        <a:ea typeface="+mn-ea"/>
+        <a:cs typeface="+mn-cs"/>
+      </a:defRPr>
+    </a:lvl7pPr>
+    <a:lvl8pPr marL="3200400" algn="l" defTabSz="914400" rtl="0" eaLnBrk="1" latinLnBrk="0" hangingPunct="1">
+      <a:defRPr sz="1200" kern="1200">
+        <a:solidFill>
+          <a:schemeClr val="tx1"/>
+        </a:solidFill>
+        <a:latin typeface="+mn-lt"/>
+        <a:ea typeface="+mn-ea"/>
+        <a:cs typeface="+mn-cs"/>
+      </a:defRPr>
+    </a:lvl8pPr>
+    <a:lvl9pPr marL="3657600" algn="l" defTabSz="914400" rtl="0" eaLnBrk="1" latinLnBrk="0" hangingPunct="1">
+      <a:defRPr sz="1200" kern="1200">
+        <a:solidFill>
+          <a:schemeClr val="tx1"/>
+        </a:solidFill>
+        <a:latin typeface="+mn-lt"/>
+        <a:ea typeface="+mn-ea"/>
+        <a:cs typeface="+mn-cs"/>
+      </a:defRPr>
+    </a:lvl9pPr>
+  </p:notesStyle>
+</p:notesMaster>
 </file>
 
-<file path=ppt/slideLayouts/slideLayout10.xml><?xml version="1.0" encoding="utf-8"?>
-<p:sldLayout xmlns:a="http://schemas.openxmlformats.org/drawingml/2006/main" xmlns:r="http://schemas.openxmlformats.org/officeDocument/2006/relationships" xmlns:p="http://schemas.openxmlformats.org/presentationml/2006/main" type="vertTx" preserve="1">
-  <p:cSld name="Loddrett tekst">
+<file path=ppt/notesSlides/notesSlide1.xml><?xml version="1.0" encoding="utf-8"?>
+<p:notes xmlns:a="http://schemas.openxmlformats.org/drawingml/2006/main" xmlns:r="http://schemas.openxmlformats.org/officeDocument/2006/relationships" xmlns:p="http://schemas.openxmlformats.org/presentationml/2006/main">
+  <p:cSld>
     <p:spTree>
       <p:nvGrpSpPr>
         <p:cNvPr id="1" name=""/>
@@ -371,87 +480,45 @@
       </p:grpSpPr>
       <p:sp>
         <p:nvSpPr>
-          <p:cNvPr id="2" name="Tittel 1"/>
-          <p:cNvSpPr>
-            <a:spLocks noGrp="1"/>
-          </p:cNvSpPr>
-          <p:nvPr>
-            <p:ph type="title"/>
+          <p:cNvPr id="2" name="1 Marcador de imagen de diapositiva"/>
+          <p:cNvSpPr>
+            <a:spLocks noGrp="1" noRot="1" noChangeAspect="1"/>
+          </p:cNvSpPr>
+          <p:nvPr>
+            <p:ph type="sldImg"/>
           </p:nvPr>
         </p:nvSpPr>
         <p:spPr/>
-        <p:txBody>
-          <a:bodyPr/>
-          <a:lstStyle/>
-          <a:p>
-            <a:r>
-              <a:rPr lang="nb-NO" smtClean="0"/>
-              <a:t>Klikk for å redigere tittelstil</a:t>
-            </a:r>
-            <a:endParaRPr lang="nb-NO"/>
-          </a:p>
-        </p:txBody>
-      </p:sp>
-      <p:sp>
-        <p:nvSpPr>
-          <p:cNvPr id="3" name="Plassholder for loddrett tekst 2"/>
-          <p:cNvSpPr>
-            <a:spLocks noGrp="1"/>
-          </p:cNvSpPr>
-          <p:nvPr>
-            <p:ph type="body" orient="vert" idx="1"/>
+      </p:sp>
+      <p:sp>
+        <p:nvSpPr>
+          <p:cNvPr id="3" name="2 Marcador de notas"/>
+          <p:cNvSpPr>
+            <a:spLocks noGrp="1"/>
+          </p:cNvSpPr>
+          <p:nvPr>
+            <p:ph type="body" idx="1"/>
           </p:nvPr>
         </p:nvSpPr>
         <p:spPr/>
         <p:txBody>
-          <a:bodyPr vert="eaVert"/>
-          <a:lstStyle/>
-          <a:p>
-            <a:pPr lvl="0"/>
-            <a:r>
-              <a:rPr lang="nb-NO" smtClean="0"/>
-              <a:t>Klikk for å redigere tekststiler i malen</a:t>
-            </a:r>
-          </a:p>
-          <a:p>
-            <a:pPr lvl="1"/>
-            <a:r>
-              <a:rPr lang="nb-NO" smtClean="0"/>
-              <a:t>Andre nivå</a:t>
-            </a:r>
-          </a:p>
-          <a:p>
-            <a:pPr lvl="2"/>
-            <a:r>
-              <a:rPr lang="nb-NO" smtClean="0"/>
-              <a:t>Tredje nivå</a:t>
-            </a:r>
-          </a:p>
-          <a:p>
-            <a:pPr lvl="3"/>
-            <a:r>
-              <a:rPr lang="nb-NO" smtClean="0"/>
-              <a:t>Fjerde nivå</a:t>
-            </a:r>
-          </a:p>
-          <a:p>
-            <a:pPr lvl="4"/>
-            <a:r>
-              <a:rPr lang="nb-NO" smtClean="0"/>
-              <a:t>Femte nivå</a:t>
-            </a:r>
-            <a:endParaRPr lang="nb-NO"/>
-          </a:p>
-        </p:txBody>
-      </p:sp>
-      <p:sp>
-        <p:nvSpPr>
-          <p:cNvPr id="4" name="Plassholder for dato 3"/>
-          <p:cNvSpPr>
-            <a:spLocks noGrp="1"/>
-          </p:cNvSpPr>
-          <p:nvPr>
-            <p:ph type="dt" sz="half" idx="10"/>
+          <a:bodyPr>
+            <a:normAutofit/>
+          </a:bodyPr>
+          <a:lstStyle/>
+          <a:p>
+            <a:endParaRPr lang="en-GB" dirty="0"/>
+          </a:p>
+        </p:txBody>
+      </p:sp>
+      <p:sp>
+        <p:nvSpPr>
+          <p:cNvPr id="4" name="3 Marcador de número de diapositiva"/>
+          <p:cNvSpPr>
+            <a:spLocks noGrp="1"/>
+          </p:cNvSpPr>
+          <p:nvPr>
+            <p:ph type="sldNum" sz="quarter" idx="10"/>
           </p:nvPr>
         </p:nvSpPr>
         <p:spPr/>
@@ -459,72 +526,25 @@
           <a:bodyPr/>
           <a:lstStyle/>
           <a:p>
-            <a:fld id="{89ABF61E-C81E-B147-A9C3-9359CCDF05AF}" type="datetimeFigureOut">
-              <a:rPr lang="nb-NO" smtClean="0"/>
-              <a:t>17.11.14</a:t>
+            <a:fld id="{1E047F9F-E4D1-4A29-BB8A-19035468A4E4}" type="slidenum">
+              <a:rPr lang="en-GB" smtClean="0"/>
+              <a:t>2</a:t>
             </a:fld>
-            <a:endParaRPr lang="nb-NO"/>
-          </a:p>
-        </p:txBody>
-      </p:sp>
-      <p:sp>
-        <p:nvSpPr>
-          <p:cNvPr id="5" name="Plassholder for bunntekst 4"/>
-          <p:cNvSpPr>
-            <a:spLocks noGrp="1"/>
-          </p:cNvSpPr>
-          <p:nvPr>
-            <p:ph type="ftr" sz="quarter" idx="11"/>
-          </p:nvPr>
-        </p:nvSpPr>
-        <p:spPr/>
-        <p:txBody>
-          <a:bodyPr/>
-          <a:lstStyle/>
-          <a:p>
-            <a:endParaRPr lang="nb-NO"/>
-          </a:p>
-        </p:txBody>
-      </p:sp>
-      <p:sp>
-        <p:nvSpPr>
-          <p:cNvPr id="6" name="Plassholder for lysbildenummer 5"/>
-          <p:cNvSpPr>
-            <a:spLocks noGrp="1"/>
-          </p:cNvSpPr>
-          <p:nvPr>
-            <p:ph type="sldNum" sz="quarter" idx="12"/>
-          </p:nvPr>
-        </p:nvSpPr>
-        <p:spPr/>
-        <p:txBody>
-          <a:bodyPr/>
-          <a:lstStyle/>
-          <a:p>
-            <a:fld id="{A592D690-0A75-2B47-B762-A5B99D01306A}" type="slidenum">
-              <a:rPr lang="nb-NO" smtClean="0"/>
-              <a:t>‹#›</a:t>
-            </a:fld>
-            <a:endParaRPr lang="nb-NO"/>
+            <a:endParaRPr lang="en-GB"/>
           </a:p>
         </p:txBody>
       </p:sp>
     </p:spTree>
-    <p:extLst>
-      <p:ext uri="{BB962C8B-B14F-4D97-AF65-F5344CB8AC3E}">
-        <p14:creationId xmlns:p14="http://schemas.microsoft.com/office/powerpoint/2010/main" val="1839534088"/>
-      </p:ext>
-    </p:extLst>
   </p:cSld>
   <p:clrMapOvr>
     <a:masterClrMapping/>
   </p:clrMapOvr>
-</p:sldLayout>
+</p:notes>
 </file>
 
-<file path=ppt/slideLayouts/slideLayout11.xml><?xml version="1.0" encoding="utf-8"?>
-<p:sldLayout xmlns:a="http://schemas.openxmlformats.org/drawingml/2006/main" xmlns:r="http://schemas.openxmlformats.org/officeDocument/2006/relationships" xmlns:p="http://schemas.openxmlformats.org/presentationml/2006/main" type="vertTitleAndTx" preserve="1">
-  <p:cSld name="Loddrett tittel og tekst">
+<file path=ppt/slideLayouts/slideLayout1.xml><?xml version="1.0" encoding="utf-8"?>
+<p:sldLayout xmlns:a="http://schemas.openxmlformats.org/drawingml/2006/main" xmlns:r="http://schemas.openxmlformats.org/officeDocument/2006/relationships" xmlns:p="http://schemas.openxmlformats.org/presentationml/2006/main" type="title" preserve="1">
+  <p:cSld name="Diapositiva de título">
     <p:spTree>
       <p:nvGrpSpPr>
         <p:cNvPr id="1" name=""/>
@@ -541,92 +561,154 @@
       </p:grpSpPr>
       <p:sp>
         <p:nvSpPr>
-          <p:cNvPr id="2" name="Loddrett tittel 1"/>
-          <p:cNvSpPr>
-            <a:spLocks noGrp="1"/>
-          </p:cNvSpPr>
-          <p:nvPr>
-            <p:ph type="title" orient="vert"/>
+          <p:cNvPr id="2" name="1 Título"/>
+          <p:cNvSpPr>
+            <a:spLocks noGrp="1"/>
+          </p:cNvSpPr>
+          <p:nvPr>
+            <p:ph type="ctrTitle"/>
           </p:nvPr>
         </p:nvSpPr>
         <p:spPr>
           <a:xfrm>
-            <a:off x="6629400" y="274638"/>
-            <a:ext cx="2057400" cy="5851525"/>
+            <a:off x="685800" y="2130425"/>
+            <a:ext cx="7772400" cy="1470025"/>
           </a:xfrm>
         </p:spPr>
         <p:txBody>
-          <a:bodyPr vert="eaVert"/>
-          <a:lstStyle/>
-          <a:p>
-            <a:r>
-              <a:rPr lang="nb-NO" smtClean="0"/>
-              <a:t>Klikk for å redigere tittelstil</a:t>
-            </a:r>
-            <a:endParaRPr lang="nb-NO"/>
-          </a:p>
-        </p:txBody>
-      </p:sp>
-      <p:sp>
-        <p:nvSpPr>
-          <p:cNvPr id="3" name="Plassholder for loddrett tekst 2"/>
-          <p:cNvSpPr>
-            <a:spLocks noGrp="1"/>
-          </p:cNvSpPr>
-          <p:nvPr>
-            <p:ph type="body" orient="vert" idx="1"/>
+          <a:bodyPr/>
+          <a:lstStyle/>
+          <a:p>
+            <a:r>
+              <a:rPr lang="es-ES" smtClean="0"/>
+              <a:t>Haga clic para modificar el estilo de título del patrón</a:t>
+            </a:r>
+            <a:endParaRPr lang="en-GB"/>
+          </a:p>
+        </p:txBody>
+      </p:sp>
+      <p:sp>
+        <p:nvSpPr>
+          <p:cNvPr id="3" name="2 Subtítulo"/>
+          <p:cNvSpPr>
+            <a:spLocks noGrp="1"/>
+          </p:cNvSpPr>
+          <p:nvPr>
+            <p:ph type="subTitle" idx="1"/>
           </p:nvPr>
         </p:nvSpPr>
         <p:spPr>
           <a:xfrm>
-            <a:off x="457200" y="274638"/>
-            <a:ext cx="6019800" cy="5851525"/>
+            <a:off x="1371600" y="3886200"/>
+            <a:ext cx="6400800" cy="1752600"/>
           </a:xfrm>
         </p:spPr>
         <p:txBody>
-          <a:bodyPr vert="eaVert"/>
-          <a:lstStyle/>
-          <a:p>
-            <a:pPr lvl="0"/>
-            <a:r>
-              <a:rPr lang="nb-NO" smtClean="0"/>
-              <a:t>Klikk for å redigere tekststiler i malen</a:t>
-            </a:r>
-          </a:p>
-          <a:p>
-            <a:pPr lvl="1"/>
-            <a:r>
-              <a:rPr lang="nb-NO" smtClean="0"/>
-              <a:t>Andre nivå</a:t>
-            </a:r>
-          </a:p>
-          <a:p>
-            <a:pPr lvl="2"/>
-            <a:r>
-              <a:rPr lang="nb-NO" smtClean="0"/>
-              <a:t>Tredje nivå</a:t>
-            </a:r>
-          </a:p>
-          <a:p>
-            <a:pPr lvl="3"/>
-            <a:r>
-              <a:rPr lang="nb-NO" smtClean="0"/>
-              <a:t>Fjerde nivå</a:t>
-            </a:r>
-          </a:p>
-          <a:p>
-            <a:pPr lvl="4"/>
-            <a:r>
-              <a:rPr lang="nb-NO" smtClean="0"/>
-              <a:t>Femte nivå</a:t>
-            </a:r>
-            <a:endParaRPr lang="nb-NO"/>
-          </a:p>
-        </p:txBody>
-      </p:sp>
-      <p:sp>
-        <p:nvSpPr>
-          <p:cNvPr id="4" name="Plassholder for dato 3"/>
+          <a:bodyPr/>
+          <a:lstStyle>
+            <a:lvl1pPr marL="0" indent="0" algn="ctr">
+              <a:buNone/>
+              <a:defRPr>
+                <a:solidFill>
+                  <a:schemeClr val="tx1">
+                    <a:tint val="75000"/>
+                  </a:schemeClr>
+                </a:solidFill>
+              </a:defRPr>
+            </a:lvl1pPr>
+            <a:lvl2pPr marL="457200" indent="0" algn="ctr">
+              <a:buNone/>
+              <a:defRPr>
+                <a:solidFill>
+                  <a:schemeClr val="tx1">
+                    <a:tint val="75000"/>
+                  </a:schemeClr>
+                </a:solidFill>
+              </a:defRPr>
+            </a:lvl2pPr>
+            <a:lvl3pPr marL="914400" indent="0" algn="ctr">
+              <a:buNone/>
+              <a:defRPr>
+                <a:solidFill>
+                  <a:schemeClr val="tx1">
+                    <a:tint val="75000"/>
+                  </a:schemeClr>
+                </a:solidFill>
+              </a:defRPr>
+            </a:lvl3pPr>
+            <a:lvl4pPr marL="1371600" indent="0" algn="ctr">
+              <a:buNone/>
+              <a:defRPr>
+                <a:solidFill>
+                  <a:schemeClr val="tx1">
+                    <a:tint val="75000"/>
+                  </a:schemeClr>
+                </a:solidFill>
+              </a:defRPr>
+            </a:lvl4pPr>
+            <a:lvl5pPr marL="1828800" indent="0" algn="ctr">
+              <a:buNone/>
+              <a:defRPr>
+                <a:solidFill>
+                  <a:schemeClr val="tx1">
+                    <a:tint val="75000"/>
+                  </a:schemeClr>
+                </a:solidFill>
+              </a:defRPr>
+            </a:lvl5pPr>
+            <a:lvl6pPr marL="2286000" indent="0" algn="ctr">
+              <a:buNone/>
+              <a:defRPr>
+                <a:solidFill>
+                  <a:schemeClr val="tx1">
+                    <a:tint val="75000"/>
+                  </a:schemeClr>
+                </a:solidFill>
+              </a:defRPr>
+            </a:lvl6pPr>
+            <a:lvl7pPr marL="2743200" indent="0" algn="ctr">
+              <a:buNone/>
+              <a:defRPr>
+                <a:solidFill>
+                  <a:schemeClr val="tx1">
+                    <a:tint val="75000"/>
+                  </a:schemeClr>
+                </a:solidFill>
+              </a:defRPr>
+            </a:lvl7pPr>
+            <a:lvl8pPr marL="3200400" indent="0" algn="ctr">
+              <a:buNone/>
+              <a:defRPr>
+                <a:solidFill>
+                  <a:schemeClr val="tx1">
+                    <a:tint val="75000"/>
+                  </a:schemeClr>
+                </a:solidFill>
+              </a:defRPr>
+            </a:lvl8pPr>
+            <a:lvl9pPr marL="3657600" indent="0" algn="ctr">
+              <a:buNone/>
+              <a:defRPr>
+                <a:solidFill>
+                  <a:schemeClr val="tx1">
+                    <a:tint val="75000"/>
+                  </a:schemeClr>
+                </a:solidFill>
+              </a:defRPr>
+            </a:lvl9pPr>
+          </a:lstStyle>
+          <a:p>
+            <a:r>
+              <a:rPr lang="es-ES" smtClean="0"/>
+              <a:t>Haga clic para modificar el estilo de subtítulo del patrón</a:t>
+            </a:r>
+            <a:endParaRPr lang="en-GB"/>
+          </a:p>
+        </p:txBody>
+      </p:sp>
+      <p:sp>
+        <p:nvSpPr>
+          <p:cNvPr id="4" name="3 Marcador de fecha"/>
           <p:cNvSpPr>
             <a:spLocks noGrp="1"/>
           </p:cNvSpPr>
@@ -641,7 +723,8 @@
           <a:p>
             <a:fld id="{89ABF61E-C81E-B147-A9C3-9359CCDF05AF}" type="datetimeFigureOut">
               <a:rPr lang="nb-NO" smtClean="0"/>
-              <a:t>17.11.14</a:t>
+              <a:pPr/>
+              <a:t>17.11.2014</a:t>
             </a:fld>
             <a:endParaRPr lang="nb-NO"/>
           </a:p>
@@ -649,7 +732,7 @@
       </p:sp>
       <p:sp>
         <p:nvSpPr>
-          <p:cNvPr id="5" name="Plassholder for bunntekst 4"/>
+          <p:cNvPr id="5" name="4 Marcador de pie de página"/>
           <p:cNvSpPr>
             <a:spLocks noGrp="1"/>
           </p:cNvSpPr>
@@ -668,7 +751,7 @@
       </p:sp>
       <p:sp>
         <p:nvSpPr>
-          <p:cNvPr id="6" name="Plassholder for lysbildenummer 5"/>
+          <p:cNvPr id="6" name="5 Marcador de número de diapositiva"/>
           <p:cNvSpPr>
             <a:spLocks noGrp="1"/>
           </p:cNvSpPr>
@@ -683,18 +766,14 @@
           <a:p>
             <a:fld id="{A592D690-0A75-2B47-B762-A5B99D01306A}" type="slidenum">
               <a:rPr lang="nb-NO" smtClean="0"/>
-              <a:t>‹#›</a:t>
+              <a:pPr/>
+              <a:t>‹Nº›</a:t>
             </a:fld>
             <a:endParaRPr lang="nb-NO"/>
           </a:p>
         </p:txBody>
       </p:sp>
     </p:spTree>
-    <p:extLst>
-      <p:ext uri="{BB962C8B-B14F-4D97-AF65-F5344CB8AC3E}">
-        <p14:creationId xmlns:p14="http://schemas.microsoft.com/office/powerpoint/2010/main" val="3786481422"/>
-      </p:ext>
-    </p:extLst>
   </p:cSld>
   <p:clrMapOvr>
     <a:masterClrMapping/>
@@ -702,9 +781,9 @@
 </p:sldLayout>
 </file>
 
-<file path=ppt/slideLayouts/slideLayout2.xml><?xml version="1.0" encoding="utf-8"?>
-<p:sldLayout xmlns:a="http://schemas.openxmlformats.org/drawingml/2006/main" xmlns:r="http://schemas.openxmlformats.org/officeDocument/2006/relationships" xmlns:p="http://schemas.openxmlformats.org/presentationml/2006/main" type="obj" preserve="1">
-  <p:cSld name="Tittel og innhold">
+<file path=ppt/slideLayouts/slideLayout10.xml><?xml version="1.0" encoding="utf-8"?>
+<p:sldLayout xmlns:a="http://schemas.openxmlformats.org/drawingml/2006/main" xmlns:r="http://schemas.openxmlformats.org/officeDocument/2006/relationships" xmlns:p="http://schemas.openxmlformats.org/presentationml/2006/main" type="vertTx" preserve="1">
+  <p:cSld name="Título y texto vertical">
     <p:spTree>
       <p:nvGrpSpPr>
         <p:cNvPr id="1" name=""/>
@@ -721,7 +800,7 @@
       </p:grpSpPr>
       <p:sp>
         <p:nvSpPr>
-          <p:cNvPr id="2" name="Tittel 1"/>
+          <p:cNvPr id="2" name="1 Título"/>
           <p:cNvSpPr>
             <a:spLocks noGrp="1"/>
           </p:cNvSpPr>
@@ -735,68 +814,68 @@
           <a:lstStyle/>
           <a:p>
             <a:r>
-              <a:rPr lang="nb-NO" smtClean="0"/>
-              <a:t>Klikk for å redigere tittelstil</a:t>
-            </a:r>
-            <a:endParaRPr lang="nb-NO"/>
-          </a:p>
-        </p:txBody>
-      </p:sp>
-      <p:sp>
-        <p:nvSpPr>
-          <p:cNvPr id="3" name="Plassholder for innhold 2"/>
-          <p:cNvSpPr>
-            <a:spLocks noGrp="1"/>
-          </p:cNvSpPr>
-          <p:nvPr>
-            <p:ph idx="1"/>
+              <a:rPr lang="es-ES" smtClean="0"/>
+              <a:t>Haga clic para modificar el estilo de título del patrón</a:t>
+            </a:r>
+            <a:endParaRPr lang="en-GB"/>
+          </a:p>
+        </p:txBody>
+      </p:sp>
+      <p:sp>
+        <p:nvSpPr>
+          <p:cNvPr id="3" name="2 Marcador de texto vertical"/>
+          <p:cNvSpPr>
+            <a:spLocks noGrp="1"/>
+          </p:cNvSpPr>
+          <p:nvPr>
+            <p:ph type="body" orient="vert" idx="1"/>
           </p:nvPr>
         </p:nvSpPr>
         <p:spPr/>
         <p:txBody>
-          <a:bodyPr/>
+          <a:bodyPr vert="eaVert"/>
           <a:lstStyle/>
           <a:p>
             <a:pPr lvl="0"/>
             <a:r>
-              <a:rPr lang="nb-NO" smtClean="0"/>
-              <a:t>Klikk for å redigere tekststiler i malen</a:t>
+              <a:rPr lang="es-ES" smtClean="0"/>
+              <a:t>Haga clic para modificar el estilo de texto del patrón</a:t>
             </a:r>
           </a:p>
           <a:p>
             <a:pPr lvl="1"/>
             <a:r>
-              <a:rPr lang="nb-NO" smtClean="0"/>
-              <a:t>Andre nivå</a:t>
+              <a:rPr lang="es-ES" smtClean="0"/>
+              <a:t>Segundo nivel</a:t>
             </a:r>
           </a:p>
           <a:p>
             <a:pPr lvl="2"/>
             <a:r>
-              <a:rPr lang="nb-NO" smtClean="0"/>
-              <a:t>Tredje nivå</a:t>
+              <a:rPr lang="es-ES" smtClean="0"/>
+              <a:t>Tercer nivel</a:t>
             </a:r>
           </a:p>
           <a:p>
             <a:pPr lvl="3"/>
             <a:r>
-              <a:rPr lang="nb-NO" smtClean="0"/>
-              <a:t>Fjerde nivå</a:t>
+              <a:rPr lang="es-ES" smtClean="0"/>
+              <a:t>Cuarto nivel</a:t>
             </a:r>
           </a:p>
           <a:p>
             <a:pPr lvl="4"/>
             <a:r>
-              <a:rPr lang="nb-NO" smtClean="0"/>
-              <a:t>Femte nivå</a:t>
-            </a:r>
-            <a:endParaRPr lang="nb-NO"/>
-          </a:p>
-        </p:txBody>
-      </p:sp>
-      <p:sp>
-        <p:nvSpPr>
-          <p:cNvPr id="4" name="Plassholder for dato 3"/>
+              <a:rPr lang="es-ES" smtClean="0"/>
+              <a:t>Quinto nivel</a:t>
+            </a:r>
+            <a:endParaRPr lang="en-GB"/>
+          </a:p>
+        </p:txBody>
+      </p:sp>
+      <p:sp>
+        <p:nvSpPr>
+          <p:cNvPr id="4" name="3 Marcador de fecha"/>
           <p:cNvSpPr>
             <a:spLocks noGrp="1"/>
           </p:cNvSpPr>
@@ -811,7 +890,8 @@
           <a:p>
             <a:fld id="{89ABF61E-C81E-B147-A9C3-9359CCDF05AF}" type="datetimeFigureOut">
               <a:rPr lang="nb-NO" smtClean="0"/>
-              <a:t>17.11.14</a:t>
+              <a:pPr/>
+              <a:t>17.11.2014</a:t>
             </a:fld>
             <a:endParaRPr lang="nb-NO"/>
           </a:p>
@@ -819,7 +899,7 @@
       </p:sp>
       <p:sp>
         <p:nvSpPr>
-          <p:cNvPr id="5" name="Plassholder for bunntekst 4"/>
+          <p:cNvPr id="5" name="4 Marcador de pie de página"/>
           <p:cNvSpPr>
             <a:spLocks noGrp="1"/>
           </p:cNvSpPr>
@@ -838,7 +918,7 @@
       </p:sp>
       <p:sp>
         <p:nvSpPr>
-          <p:cNvPr id="6" name="Plassholder for lysbildenummer 5"/>
+          <p:cNvPr id="6" name="5 Marcador de número de diapositiva"/>
           <p:cNvSpPr>
             <a:spLocks noGrp="1"/>
           </p:cNvSpPr>
@@ -853,18 +933,14 @@
           <a:p>
             <a:fld id="{A592D690-0A75-2B47-B762-A5B99D01306A}" type="slidenum">
               <a:rPr lang="nb-NO" smtClean="0"/>
-              <a:t>‹#›</a:t>
+              <a:pPr/>
+              <a:t>‹Nº›</a:t>
             </a:fld>
             <a:endParaRPr lang="nb-NO"/>
           </a:p>
         </p:txBody>
       </p:sp>
     </p:spTree>
-    <p:extLst>
-      <p:ext uri="{BB962C8B-B14F-4D97-AF65-F5344CB8AC3E}">
-        <p14:creationId xmlns:p14="http://schemas.microsoft.com/office/powerpoint/2010/main" val="1312750158"/>
-      </p:ext>
-    </p:extLst>
   </p:cSld>
   <p:clrMapOvr>
     <a:masterClrMapping/>
@@ -872,9 +948,9 @@
 </p:sldLayout>
 </file>
 
-<file path=ppt/slideLayouts/slideLayout3.xml><?xml version="1.0" encoding="utf-8"?>
-<p:sldLayout xmlns:a="http://schemas.openxmlformats.org/drawingml/2006/main" xmlns:r="http://schemas.openxmlformats.org/officeDocument/2006/relationships" xmlns:p="http://schemas.openxmlformats.org/presentationml/2006/main" type="secHead" preserve="1">
-  <p:cSld name="Inndelingsoverskrift">
+<file path=ppt/slideLayouts/slideLayout11.xml><?xml version="1.0" encoding="utf-8"?>
+<p:sldLayout xmlns:a="http://schemas.openxmlformats.org/drawingml/2006/main" xmlns:r="http://schemas.openxmlformats.org/officeDocument/2006/relationships" xmlns:p="http://schemas.openxmlformats.org/presentationml/2006/main" type="vertTitleAndTx" preserve="1">
+  <p:cSld name="Título vertical y texto">
     <p:spTree>
       <p:nvGrpSpPr>
         <p:cNvPr id="1" name=""/>
@@ -891,158 +967,92 @@
       </p:grpSpPr>
       <p:sp>
         <p:nvSpPr>
-          <p:cNvPr id="2" name="Tittel 1"/>
-          <p:cNvSpPr>
-            <a:spLocks noGrp="1"/>
-          </p:cNvSpPr>
-          <p:nvPr>
-            <p:ph type="title"/>
+          <p:cNvPr id="2" name="1 Título vertical"/>
+          <p:cNvSpPr>
+            <a:spLocks noGrp="1"/>
+          </p:cNvSpPr>
+          <p:nvPr>
+            <p:ph type="title" orient="vert"/>
           </p:nvPr>
         </p:nvSpPr>
         <p:spPr>
           <a:xfrm>
-            <a:off x="722313" y="4406900"/>
-            <a:ext cx="7772400" cy="1362075"/>
+            <a:off x="6629400" y="274638"/>
+            <a:ext cx="2057400" cy="5851525"/>
           </a:xfrm>
         </p:spPr>
         <p:txBody>
-          <a:bodyPr anchor="t"/>
-          <a:lstStyle>
-            <a:lvl1pPr algn="l">
-              <a:defRPr sz="4000" b="1" cap="all"/>
-            </a:lvl1pPr>
-          </a:lstStyle>
-          <a:p>
-            <a:r>
-              <a:rPr lang="nb-NO" smtClean="0"/>
-              <a:t>Klikk for å redigere tittelstil</a:t>
-            </a:r>
-            <a:endParaRPr lang="nb-NO"/>
-          </a:p>
-        </p:txBody>
-      </p:sp>
-      <p:sp>
-        <p:nvSpPr>
-          <p:cNvPr id="3" name="Plassholder for tekst 2"/>
-          <p:cNvSpPr>
-            <a:spLocks noGrp="1"/>
-          </p:cNvSpPr>
-          <p:nvPr>
-            <p:ph type="body" idx="1"/>
+          <a:bodyPr vert="eaVert"/>
+          <a:lstStyle/>
+          <a:p>
+            <a:r>
+              <a:rPr lang="es-ES" smtClean="0"/>
+              <a:t>Haga clic para modificar el estilo de título del patrón</a:t>
+            </a:r>
+            <a:endParaRPr lang="en-GB"/>
+          </a:p>
+        </p:txBody>
+      </p:sp>
+      <p:sp>
+        <p:nvSpPr>
+          <p:cNvPr id="3" name="2 Marcador de texto vertical"/>
+          <p:cNvSpPr>
+            <a:spLocks noGrp="1"/>
+          </p:cNvSpPr>
+          <p:nvPr>
+            <p:ph type="body" orient="vert" idx="1"/>
           </p:nvPr>
         </p:nvSpPr>
         <p:spPr>
           <a:xfrm>
-            <a:off x="722313" y="2906713"/>
-            <a:ext cx="7772400" cy="1500187"/>
+            <a:off x="457200" y="274638"/>
+            <a:ext cx="6019800" cy="5851525"/>
           </a:xfrm>
         </p:spPr>
         <p:txBody>
-          <a:bodyPr anchor="b"/>
-          <a:lstStyle>
-            <a:lvl1pPr marL="0" indent="0">
-              <a:buNone/>
-              <a:defRPr sz="2000">
-                <a:solidFill>
-                  <a:schemeClr val="tx1">
-                    <a:tint val="75000"/>
-                  </a:schemeClr>
-                </a:solidFill>
-              </a:defRPr>
-            </a:lvl1pPr>
-            <a:lvl2pPr marL="457200" indent="0">
-              <a:buNone/>
-              <a:defRPr sz="1800">
-                <a:solidFill>
-                  <a:schemeClr val="tx1">
-                    <a:tint val="75000"/>
-                  </a:schemeClr>
-                </a:solidFill>
-              </a:defRPr>
-            </a:lvl2pPr>
-            <a:lvl3pPr marL="914400" indent="0">
-              <a:buNone/>
-              <a:defRPr sz="1600">
-                <a:solidFill>
-                  <a:schemeClr val="tx1">
-                    <a:tint val="75000"/>
-                  </a:schemeClr>
-                </a:solidFill>
-              </a:defRPr>
-            </a:lvl3pPr>
-            <a:lvl4pPr marL="1371600" indent="0">
-              <a:buNone/>
-              <a:defRPr sz="1400">
-                <a:solidFill>
-                  <a:schemeClr val="tx1">
-                    <a:tint val="75000"/>
-                  </a:schemeClr>
-                </a:solidFill>
-              </a:defRPr>
-            </a:lvl4pPr>
-            <a:lvl5pPr marL="1828800" indent="0">
-              <a:buNone/>
-              <a:defRPr sz="1400">
-                <a:solidFill>
-                  <a:schemeClr val="tx1">
-                    <a:tint val="75000"/>
-                  </a:schemeClr>
-                </a:solidFill>
-              </a:defRPr>
-            </a:lvl5pPr>
-            <a:lvl6pPr marL="2286000" indent="0">
-              <a:buNone/>
-              <a:defRPr sz="1400">
-                <a:solidFill>
-                  <a:schemeClr val="tx1">
-                    <a:tint val="75000"/>
-                  </a:schemeClr>
-                </a:solidFill>
-              </a:defRPr>
-            </a:lvl6pPr>
-            <a:lvl7pPr marL="2743200" indent="0">
-              <a:buNone/>
-              <a:defRPr sz="1400">
-                <a:solidFill>
-                  <a:schemeClr val="tx1">
-                    <a:tint val="75000"/>
-                  </a:schemeClr>
-                </a:solidFill>
-              </a:defRPr>
-            </a:lvl7pPr>
-            <a:lvl8pPr marL="3200400" indent="0">
-              <a:buNone/>
-              <a:defRPr sz="1400">
-                <a:solidFill>
-                  <a:schemeClr val="tx1">
-                    <a:tint val="75000"/>
-                  </a:schemeClr>
-                </a:solidFill>
-              </a:defRPr>
-            </a:lvl8pPr>
-            <a:lvl9pPr marL="3657600" indent="0">
-              <a:buNone/>
-              <a:defRPr sz="1400">
-                <a:solidFill>
-                  <a:schemeClr val="tx1">
-                    <a:tint val="75000"/>
-                  </a:schemeClr>
-                </a:solidFill>
-              </a:defRPr>
-            </a:lvl9pPr>
-          </a:lstStyle>
+          <a:bodyPr vert="eaVert"/>
+          <a:lstStyle/>
           <a:p>
             <a:pPr lvl="0"/>
             <a:r>
-              <a:rPr lang="nb-NO" smtClean="0"/>
-              <a:t>Klikk for å redigere tekststiler i malen</a:t>
-            </a:r>
-          </a:p>
-        </p:txBody>
-      </p:sp>
-      <p:sp>
-        <p:nvSpPr>
-          <p:cNvPr id="4" name="Plassholder for dato 3"/>
+              <a:rPr lang="es-ES" smtClean="0"/>
+              <a:t>Haga clic para modificar el estilo de texto del patrón</a:t>
+            </a:r>
+          </a:p>
+          <a:p>
+            <a:pPr lvl="1"/>
+            <a:r>
+              <a:rPr lang="es-ES" smtClean="0"/>
+              <a:t>Segundo nivel</a:t>
+            </a:r>
+          </a:p>
+          <a:p>
+            <a:pPr lvl="2"/>
+            <a:r>
+              <a:rPr lang="es-ES" smtClean="0"/>
+              <a:t>Tercer nivel</a:t>
+            </a:r>
+          </a:p>
+          <a:p>
+            <a:pPr lvl="3"/>
+            <a:r>
+              <a:rPr lang="es-ES" smtClean="0"/>
+              <a:t>Cuarto nivel</a:t>
+            </a:r>
+          </a:p>
+          <a:p>
+            <a:pPr lvl="4"/>
+            <a:r>
+              <a:rPr lang="es-ES" smtClean="0"/>
+              <a:t>Quinto nivel</a:t>
+            </a:r>
+            <a:endParaRPr lang="en-GB"/>
+          </a:p>
+        </p:txBody>
+      </p:sp>
+      <p:sp>
+        <p:nvSpPr>
+          <p:cNvPr id="4" name="3 Marcador de fecha"/>
           <p:cNvSpPr>
             <a:spLocks noGrp="1"/>
           </p:cNvSpPr>
@@ -1057,7 +1067,8 @@
           <a:p>
             <a:fld id="{89ABF61E-C81E-B147-A9C3-9359CCDF05AF}" type="datetimeFigureOut">
               <a:rPr lang="nb-NO" smtClean="0"/>
-              <a:t>17.11.14</a:t>
+              <a:pPr/>
+              <a:t>17.11.2014</a:t>
             </a:fld>
             <a:endParaRPr lang="nb-NO"/>
           </a:p>
@@ -1065,7 +1076,7 @@
       </p:sp>
       <p:sp>
         <p:nvSpPr>
-          <p:cNvPr id="5" name="Plassholder for bunntekst 4"/>
+          <p:cNvPr id="5" name="4 Marcador de pie de página"/>
           <p:cNvSpPr>
             <a:spLocks noGrp="1"/>
           </p:cNvSpPr>
@@ -1084,7 +1095,7 @@
       </p:sp>
       <p:sp>
         <p:nvSpPr>
-          <p:cNvPr id="6" name="Plassholder for lysbildenummer 5"/>
+          <p:cNvPr id="6" name="5 Marcador de número de diapositiva"/>
           <p:cNvSpPr>
             <a:spLocks noGrp="1"/>
           </p:cNvSpPr>
@@ -1099,18 +1110,14 @@
           <a:p>
             <a:fld id="{A592D690-0A75-2B47-B762-A5B99D01306A}" type="slidenum">
               <a:rPr lang="nb-NO" smtClean="0"/>
-              <a:t>‹#›</a:t>
+              <a:pPr/>
+              <a:t>‹Nº›</a:t>
             </a:fld>
             <a:endParaRPr lang="nb-NO"/>
           </a:p>
         </p:txBody>
       </p:sp>
     </p:spTree>
-    <p:extLst>
-      <p:ext uri="{BB962C8B-B14F-4D97-AF65-F5344CB8AC3E}">
-        <p14:creationId xmlns:p14="http://schemas.microsoft.com/office/powerpoint/2010/main" val="1663573139"/>
-      </p:ext>
-    </p:extLst>
   </p:cSld>
   <p:clrMapOvr>
     <a:masterClrMapping/>
@@ -1118,9 +1125,9 @@
 </p:sldLayout>
 </file>
 
-<file path=ppt/slideLayouts/slideLayout4.xml><?xml version="1.0" encoding="utf-8"?>
-<p:sldLayout xmlns:a="http://schemas.openxmlformats.org/drawingml/2006/main" xmlns:r="http://schemas.openxmlformats.org/officeDocument/2006/relationships" xmlns:p="http://schemas.openxmlformats.org/presentationml/2006/main" type="twoObj" preserve="1">
-  <p:cSld name="To innholdsdeler">
+<file path=ppt/slideLayouts/slideLayout2.xml><?xml version="1.0" encoding="utf-8"?>
+<p:sldLayout xmlns:a="http://schemas.openxmlformats.org/drawingml/2006/main" xmlns:r="http://schemas.openxmlformats.org/officeDocument/2006/relationships" xmlns:p="http://schemas.openxmlformats.org/presentationml/2006/main" type="obj" preserve="1">
+  <p:cSld name="Título y objetos">
     <p:spTree>
       <p:nvGrpSpPr>
         <p:cNvPr id="1" name=""/>
@@ -1137,7 +1144,7 @@
       </p:grpSpPr>
       <p:sp>
         <p:nvSpPr>
-          <p:cNvPr id="2" name="Tittel 1"/>
+          <p:cNvPr id="2" name="1 Título"/>
           <p:cNvSpPr>
             <a:spLocks noGrp="1"/>
           </p:cNvSpPr>
@@ -1151,16 +1158,426 @@
           <a:lstStyle/>
           <a:p>
             <a:r>
+              <a:rPr lang="es-ES" smtClean="0"/>
+              <a:t>Haga clic para modificar el estilo de título del patrón</a:t>
+            </a:r>
+            <a:endParaRPr lang="en-GB"/>
+          </a:p>
+        </p:txBody>
+      </p:sp>
+      <p:sp>
+        <p:nvSpPr>
+          <p:cNvPr id="3" name="2 Marcador de contenido"/>
+          <p:cNvSpPr>
+            <a:spLocks noGrp="1"/>
+          </p:cNvSpPr>
+          <p:nvPr>
+            <p:ph idx="1"/>
+          </p:nvPr>
+        </p:nvSpPr>
+        <p:spPr/>
+        <p:txBody>
+          <a:bodyPr/>
+          <a:lstStyle/>
+          <a:p>
+            <a:pPr lvl="0"/>
+            <a:r>
+              <a:rPr lang="es-ES" smtClean="0"/>
+              <a:t>Haga clic para modificar el estilo de texto del patrón</a:t>
+            </a:r>
+          </a:p>
+          <a:p>
+            <a:pPr lvl="1"/>
+            <a:r>
+              <a:rPr lang="es-ES" smtClean="0"/>
+              <a:t>Segundo nivel</a:t>
+            </a:r>
+          </a:p>
+          <a:p>
+            <a:pPr lvl="2"/>
+            <a:r>
+              <a:rPr lang="es-ES" smtClean="0"/>
+              <a:t>Tercer nivel</a:t>
+            </a:r>
+          </a:p>
+          <a:p>
+            <a:pPr lvl="3"/>
+            <a:r>
+              <a:rPr lang="es-ES" smtClean="0"/>
+              <a:t>Cuarto nivel</a:t>
+            </a:r>
+          </a:p>
+          <a:p>
+            <a:pPr lvl="4"/>
+            <a:r>
+              <a:rPr lang="es-ES" smtClean="0"/>
+              <a:t>Quinto nivel</a:t>
+            </a:r>
+            <a:endParaRPr lang="en-GB"/>
+          </a:p>
+        </p:txBody>
+      </p:sp>
+      <p:sp>
+        <p:nvSpPr>
+          <p:cNvPr id="4" name="3 Marcador de fecha"/>
+          <p:cNvSpPr>
+            <a:spLocks noGrp="1"/>
+          </p:cNvSpPr>
+          <p:nvPr>
+            <p:ph type="dt" sz="half" idx="10"/>
+          </p:nvPr>
+        </p:nvSpPr>
+        <p:spPr/>
+        <p:txBody>
+          <a:bodyPr/>
+          <a:lstStyle/>
+          <a:p>
+            <a:fld id="{89ABF61E-C81E-B147-A9C3-9359CCDF05AF}" type="datetimeFigureOut">
               <a:rPr lang="nb-NO" smtClean="0"/>
-              <a:t>Klikk for å redigere tittelstil</a:t>
-            </a:r>
+              <a:pPr/>
+              <a:t>17.11.2014</a:t>
+            </a:fld>
             <a:endParaRPr lang="nb-NO"/>
           </a:p>
         </p:txBody>
       </p:sp>
       <p:sp>
         <p:nvSpPr>
-          <p:cNvPr id="3" name="Plassholder for innhold 2"/>
+          <p:cNvPr id="5" name="4 Marcador de pie de página"/>
+          <p:cNvSpPr>
+            <a:spLocks noGrp="1"/>
+          </p:cNvSpPr>
+          <p:nvPr>
+            <p:ph type="ftr" sz="quarter" idx="11"/>
+          </p:nvPr>
+        </p:nvSpPr>
+        <p:spPr/>
+        <p:txBody>
+          <a:bodyPr/>
+          <a:lstStyle/>
+          <a:p>
+            <a:endParaRPr lang="nb-NO"/>
+          </a:p>
+        </p:txBody>
+      </p:sp>
+      <p:sp>
+        <p:nvSpPr>
+          <p:cNvPr id="6" name="5 Marcador de número de diapositiva"/>
+          <p:cNvSpPr>
+            <a:spLocks noGrp="1"/>
+          </p:cNvSpPr>
+          <p:nvPr>
+            <p:ph type="sldNum" sz="quarter" idx="12"/>
+          </p:nvPr>
+        </p:nvSpPr>
+        <p:spPr/>
+        <p:txBody>
+          <a:bodyPr/>
+          <a:lstStyle/>
+          <a:p>
+            <a:fld id="{A592D690-0A75-2B47-B762-A5B99D01306A}" type="slidenum">
+              <a:rPr lang="nb-NO" smtClean="0"/>
+              <a:pPr/>
+              <a:t>‹Nº›</a:t>
+            </a:fld>
+            <a:endParaRPr lang="nb-NO"/>
+          </a:p>
+        </p:txBody>
+      </p:sp>
+    </p:spTree>
+  </p:cSld>
+  <p:clrMapOvr>
+    <a:masterClrMapping/>
+  </p:clrMapOvr>
+</p:sldLayout>
+</file>
+
+<file path=ppt/slideLayouts/slideLayout3.xml><?xml version="1.0" encoding="utf-8"?>
+<p:sldLayout xmlns:a="http://schemas.openxmlformats.org/drawingml/2006/main" xmlns:r="http://schemas.openxmlformats.org/officeDocument/2006/relationships" xmlns:p="http://schemas.openxmlformats.org/presentationml/2006/main" type="secHead" preserve="1">
+  <p:cSld name="Encabezado de sección">
+    <p:spTree>
+      <p:nvGrpSpPr>
+        <p:cNvPr id="1" name=""/>
+        <p:cNvGrpSpPr/>
+        <p:nvPr/>
+      </p:nvGrpSpPr>
+      <p:grpSpPr>
+        <a:xfrm>
+          <a:off x="0" y="0"/>
+          <a:ext cx="0" cy="0"/>
+          <a:chOff x="0" y="0"/>
+          <a:chExt cx="0" cy="0"/>
+        </a:xfrm>
+      </p:grpSpPr>
+      <p:sp>
+        <p:nvSpPr>
+          <p:cNvPr id="2" name="1 Título"/>
+          <p:cNvSpPr>
+            <a:spLocks noGrp="1"/>
+          </p:cNvSpPr>
+          <p:nvPr>
+            <p:ph type="title"/>
+          </p:nvPr>
+        </p:nvSpPr>
+        <p:spPr>
+          <a:xfrm>
+            <a:off x="722313" y="4406900"/>
+            <a:ext cx="7772400" cy="1362075"/>
+          </a:xfrm>
+        </p:spPr>
+        <p:txBody>
+          <a:bodyPr anchor="t"/>
+          <a:lstStyle>
+            <a:lvl1pPr algn="l">
+              <a:defRPr sz="4000" b="1" cap="all"/>
+            </a:lvl1pPr>
+          </a:lstStyle>
+          <a:p>
+            <a:r>
+              <a:rPr lang="es-ES" smtClean="0"/>
+              <a:t>Haga clic para modificar el estilo de título del patrón</a:t>
+            </a:r>
+            <a:endParaRPr lang="en-GB"/>
+          </a:p>
+        </p:txBody>
+      </p:sp>
+      <p:sp>
+        <p:nvSpPr>
+          <p:cNvPr id="3" name="2 Marcador de texto"/>
+          <p:cNvSpPr>
+            <a:spLocks noGrp="1"/>
+          </p:cNvSpPr>
+          <p:nvPr>
+            <p:ph type="body" idx="1"/>
+          </p:nvPr>
+        </p:nvSpPr>
+        <p:spPr>
+          <a:xfrm>
+            <a:off x="722313" y="2906713"/>
+            <a:ext cx="7772400" cy="1500187"/>
+          </a:xfrm>
+        </p:spPr>
+        <p:txBody>
+          <a:bodyPr anchor="b"/>
+          <a:lstStyle>
+            <a:lvl1pPr marL="0" indent="0">
+              <a:buNone/>
+              <a:defRPr sz="2000">
+                <a:solidFill>
+                  <a:schemeClr val="tx1">
+                    <a:tint val="75000"/>
+                  </a:schemeClr>
+                </a:solidFill>
+              </a:defRPr>
+            </a:lvl1pPr>
+            <a:lvl2pPr marL="457200" indent="0">
+              <a:buNone/>
+              <a:defRPr sz="1800">
+                <a:solidFill>
+                  <a:schemeClr val="tx1">
+                    <a:tint val="75000"/>
+                  </a:schemeClr>
+                </a:solidFill>
+              </a:defRPr>
+            </a:lvl2pPr>
+            <a:lvl3pPr marL="914400" indent="0">
+              <a:buNone/>
+              <a:defRPr sz="1600">
+                <a:solidFill>
+                  <a:schemeClr val="tx1">
+                    <a:tint val="75000"/>
+                  </a:schemeClr>
+                </a:solidFill>
+              </a:defRPr>
+            </a:lvl3pPr>
+            <a:lvl4pPr marL="1371600" indent="0">
+              <a:buNone/>
+              <a:defRPr sz="1400">
+                <a:solidFill>
+                  <a:schemeClr val="tx1">
+                    <a:tint val="75000"/>
+                  </a:schemeClr>
+                </a:solidFill>
+              </a:defRPr>
+            </a:lvl4pPr>
+            <a:lvl5pPr marL="1828800" indent="0">
+              <a:buNone/>
+              <a:defRPr sz="1400">
+                <a:solidFill>
+                  <a:schemeClr val="tx1">
+                    <a:tint val="75000"/>
+                  </a:schemeClr>
+                </a:solidFill>
+              </a:defRPr>
+            </a:lvl5pPr>
+            <a:lvl6pPr marL="2286000" indent="0">
+              <a:buNone/>
+              <a:defRPr sz="1400">
+                <a:solidFill>
+                  <a:schemeClr val="tx1">
+                    <a:tint val="75000"/>
+                  </a:schemeClr>
+                </a:solidFill>
+              </a:defRPr>
+            </a:lvl6pPr>
+            <a:lvl7pPr marL="2743200" indent="0">
+              <a:buNone/>
+              <a:defRPr sz="1400">
+                <a:solidFill>
+                  <a:schemeClr val="tx1">
+                    <a:tint val="75000"/>
+                  </a:schemeClr>
+                </a:solidFill>
+              </a:defRPr>
+            </a:lvl7pPr>
+            <a:lvl8pPr marL="3200400" indent="0">
+              <a:buNone/>
+              <a:defRPr sz="1400">
+                <a:solidFill>
+                  <a:schemeClr val="tx1">
+                    <a:tint val="75000"/>
+                  </a:schemeClr>
+                </a:solidFill>
+              </a:defRPr>
+            </a:lvl8pPr>
+            <a:lvl9pPr marL="3657600" indent="0">
+              <a:buNone/>
+              <a:defRPr sz="1400">
+                <a:solidFill>
+                  <a:schemeClr val="tx1">
+                    <a:tint val="75000"/>
+                  </a:schemeClr>
+                </a:solidFill>
+              </a:defRPr>
+            </a:lvl9pPr>
+          </a:lstStyle>
+          <a:p>
+            <a:pPr lvl="0"/>
+            <a:r>
+              <a:rPr lang="es-ES" smtClean="0"/>
+              <a:t>Haga clic para modificar el estilo de texto del patrón</a:t>
+            </a:r>
+          </a:p>
+        </p:txBody>
+      </p:sp>
+      <p:sp>
+        <p:nvSpPr>
+          <p:cNvPr id="4" name="3 Marcador de fecha"/>
+          <p:cNvSpPr>
+            <a:spLocks noGrp="1"/>
+          </p:cNvSpPr>
+          <p:nvPr>
+            <p:ph type="dt" sz="half" idx="10"/>
+          </p:nvPr>
+        </p:nvSpPr>
+        <p:spPr/>
+        <p:txBody>
+          <a:bodyPr/>
+          <a:lstStyle/>
+          <a:p>
+            <a:fld id="{89ABF61E-C81E-B147-A9C3-9359CCDF05AF}" type="datetimeFigureOut">
+              <a:rPr lang="nb-NO" smtClean="0"/>
+              <a:pPr/>
+              <a:t>17.11.2014</a:t>
+            </a:fld>
+            <a:endParaRPr lang="nb-NO"/>
+          </a:p>
+        </p:txBody>
+      </p:sp>
+      <p:sp>
+        <p:nvSpPr>
+          <p:cNvPr id="5" name="4 Marcador de pie de página"/>
+          <p:cNvSpPr>
+            <a:spLocks noGrp="1"/>
+          </p:cNvSpPr>
+          <p:nvPr>
+            <p:ph type="ftr" sz="quarter" idx="11"/>
+          </p:nvPr>
+        </p:nvSpPr>
+        <p:spPr/>
+        <p:txBody>
+          <a:bodyPr/>
+          <a:lstStyle/>
+          <a:p>
+            <a:endParaRPr lang="nb-NO"/>
+          </a:p>
+        </p:txBody>
+      </p:sp>
+      <p:sp>
+        <p:nvSpPr>
+          <p:cNvPr id="6" name="5 Marcador de número de diapositiva"/>
+          <p:cNvSpPr>
+            <a:spLocks noGrp="1"/>
+          </p:cNvSpPr>
+          <p:nvPr>
+            <p:ph type="sldNum" sz="quarter" idx="12"/>
+          </p:nvPr>
+        </p:nvSpPr>
+        <p:spPr/>
+        <p:txBody>
+          <a:bodyPr/>
+          <a:lstStyle/>
+          <a:p>
+            <a:fld id="{A592D690-0A75-2B47-B762-A5B99D01306A}" type="slidenum">
+              <a:rPr lang="nb-NO" smtClean="0"/>
+              <a:pPr/>
+              <a:t>‹Nº›</a:t>
+            </a:fld>
+            <a:endParaRPr lang="nb-NO"/>
+          </a:p>
+        </p:txBody>
+      </p:sp>
+    </p:spTree>
+  </p:cSld>
+  <p:clrMapOvr>
+    <a:masterClrMapping/>
+  </p:clrMapOvr>
+</p:sldLayout>
+</file>
+
+<file path=ppt/slideLayouts/slideLayout4.xml><?xml version="1.0" encoding="utf-8"?>
+<p:sldLayout xmlns:a="http://schemas.openxmlformats.org/drawingml/2006/main" xmlns:r="http://schemas.openxmlformats.org/officeDocument/2006/relationships" xmlns:p="http://schemas.openxmlformats.org/presentationml/2006/main" type="twoObj" preserve="1">
+  <p:cSld name="Dos objetos">
+    <p:spTree>
+      <p:nvGrpSpPr>
+        <p:cNvPr id="1" name=""/>
+        <p:cNvGrpSpPr/>
+        <p:nvPr/>
+      </p:nvGrpSpPr>
+      <p:grpSpPr>
+        <a:xfrm>
+          <a:off x="0" y="0"/>
+          <a:ext cx="0" cy="0"/>
+          <a:chOff x="0" y="0"/>
+          <a:chExt cx="0" cy="0"/>
+        </a:xfrm>
+      </p:grpSpPr>
+      <p:sp>
+        <p:nvSpPr>
+          <p:cNvPr id="2" name="1 Título"/>
+          <p:cNvSpPr>
+            <a:spLocks noGrp="1"/>
+          </p:cNvSpPr>
+          <p:nvPr>
+            <p:ph type="title"/>
+          </p:nvPr>
+        </p:nvSpPr>
+        <p:spPr/>
+        <p:txBody>
+          <a:bodyPr/>
+          <a:lstStyle/>
+          <a:p>
+            <a:r>
+              <a:rPr lang="es-ES" smtClean="0"/>
+              <a:t>Haga clic para modificar el estilo de título del patrón</a:t>
+            </a:r>
+            <a:endParaRPr lang="en-GB"/>
+          </a:p>
+        </p:txBody>
+      </p:sp>
+      <p:sp>
+        <p:nvSpPr>
+          <p:cNvPr id="3" name="2 Marcador de contenido"/>
           <p:cNvSpPr>
             <a:spLocks noGrp="1"/>
           </p:cNvSpPr>
@@ -1208,44 +1625,44 @@
           <a:p>
             <a:pPr lvl="0"/>
             <a:r>
-              <a:rPr lang="nb-NO" smtClean="0"/>
-              <a:t>Klikk for å redigere tekststiler i malen</a:t>
+              <a:rPr lang="es-ES" smtClean="0"/>
+              <a:t>Haga clic para modificar el estilo de texto del patrón</a:t>
             </a:r>
           </a:p>
           <a:p>
             <a:pPr lvl="1"/>
             <a:r>
-              <a:rPr lang="nb-NO" smtClean="0"/>
-              <a:t>Andre nivå</a:t>
+              <a:rPr lang="es-ES" smtClean="0"/>
+              <a:t>Segundo nivel</a:t>
             </a:r>
           </a:p>
           <a:p>
             <a:pPr lvl="2"/>
             <a:r>
-              <a:rPr lang="nb-NO" smtClean="0"/>
-              <a:t>Tredje nivå</a:t>
+              <a:rPr lang="es-ES" smtClean="0"/>
+              <a:t>Tercer nivel</a:t>
             </a:r>
           </a:p>
           <a:p>
             <a:pPr lvl="3"/>
             <a:r>
-              <a:rPr lang="nb-NO" smtClean="0"/>
-              <a:t>Fjerde nivå</a:t>
+              <a:rPr lang="es-ES" smtClean="0"/>
+              <a:t>Cuarto nivel</a:t>
             </a:r>
           </a:p>
           <a:p>
             <a:pPr lvl="4"/>
             <a:r>
-              <a:rPr lang="nb-NO" smtClean="0"/>
-              <a:t>Femte nivå</a:t>
-            </a:r>
-            <a:endParaRPr lang="nb-NO"/>
-          </a:p>
-        </p:txBody>
-      </p:sp>
-      <p:sp>
-        <p:nvSpPr>
-          <p:cNvPr id="4" name="Plassholder for innhold 3"/>
+              <a:rPr lang="es-ES" smtClean="0"/>
+              <a:t>Quinto nivel</a:t>
+            </a:r>
+            <a:endParaRPr lang="en-GB"/>
+          </a:p>
+        </p:txBody>
+      </p:sp>
+      <p:sp>
+        <p:nvSpPr>
+          <p:cNvPr id="4" name="3 Marcador de contenido"/>
           <p:cNvSpPr>
             <a:spLocks noGrp="1"/>
           </p:cNvSpPr>
@@ -1293,44 +1710,44 @@
           <a:p>
             <a:pPr lvl="0"/>
             <a:r>
-              <a:rPr lang="nb-NO" smtClean="0"/>
-              <a:t>Klikk for å redigere tekststiler i malen</a:t>
+              <a:rPr lang="es-ES" smtClean="0"/>
+              <a:t>Haga clic para modificar el estilo de texto del patrón</a:t>
             </a:r>
           </a:p>
           <a:p>
             <a:pPr lvl="1"/>
             <a:r>
-              <a:rPr lang="nb-NO" smtClean="0"/>
-              <a:t>Andre nivå</a:t>
+              <a:rPr lang="es-ES" smtClean="0"/>
+              <a:t>Segundo nivel</a:t>
             </a:r>
           </a:p>
           <a:p>
             <a:pPr lvl="2"/>
             <a:r>
-              <a:rPr lang="nb-NO" smtClean="0"/>
-              <a:t>Tredje nivå</a:t>
+              <a:rPr lang="es-ES" smtClean="0"/>
+              <a:t>Tercer nivel</a:t>
             </a:r>
           </a:p>
           <a:p>
             <a:pPr lvl="3"/>
             <a:r>
-              <a:rPr lang="nb-NO" smtClean="0"/>
-              <a:t>Fjerde nivå</a:t>
+              <a:rPr lang="es-ES" smtClean="0"/>
+              <a:t>Cuarto nivel</a:t>
             </a:r>
           </a:p>
           <a:p>
             <a:pPr lvl="4"/>
             <a:r>
-              <a:rPr lang="nb-NO" smtClean="0"/>
-              <a:t>Femte nivå</a:t>
-            </a:r>
-            <a:endParaRPr lang="nb-NO"/>
-          </a:p>
-        </p:txBody>
-      </p:sp>
-      <p:sp>
-        <p:nvSpPr>
-          <p:cNvPr id="5" name="Plassholder for dato 4"/>
+              <a:rPr lang="es-ES" smtClean="0"/>
+              <a:t>Quinto nivel</a:t>
+            </a:r>
+            <a:endParaRPr lang="en-GB"/>
+          </a:p>
+        </p:txBody>
+      </p:sp>
+      <p:sp>
+        <p:nvSpPr>
+          <p:cNvPr id="5" name="4 Marcador de fecha"/>
           <p:cNvSpPr>
             <a:spLocks noGrp="1"/>
           </p:cNvSpPr>
@@ -1345,7 +1762,8 @@
           <a:p>
             <a:fld id="{89ABF61E-C81E-B147-A9C3-9359CCDF05AF}" type="datetimeFigureOut">
               <a:rPr lang="nb-NO" smtClean="0"/>
-              <a:t>17.11.14</a:t>
+              <a:pPr/>
+              <a:t>17.11.2014</a:t>
             </a:fld>
             <a:endParaRPr lang="nb-NO"/>
           </a:p>
@@ -1353,7 +1771,7 @@
       </p:sp>
       <p:sp>
         <p:nvSpPr>
-          <p:cNvPr id="6" name="Plassholder for bunntekst 5"/>
+          <p:cNvPr id="6" name="5 Marcador de pie de página"/>
           <p:cNvSpPr>
             <a:spLocks noGrp="1"/>
           </p:cNvSpPr>
@@ -1372,7 +1790,7 @@
       </p:sp>
       <p:sp>
         <p:nvSpPr>
-          <p:cNvPr id="7" name="Plassholder for lysbildenummer 6"/>
+          <p:cNvPr id="7" name="6 Marcador de número de diapositiva"/>
           <p:cNvSpPr>
             <a:spLocks noGrp="1"/>
           </p:cNvSpPr>
@@ -1387,18 +1805,14 @@
           <a:p>
             <a:fld id="{A592D690-0A75-2B47-B762-A5B99D01306A}" type="slidenum">
               <a:rPr lang="nb-NO" smtClean="0"/>
-              <a:t>‹#›</a:t>
+              <a:pPr/>
+              <a:t>‹Nº›</a:t>
             </a:fld>
             <a:endParaRPr lang="nb-NO"/>
           </a:p>
         </p:txBody>
       </p:sp>
     </p:spTree>
-    <p:extLst>
-      <p:ext uri="{BB962C8B-B14F-4D97-AF65-F5344CB8AC3E}">
-        <p14:creationId xmlns:p14="http://schemas.microsoft.com/office/powerpoint/2010/main" val="2260002470"/>
-      </p:ext>
-    </p:extLst>
   </p:cSld>
   <p:clrMapOvr>
     <a:masterClrMapping/>
@@ -1408,7 +1822,7 @@
 
 <file path=ppt/slideLayouts/slideLayout5.xml><?xml version="1.0" encoding="utf-8"?>
 <p:sldLayout xmlns:a="http://schemas.openxmlformats.org/drawingml/2006/main" xmlns:r="http://schemas.openxmlformats.org/officeDocument/2006/relationships" xmlns:p="http://schemas.openxmlformats.org/presentationml/2006/main" type="twoTxTwoObj" preserve="1">
-  <p:cSld name="Sammenligning">
+  <p:cSld name="Comparación">
     <p:spTree>
       <p:nvGrpSpPr>
         <p:cNvPr id="1" name=""/>
@@ -1425,7 +1839,7 @@
       </p:grpSpPr>
       <p:sp>
         <p:nvSpPr>
-          <p:cNvPr id="2" name="Tittel 1"/>
+          <p:cNvPr id="2" name="1 Título"/>
           <p:cNvSpPr>
             <a:spLocks noGrp="1"/>
           </p:cNvSpPr>
@@ -1443,16 +1857,16 @@
           </a:lstStyle>
           <a:p>
             <a:r>
-              <a:rPr lang="nb-NO" smtClean="0"/>
-              <a:t>Klikk for å redigere tittelstil</a:t>
-            </a:r>
-            <a:endParaRPr lang="nb-NO"/>
-          </a:p>
-        </p:txBody>
-      </p:sp>
-      <p:sp>
-        <p:nvSpPr>
-          <p:cNvPr id="3" name="Plassholder for tekst 2"/>
+              <a:rPr lang="es-ES" smtClean="0"/>
+              <a:t>Haga clic para modificar el estilo de título del patrón</a:t>
+            </a:r>
+            <a:endParaRPr lang="en-GB"/>
+          </a:p>
+        </p:txBody>
+      </p:sp>
+      <p:sp>
+        <p:nvSpPr>
+          <p:cNvPr id="3" name="2 Marcador de texto"/>
           <p:cNvSpPr>
             <a:spLocks noGrp="1"/>
           </p:cNvSpPr>
@@ -1509,15 +1923,15 @@
           <a:p>
             <a:pPr lvl="0"/>
             <a:r>
-              <a:rPr lang="nb-NO" smtClean="0"/>
-              <a:t>Klikk for å redigere tekststiler i malen</a:t>
-            </a:r>
-          </a:p>
-        </p:txBody>
-      </p:sp>
-      <p:sp>
-        <p:nvSpPr>
-          <p:cNvPr id="4" name="Plassholder for innhold 3"/>
+              <a:rPr lang="es-ES" smtClean="0"/>
+              <a:t>Haga clic para modificar el estilo de texto del patrón</a:t>
+            </a:r>
+          </a:p>
+        </p:txBody>
+      </p:sp>
+      <p:sp>
+        <p:nvSpPr>
+          <p:cNvPr id="4" name="3 Marcador de contenido"/>
           <p:cNvSpPr>
             <a:spLocks noGrp="1"/>
           </p:cNvSpPr>
@@ -1565,44 +1979,44 @@
           <a:p>
             <a:pPr lvl="0"/>
             <a:r>
-              <a:rPr lang="nb-NO" smtClean="0"/>
-              <a:t>Klikk for å redigere tekststiler i malen</a:t>
+              <a:rPr lang="es-ES" smtClean="0"/>
+              <a:t>Haga clic para modificar el estilo de texto del patrón</a:t>
             </a:r>
           </a:p>
           <a:p>
             <a:pPr lvl="1"/>
             <a:r>
-              <a:rPr lang="nb-NO" smtClean="0"/>
-              <a:t>Andre nivå</a:t>
+              <a:rPr lang="es-ES" smtClean="0"/>
+              <a:t>Segundo nivel</a:t>
             </a:r>
           </a:p>
           <a:p>
             <a:pPr lvl="2"/>
             <a:r>
-              <a:rPr lang="nb-NO" smtClean="0"/>
-              <a:t>Tredje nivå</a:t>
+              <a:rPr lang="es-ES" smtClean="0"/>
+              <a:t>Tercer nivel</a:t>
             </a:r>
           </a:p>
           <a:p>
             <a:pPr lvl="3"/>
             <a:r>
-              <a:rPr lang="nb-NO" smtClean="0"/>
-              <a:t>Fjerde nivå</a:t>
+              <a:rPr lang="es-ES" smtClean="0"/>
+              <a:t>Cuarto nivel</a:t>
             </a:r>
           </a:p>
           <a:p>
             <a:pPr lvl="4"/>
             <a:r>
-              <a:rPr lang="nb-NO" smtClean="0"/>
-              <a:t>Femte nivå</a:t>
-            </a:r>
-            <a:endParaRPr lang="nb-NO"/>
-          </a:p>
-        </p:txBody>
-      </p:sp>
-      <p:sp>
-        <p:nvSpPr>
-          <p:cNvPr id="5" name="Plassholder for tekst 4"/>
+              <a:rPr lang="es-ES" smtClean="0"/>
+              <a:t>Quinto nivel</a:t>
+            </a:r>
+            <a:endParaRPr lang="en-GB"/>
+          </a:p>
+        </p:txBody>
+      </p:sp>
+      <p:sp>
+        <p:nvSpPr>
+          <p:cNvPr id="5" name="4 Marcador de texto"/>
           <p:cNvSpPr>
             <a:spLocks noGrp="1"/>
           </p:cNvSpPr>
@@ -1659,15 +2073,15 @@
           <a:p>
             <a:pPr lvl="0"/>
             <a:r>
-              <a:rPr lang="nb-NO" smtClean="0"/>
-              <a:t>Klikk for å redigere tekststiler i malen</a:t>
-            </a:r>
-          </a:p>
-        </p:txBody>
-      </p:sp>
-      <p:sp>
-        <p:nvSpPr>
-          <p:cNvPr id="6" name="Plassholder for innhold 5"/>
+              <a:rPr lang="es-ES" smtClean="0"/>
+              <a:t>Haga clic para modificar el estilo de texto del patrón</a:t>
+            </a:r>
+          </a:p>
+        </p:txBody>
+      </p:sp>
+      <p:sp>
+        <p:nvSpPr>
+          <p:cNvPr id="6" name="5 Marcador de contenido"/>
           <p:cNvSpPr>
             <a:spLocks noGrp="1"/>
           </p:cNvSpPr>
@@ -1715,44 +2129,44 @@
           <a:p>
             <a:pPr lvl="0"/>
             <a:r>
-              <a:rPr lang="nb-NO" smtClean="0"/>
-              <a:t>Klikk for å redigere tekststiler i malen</a:t>
+              <a:rPr lang="es-ES" smtClean="0"/>
+              <a:t>Haga clic para modificar el estilo de texto del patrón</a:t>
             </a:r>
           </a:p>
           <a:p>
             <a:pPr lvl="1"/>
             <a:r>
-              <a:rPr lang="nb-NO" smtClean="0"/>
-              <a:t>Andre nivå</a:t>
+              <a:rPr lang="es-ES" smtClean="0"/>
+              <a:t>Segundo nivel</a:t>
             </a:r>
           </a:p>
           <a:p>
             <a:pPr lvl="2"/>
             <a:r>
-              <a:rPr lang="nb-NO" smtClean="0"/>
-              <a:t>Tredje nivå</a:t>
+              <a:rPr lang="es-ES" smtClean="0"/>
+              <a:t>Tercer nivel</a:t>
             </a:r>
           </a:p>
           <a:p>
             <a:pPr lvl="3"/>
             <a:r>
-              <a:rPr lang="nb-NO" smtClean="0"/>
-              <a:t>Fjerde nivå</a:t>
+              <a:rPr lang="es-ES" smtClean="0"/>
+              <a:t>Cuarto nivel</a:t>
             </a:r>
           </a:p>
           <a:p>
             <a:pPr lvl="4"/>
             <a:r>
-              <a:rPr lang="nb-NO" smtClean="0"/>
-              <a:t>Femte nivå</a:t>
-            </a:r>
-            <a:endParaRPr lang="nb-NO"/>
-          </a:p>
-        </p:txBody>
-      </p:sp>
-      <p:sp>
-        <p:nvSpPr>
-          <p:cNvPr id="7" name="Plassholder for dato 6"/>
+              <a:rPr lang="es-ES" smtClean="0"/>
+              <a:t>Quinto nivel</a:t>
+            </a:r>
+            <a:endParaRPr lang="en-GB"/>
+          </a:p>
+        </p:txBody>
+      </p:sp>
+      <p:sp>
+        <p:nvSpPr>
+          <p:cNvPr id="7" name="6 Marcador de fecha"/>
           <p:cNvSpPr>
             <a:spLocks noGrp="1"/>
           </p:cNvSpPr>
@@ -1767,7 +2181,8 @@
           <a:p>
             <a:fld id="{89ABF61E-C81E-B147-A9C3-9359CCDF05AF}" type="datetimeFigureOut">
               <a:rPr lang="nb-NO" smtClean="0"/>
-              <a:t>17.11.14</a:t>
+              <a:pPr/>
+              <a:t>17.11.2014</a:t>
             </a:fld>
             <a:endParaRPr lang="nb-NO"/>
           </a:p>
@@ -1775,7 +2190,7 @@
       </p:sp>
       <p:sp>
         <p:nvSpPr>
-          <p:cNvPr id="8" name="Plassholder for bunntekst 7"/>
+          <p:cNvPr id="8" name="7 Marcador de pie de página"/>
           <p:cNvSpPr>
             <a:spLocks noGrp="1"/>
           </p:cNvSpPr>
@@ -1794,7 +2209,7 @@
       </p:sp>
       <p:sp>
         <p:nvSpPr>
-          <p:cNvPr id="9" name="Plassholder for lysbildenummer 8"/>
+          <p:cNvPr id="9" name="8 Marcador de número de diapositiva"/>
           <p:cNvSpPr>
             <a:spLocks noGrp="1"/>
           </p:cNvSpPr>
@@ -1809,18 +2224,14 @@
           <a:p>
             <a:fld id="{A592D690-0A75-2B47-B762-A5B99D01306A}" type="slidenum">
               <a:rPr lang="nb-NO" smtClean="0"/>
-              <a:t>‹#›</a:t>
+              <a:pPr/>
+              <a:t>‹Nº›</a:t>
             </a:fld>
             <a:endParaRPr lang="nb-NO"/>
           </a:p>
         </p:txBody>
       </p:sp>
     </p:spTree>
-    <p:extLst>
-      <p:ext uri="{BB962C8B-B14F-4D97-AF65-F5344CB8AC3E}">
-        <p14:creationId xmlns:p14="http://schemas.microsoft.com/office/powerpoint/2010/main" val="3711557851"/>
-      </p:ext>
-    </p:extLst>
   </p:cSld>
   <p:clrMapOvr>
     <a:masterClrMapping/>
@@ -1830,7 +2241,7 @@
 
 <file path=ppt/slideLayouts/slideLayout6.xml><?xml version="1.0" encoding="utf-8"?>
 <p:sldLayout xmlns:a="http://schemas.openxmlformats.org/drawingml/2006/main" xmlns:r="http://schemas.openxmlformats.org/officeDocument/2006/relationships" xmlns:p="http://schemas.openxmlformats.org/presentationml/2006/main" type="titleOnly" preserve="1">
-  <p:cSld name="Bare tittel">
+  <p:cSld name="Sólo el título">
     <p:spTree>
       <p:nvGrpSpPr>
         <p:cNvPr id="1" name=""/>
@@ -1847,7 +2258,7 @@
       </p:grpSpPr>
       <p:sp>
         <p:nvSpPr>
-          <p:cNvPr id="2" name="Tittel 1"/>
+          <p:cNvPr id="2" name="1 Título"/>
           <p:cNvSpPr>
             <a:spLocks noGrp="1"/>
           </p:cNvSpPr>
@@ -1861,16 +2272,16 @@
           <a:lstStyle/>
           <a:p>
             <a:r>
-              <a:rPr lang="nb-NO" smtClean="0"/>
-              <a:t>Klikk for å redigere tittelstil</a:t>
-            </a:r>
-            <a:endParaRPr lang="nb-NO"/>
-          </a:p>
-        </p:txBody>
-      </p:sp>
-      <p:sp>
-        <p:nvSpPr>
-          <p:cNvPr id="3" name="Plassholder for dato 2"/>
+              <a:rPr lang="es-ES" smtClean="0"/>
+              <a:t>Haga clic para modificar el estilo de título del patrón</a:t>
+            </a:r>
+            <a:endParaRPr lang="en-GB"/>
+          </a:p>
+        </p:txBody>
+      </p:sp>
+      <p:sp>
+        <p:nvSpPr>
+          <p:cNvPr id="3" name="2 Marcador de fecha"/>
           <p:cNvSpPr>
             <a:spLocks noGrp="1"/>
           </p:cNvSpPr>
@@ -1885,7 +2296,8 @@
           <a:p>
             <a:fld id="{89ABF61E-C81E-B147-A9C3-9359CCDF05AF}" type="datetimeFigureOut">
               <a:rPr lang="nb-NO" smtClean="0"/>
-              <a:t>17.11.14</a:t>
+              <a:pPr/>
+              <a:t>17.11.2014</a:t>
             </a:fld>
             <a:endParaRPr lang="nb-NO"/>
           </a:p>
@@ -1893,7 +2305,7 @@
       </p:sp>
       <p:sp>
         <p:nvSpPr>
-          <p:cNvPr id="4" name="Plassholder for bunntekst 3"/>
+          <p:cNvPr id="4" name="3 Marcador de pie de página"/>
           <p:cNvSpPr>
             <a:spLocks noGrp="1"/>
           </p:cNvSpPr>
@@ -1912,7 +2324,7 @@
       </p:sp>
       <p:sp>
         <p:nvSpPr>
-          <p:cNvPr id="5" name="Plassholder for lysbildenummer 4"/>
+          <p:cNvPr id="5" name="4 Marcador de número de diapositiva"/>
           <p:cNvSpPr>
             <a:spLocks noGrp="1"/>
           </p:cNvSpPr>
@@ -1927,18 +2339,14 @@
           <a:p>
             <a:fld id="{A592D690-0A75-2B47-B762-A5B99D01306A}" type="slidenum">
               <a:rPr lang="nb-NO" smtClean="0"/>
-              <a:t>‹#›</a:t>
+              <a:pPr/>
+              <a:t>‹Nº›</a:t>
             </a:fld>
             <a:endParaRPr lang="nb-NO"/>
           </a:p>
         </p:txBody>
       </p:sp>
     </p:spTree>
-    <p:extLst>
-      <p:ext uri="{BB962C8B-B14F-4D97-AF65-F5344CB8AC3E}">
-        <p14:creationId xmlns:p14="http://schemas.microsoft.com/office/powerpoint/2010/main" val="2877978965"/>
-      </p:ext>
-    </p:extLst>
   </p:cSld>
   <p:clrMapOvr>
     <a:masterClrMapping/>
@@ -1948,7 +2356,7 @@
 
 <file path=ppt/slideLayouts/slideLayout7.xml><?xml version="1.0" encoding="utf-8"?>
 <p:sldLayout xmlns:a="http://schemas.openxmlformats.org/drawingml/2006/main" xmlns:r="http://schemas.openxmlformats.org/officeDocument/2006/relationships" xmlns:p="http://schemas.openxmlformats.org/presentationml/2006/main" type="blank" preserve="1">
-  <p:cSld name="Tom">
+  <p:cSld name="En blanco">
     <p:spTree>
       <p:nvGrpSpPr>
         <p:cNvPr id="1" name=""/>
@@ -1965,7 +2373,7 @@
       </p:grpSpPr>
       <p:sp>
         <p:nvSpPr>
-          <p:cNvPr id="2" name="Plassholder for dato 1"/>
+          <p:cNvPr id="2" name="1 Marcador de fecha"/>
           <p:cNvSpPr>
             <a:spLocks noGrp="1"/>
           </p:cNvSpPr>
@@ -1980,7 +2388,8 @@
           <a:p>
             <a:fld id="{89ABF61E-C81E-B147-A9C3-9359CCDF05AF}" type="datetimeFigureOut">
               <a:rPr lang="nb-NO" smtClean="0"/>
-              <a:t>17.11.14</a:t>
+              <a:pPr/>
+              <a:t>17.11.2014</a:t>
             </a:fld>
             <a:endParaRPr lang="nb-NO"/>
           </a:p>
@@ -1988,7 +2397,7 @@
       </p:sp>
       <p:sp>
         <p:nvSpPr>
-          <p:cNvPr id="3" name="Plassholder for bunntekst 2"/>
+          <p:cNvPr id="3" name="2 Marcador de pie de página"/>
           <p:cNvSpPr>
             <a:spLocks noGrp="1"/>
           </p:cNvSpPr>
@@ -2007,7 +2416,7 @@
       </p:sp>
       <p:sp>
         <p:nvSpPr>
-          <p:cNvPr id="4" name="Plassholder for lysbildenummer 3"/>
+          <p:cNvPr id="4" name="3 Marcador de número de diapositiva"/>
           <p:cNvSpPr>
             <a:spLocks noGrp="1"/>
           </p:cNvSpPr>
@@ -2022,18 +2431,14 @@
           <a:p>
             <a:fld id="{A592D690-0A75-2B47-B762-A5B99D01306A}" type="slidenum">
               <a:rPr lang="nb-NO" smtClean="0"/>
-              <a:t>‹#›</a:t>
+              <a:pPr/>
+              <a:t>‹Nº›</a:t>
             </a:fld>
             <a:endParaRPr lang="nb-NO"/>
           </a:p>
         </p:txBody>
       </p:sp>
     </p:spTree>
-    <p:extLst>
-      <p:ext uri="{BB962C8B-B14F-4D97-AF65-F5344CB8AC3E}">
-        <p14:creationId xmlns:p14="http://schemas.microsoft.com/office/powerpoint/2010/main" val="3707588556"/>
-      </p:ext>
-    </p:extLst>
   </p:cSld>
   <p:clrMapOvr>
     <a:masterClrMapping/>
@@ -2043,7 +2448,7 @@
 
 <file path=ppt/slideLayouts/slideLayout8.xml><?xml version="1.0" encoding="utf-8"?>
 <p:sldLayout xmlns:a="http://schemas.openxmlformats.org/drawingml/2006/main" xmlns:r="http://schemas.openxmlformats.org/officeDocument/2006/relationships" xmlns:p="http://schemas.openxmlformats.org/presentationml/2006/main" type="objTx" preserve="1">
-  <p:cSld name="Innhold med tekst">
+  <p:cSld name="Contenido con título">
     <p:spTree>
       <p:nvGrpSpPr>
         <p:cNvPr id="1" name=""/>
@@ -2060,7 +2465,7 @@
       </p:grpSpPr>
       <p:sp>
         <p:nvSpPr>
-          <p:cNvPr id="2" name="Tittel 1"/>
+          <p:cNvPr id="2" name="1 Título"/>
           <p:cNvSpPr>
             <a:spLocks noGrp="1"/>
           </p:cNvSpPr>
@@ -2083,16 +2488,16 @@
           </a:lstStyle>
           <a:p>
             <a:r>
-              <a:rPr lang="nb-NO" smtClean="0"/>
-              <a:t>Klikk for å redigere tittelstil</a:t>
-            </a:r>
-            <a:endParaRPr lang="nb-NO"/>
-          </a:p>
-        </p:txBody>
-      </p:sp>
-      <p:sp>
-        <p:nvSpPr>
-          <p:cNvPr id="3" name="Plassholder for innhold 2"/>
+              <a:rPr lang="es-ES" smtClean="0"/>
+              <a:t>Haga clic para modificar el estilo de título del patrón</a:t>
+            </a:r>
+            <a:endParaRPr lang="en-GB"/>
+          </a:p>
+        </p:txBody>
+      </p:sp>
+      <p:sp>
+        <p:nvSpPr>
+          <p:cNvPr id="3" name="2 Marcador de contenido"/>
           <p:cNvSpPr>
             <a:spLocks noGrp="1"/>
           </p:cNvSpPr>
@@ -2140,44 +2545,44 @@
           <a:p>
             <a:pPr lvl="0"/>
             <a:r>
-              <a:rPr lang="nb-NO" smtClean="0"/>
-              <a:t>Klikk for å redigere tekststiler i malen</a:t>
+              <a:rPr lang="es-ES" smtClean="0"/>
+              <a:t>Haga clic para modificar el estilo de texto del patrón</a:t>
             </a:r>
           </a:p>
           <a:p>
             <a:pPr lvl="1"/>
             <a:r>
-              <a:rPr lang="nb-NO" smtClean="0"/>
-              <a:t>Andre nivå</a:t>
+              <a:rPr lang="es-ES" smtClean="0"/>
+              <a:t>Segundo nivel</a:t>
             </a:r>
           </a:p>
           <a:p>
             <a:pPr lvl="2"/>
             <a:r>
-              <a:rPr lang="nb-NO" smtClean="0"/>
-              <a:t>Tredje nivå</a:t>
+              <a:rPr lang="es-ES" smtClean="0"/>
+              <a:t>Tercer nivel</a:t>
             </a:r>
           </a:p>
           <a:p>
             <a:pPr lvl="3"/>
             <a:r>
-              <a:rPr lang="nb-NO" smtClean="0"/>
-              <a:t>Fjerde nivå</a:t>
+              <a:rPr lang="es-ES" smtClean="0"/>
+              <a:t>Cuarto nivel</a:t>
             </a:r>
           </a:p>
           <a:p>
             <a:pPr lvl="4"/>
             <a:r>
-              <a:rPr lang="nb-NO" smtClean="0"/>
-              <a:t>Femte nivå</a:t>
-            </a:r>
-            <a:endParaRPr lang="nb-NO"/>
-          </a:p>
-        </p:txBody>
-      </p:sp>
-      <p:sp>
-        <p:nvSpPr>
-          <p:cNvPr id="4" name="Plassholder for tekst 3"/>
+              <a:rPr lang="es-ES" smtClean="0"/>
+              <a:t>Quinto nivel</a:t>
+            </a:r>
+            <a:endParaRPr lang="en-GB"/>
+          </a:p>
+        </p:txBody>
+      </p:sp>
+      <p:sp>
+        <p:nvSpPr>
+          <p:cNvPr id="4" name="3 Marcador de texto"/>
           <p:cNvSpPr>
             <a:spLocks noGrp="1"/>
           </p:cNvSpPr>
@@ -2234,15 +2639,15 @@
           <a:p>
             <a:pPr lvl="0"/>
             <a:r>
-              <a:rPr lang="nb-NO" smtClean="0"/>
-              <a:t>Klikk for å redigere tekststiler i malen</a:t>
-            </a:r>
-          </a:p>
-        </p:txBody>
-      </p:sp>
-      <p:sp>
-        <p:nvSpPr>
-          <p:cNvPr id="5" name="Plassholder for dato 4"/>
+              <a:rPr lang="es-ES" smtClean="0"/>
+              <a:t>Haga clic para modificar el estilo de texto del patrón</a:t>
+            </a:r>
+          </a:p>
+        </p:txBody>
+      </p:sp>
+      <p:sp>
+        <p:nvSpPr>
+          <p:cNvPr id="5" name="4 Marcador de fecha"/>
           <p:cNvSpPr>
             <a:spLocks noGrp="1"/>
           </p:cNvSpPr>
@@ -2257,7 +2662,8 @@
           <a:p>
             <a:fld id="{89ABF61E-C81E-B147-A9C3-9359CCDF05AF}" type="datetimeFigureOut">
               <a:rPr lang="nb-NO" smtClean="0"/>
-              <a:t>17.11.14</a:t>
+              <a:pPr/>
+              <a:t>17.11.2014</a:t>
             </a:fld>
             <a:endParaRPr lang="nb-NO"/>
           </a:p>
@@ -2265,7 +2671,7 @@
       </p:sp>
       <p:sp>
         <p:nvSpPr>
-          <p:cNvPr id="6" name="Plassholder for bunntekst 5"/>
+          <p:cNvPr id="6" name="5 Marcador de pie de página"/>
           <p:cNvSpPr>
             <a:spLocks noGrp="1"/>
           </p:cNvSpPr>
@@ -2284,7 +2690,7 @@
       </p:sp>
       <p:sp>
         <p:nvSpPr>
-          <p:cNvPr id="7" name="Plassholder for lysbildenummer 6"/>
+          <p:cNvPr id="7" name="6 Marcador de número de diapositiva"/>
           <p:cNvSpPr>
             <a:spLocks noGrp="1"/>
           </p:cNvSpPr>
@@ -2299,18 +2705,14 @@
           <a:p>
             <a:fld id="{A592D690-0A75-2B47-B762-A5B99D01306A}" type="slidenum">
               <a:rPr lang="nb-NO" smtClean="0"/>
-              <a:t>‹#›</a:t>
+              <a:pPr/>
+              <a:t>‹Nº›</a:t>
             </a:fld>
             <a:endParaRPr lang="nb-NO"/>
           </a:p>
         </p:txBody>
       </p:sp>
     </p:spTree>
-    <p:extLst>
-      <p:ext uri="{BB962C8B-B14F-4D97-AF65-F5344CB8AC3E}">
-        <p14:creationId xmlns:p14="http://schemas.microsoft.com/office/powerpoint/2010/main" val="3376700285"/>
-      </p:ext>
-    </p:extLst>
   </p:cSld>
   <p:clrMapOvr>
     <a:masterClrMapping/>
@@ -2320,7 +2722,7 @@
 
 <file path=ppt/slideLayouts/slideLayout9.xml><?xml version="1.0" encoding="utf-8"?>
 <p:sldLayout xmlns:a="http://schemas.openxmlformats.org/drawingml/2006/main" xmlns:r="http://schemas.openxmlformats.org/officeDocument/2006/relationships" xmlns:p="http://schemas.openxmlformats.org/presentationml/2006/main" type="picTx" preserve="1">
-  <p:cSld name="Bilde med tekst">
+  <p:cSld name="Imagen con título">
     <p:spTree>
       <p:nvGrpSpPr>
         <p:cNvPr id="1" name=""/>
@@ -2337,7 +2739,7 @@
       </p:grpSpPr>
       <p:sp>
         <p:nvSpPr>
-          <p:cNvPr id="2" name="Tittel 1"/>
+          <p:cNvPr id="2" name="1 Título"/>
           <p:cNvSpPr>
             <a:spLocks noGrp="1"/>
           </p:cNvSpPr>
@@ -2360,16 +2762,16 @@
           </a:lstStyle>
           <a:p>
             <a:r>
-              <a:rPr lang="nb-NO" smtClean="0"/>
-              <a:t>Klikk for å redigere tittelstil</a:t>
-            </a:r>
-            <a:endParaRPr lang="nb-NO"/>
-          </a:p>
-        </p:txBody>
-      </p:sp>
-      <p:sp>
-        <p:nvSpPr>
-          <p:cNvPr id="3" name="Plassholder for bilde 2"/>
+              <a:rPr lang="es-ES" smtClean="0"/>
+              <a:t>Haga clic para modificar el estilo de título del patrón</a:t>
+            </a:r>
+            <a:endParaRPr lang="en-GB"/>
+          </a:p>
+        </p:txBody>
+      </p:sp>
+      <p:sp>
+        <p:nvSpPr>
+          <p:cNvPr id="3" name="2 Marcador de posición de imagen"/>
           <p:cNvSpPr>
             <a:spLocks noGrp="1"/>
           </p:cNvSpPr>
@@ -2424,13 +2826,13 @@
             </a:lvl9pPr>
           </a:lstStyle>
           <a:p>
-            <a:endParaRPr lang="nb-NO"/>
-          </a:p>
-        </p:txBody>
-      </p:sp>
-      <p:sp>
-        <p:nvSpPr>
-          <p:cNvPr id="4" name="Plassholder for tekst 3"/>
+            <a:endParaRPr lang="en-GB"/>
+          </a:p>
+        </p:txBody>
+      </p:sp>
+      <p:sp>
+        <p:nvSpPr>
+          <p:cNvPr id="4" name="3 Marcador de texto"/>
           <p:cNvSpPr>
             <a:spLocks noGrp="1"/>
           </p:cNvSpPr>
@@ -2487,15 +2889,15 @@
           <a:p>
             <a:pPr lvl="0"/>
             <a:r>
-              <a:rPr lang="nb-NO" smtClean="0"/>
-              <a:t>Klikk for å redigere tekststiler i malen</a:t>
-            </a:r>
-          </a:p>
-        </p:txBody>
-      </p:sp>
-      <p:sp>
-        <p:nvSpPr>
-          <p:cNvPr id="5" name="Plassholder for dato 4"/>
+              <a:rPr lang="es-ES" smtClean="0"/>
+              <a:t>Haga clic para modificar el estilo de texto del patrón</a:t>
+            </a:r>
+          </a:p>
+        </p:txBody>
+      </p:sp>
+      <p:sp>
+        <p:nvSpPr>
+          <p:cNvPr id="5" name="4 Marcador de fecha"/>
           <p:cNvSpPr>
             <a:spLocks noGrp="1"/>
           </p:cNvSpPr>
@@ -2510,7 +2912,8 @@
           <a:p>
             <a:fld id="{89ABF61E-C81E-B147-A9C3-9359CCDF05AF}" type="datetimeFigureOut">
               <a:rPr lang="nb-NO" smtClean="0"/>
-              <a:t>17.11.14</a:t>
+              <a:pPr/>
+              <a:t>17.11.2014</a:t>
             </a:fld>
             <a:endParaRPr lang="nb-NO"/>
           </a:p>
@@ -2518,7 +2921,7 @@
       </p:sp>
       <p:sp>
         <p:nvSpPr>
-          <p:cNvPr id="6" name="Plassholder for bunntekst 5"/>
+          <p:cNvPr id="6" name="5 Marcador de pie de página"/>
           <p:cNvSpPr>
             <a:spLocks noGrp="1"/>
           </p:cNvSpPr>
@@ -2537,7 +2940,7 @@
       </p:sp>
       <p:sp>
         <p:nvSpPr>
-          <p:cNvPr id="7" name="Plassholder for lysbildenummer 6"/>
+          <p:cNvPr id="7" name="6 Marcador de número de diapositiva"/>
           <p:cNvSpPr>
             <a:spLocks noGrp="1"/>
           </p:cNvSpPr>
@@ -2552,18 +2955,14 @@
           <a:p>
             <a:fld id="{A592D690-0A75-2B47-B762-A5B99D01306A}" type="slidenum">
               <a:rPr lang="nb-NO" smtClean="0"/>
-              <a:t>‹#›</a:t>
+              <a:pPr/>
+              <a:t>‹Nº›</a:t>
             </a:fld>
             <a:endParaRPr lang="nb-NO"/>
           </a:p>
         </p:txBody>
       </p:sp>
     </p:spTree>
-    <p:extLst>
-      <p:ext uri="{BB962C8B-B14F-4D97-AF65-F5344CB8AC3E}">
-        <p14:creationId xmlns:p14="http://schemas.microsoft.com/office/powerpoint/2010/main" val="2705427121"/>
-      </p:ext>
-    </p:extLst>
   </p:cSld>
   <p:clrMapOvr>
     <a:masterClrMapping/>
@@ -2595,7 +2994,7 @@
       </p:grpSpPr>
       <p:sp>
         <p:nvSpPr>
-          <p:cNvPr id="2" name="Plassholder for tittel 1"/>
+          <p:cNvPr id="2" name="1 Marcador de título"/>
           <p:cNvSpPr>
             <a:spLocks noGrp="1"/>
           </p:cNvSpPr>
@@ -2619,16 +3018,16 @@
           <a:lstStyle/>
           <a:p>
             <a:r>
-              <a:rPr lang="nb-NO" smtClean="0"/>
-              <a:t>Klikk for å redigere tittelstil</a:t>
-            </a:r>
-            <a:endParaRPr lang="nb-NO"/>
-          </a:p>
-        </p:txBody>
-      </p:sp>
-      <p:sp>
-        <p:nvSpPr>
-          <p:cNvPr id="3" name="Plassholder for tekst 2"/>
+              <a:rPr lang="es-ES" smtClean="0"/>
+              <a:t>Haga clic para modificar el estilo de título del patrón</a:t>
+            </a:r>
+            <a:endParaRPr lang="en-GB"/>
+          </a:p>
+        </p:txBody>
+      </p:sp>
+      <p:sp>
+        <p:nvSpPr>
+          <p:cNvPr id="3" name="2 Marcador de texto"/>
           <p:cNvSpPr>
             <a:spLocks noGrp="1"/>
           </p:cNvSpPr>
@@ -2653,44 +3052,44 @@
           <a:p>
             <a:pPr lvl="0"/>
             <a:r>
-              <a:rPr lang="nb-NO" smtClean="0"/>
-              <a:t>Klikk for å redigere tekststiler i malen</a:t>
+              <a:rPr lang="es-ES" smtClean="0"/>
+              <a:t>Haga clic para modificar el estilo de texto del patrón</a:t>
             </a:r>
           </a:p>
           <a:p>
             <a:pPr lvl="1"/>
             <a:r>
-              <a:rPr lang="nb-NO" smtClean="0"/>
-              <a:t>Andre nivå</a:t>
+              <a:rPr lang="es-ES" smtClean="0"/>
+              <a:t>Segundo nivel</a:t>
             </a:r>
           </a:p>
           <a:p>
             <a:pPr lvl="2"/>
             <a:r>
-              <a:rPr lang="nb-NO" smtClean="0"/>
-              <a:t>Tredje nivå</a:t>
+              <a:rPr lang="es-ES" smtClean="0"/>
+              <a:t>Tercer nivel</a:t>
             </a:r>
           </a:p>
           <a:p>
             <a:pPr lvl="3"/>
             <a:r>
-              <a:rPr lang="nb-NO" smtClean="0"/>
-              <a:t>Fjerde nivå</a:t>
+              <a:rPr lang="es-ES" smtClean="0"/>
+              <a:t>Cuarto nivel</a:t>
             </a:r>
           </a:p>
           <a:p>
             <a:pPr lvl="4"/>
             <a:r>
-              <a:rPr lang="nb-NO" smtClean="0"/>
-              <a:t>Femte nivå</a:t>
-            </a:r>
-            <a:endParaRPr lang="nb-NO"/>
-          </a:p>
-        </p:txBody>
-      </p:sp>
-      <p:sp>
-        <p:nvSpPr>
-          <p:cNvPr id="4" name="Plassholder for dato 3"/>
+              <a:rPr lang="es-ES" smtClean="0"/>
+              <a:t>Quinto nivel</a:t>
+            </a:r>
+            <a:endParaRPr lang="en-GB"/>
+          </a:p>
+        </p:txBody>
+      </p:sp>
+      <p:sp>
+        <p:nvSpPr>
+          <p:cNvPr id="4" name="3 Marcador de fecha"/>
           <p:cNvSpPr>
             <a:spLocks noGrp="1"/>
           </p:cNvSpPr>
@@ -2723,7 +3122,8 @@
           <a:p>
             <a:fld id="{89ABF61E-C81E-B147-A9C3-9359CCDF05AF}" type="datetimeFigureOut">
               <a:rPr lang="nb-NO" smtClean="0"/>
-              <a:t>17.11.14</a:t>
+              <a:pPr/>
+              <a:t>17.11.2014</a:t>
             </a:fld>
             <a:endParaRPr lang="nb-NO"/>
           </a:p>
@@ -2731,7 +3131,7 @@
       </p:sp>
       <p:sp>
         <p:nvSpPr>
-          <p:cNvPr id="5" name="Plassholder for bunntekst 4"/>
+          <p:cNvPr id="5" name="4 Marcador de pie de página"/>
           <p:cNvSpPr>
             <a:spLocks noGrp="1"/>
           </p:cNvSpPr>
@@ -2768,7 +3168,7 @@
       </p:sp>
       <p:sp>
         <p:nvSpPr>
-          <p:cNvPr id="6" name="Plassholder for lysbildenummer 5"/>
+          <p:cNvPr id="6" name="5 Marcador de número de diapositiva"/>
           <p:cNvSpPr>
             <a:spLocks noGrp="1"/>
           </p:cNvSpPr>
@@ -2801,36 +3201,32 @@
           <a:p>
             <a:fld id="{A592D690-0A75-2B47-B762-A5B99D01306A}" type="slidenum">
               <a:rPr lang="nb-NO" smtClean="0"/>
-              <a:t>‹#›</a:t>
+              <a:pPr/>
+              <a:t>‹Nº›</a:t>
             </a:fld>
             <a:endParaRPr lang="nb-NO"/>
           </a:p>
         </p:txBody>
       </p:sp>
     </p:spTree>
-    <p:extLst>
-      <p:ext uri="{BB962C8B-B14F-4D97-AF65-F5344CB8AC3E}">
-        <p14:creationId xmlns:p14="http://schemas.microsoft.com/office/powerpoint/2010/main" val="1508315106"/>
-      </p:ext>
-    </p:extLst>
   </p:cSld>
   <p:clrMap bg1="lt1" tx1="dk1" bg2="lt2" tx2="dk2" accent1="accent1" accent2="accent2" accent3="accent3" accent4="accent4" accent5="accent5" accent6="accent6" hlink="hlink" folHlink="folHlink"/>
   <p:sldLayoutIdLst>
-    <p:sldLayoutId id="2147483649" r:id="rId1"/>
-    <p:sldLayoutId id="2147483650" r:id="rId2"/>
-    <p:sldLayoutId id="2147483651" r:id="rId3"/>
-    <p:sldLayoutId id="2147483652" r:id="rId4"/>
-    <p:sldLayoutId id="2147483653" r:id="rId5"/>
-    <p:sldLayoutId id="2147483654" r:id="rId6"/>
-    <p:sldLayoutId id="2147483655" r:id="rId7"/>
-    <p:sldLayoutId id="2147483656" r:id="rId8"/>
-    <p:sldLayoutId id="2147483657" r:id="rId9"/>
-    <p:sldLayoutId id="2147483658" r:id="rId10"/>
-    <p:sldLayoutId id="2147483659" r:id="rId11"/>
+    <p:sldLayoutId id="2147483685" r:id="rId1"/>
+    <p:sldLayoutId id="2147483686" r:id="rId2"/>
+    <p:sldLayoutId id="2147483687" r:id="rId3"/>
+    <p:sldLayoutId id="2147483688" r:id="rId4"/>
+    <p:sldLayoutId id="2147483689" r:id="rId5"/>
+    <p:sldLayoutId id="2147483690" r:id="rId6"/>
+    <p:sldLayoutId id="2147483691" r:id="rId7"/>
+    <p:sldLayoutId id="2147483692" r:id="rId8"/>
+    <p:sldLayoutId id="2147483693" r:id="rId9"/>
+    <p:sldLayoutId id="2147483694" r:id="rId10"/>
+    <p:sldLayoutId id="2147483695" r:id="rId11"/>
   </p:sldLayoutIdLst>
   <p:txStyles>
     <p:titleStyle>
-      <a:lvl1pPr algn="ctr" defTabSz="457200" rtl="0" eaLnBrk="1" latinLnBrk="0" hangingPunct="1">
+      <a:lvl1pPr algn="ctr" defTabSz="914400" rtl="0" eaLnBrk="1" latinLnBrk="0" hangingPunct="1">
         <a:spcBef>
           <a:spcPct val="0"/>
         </a:spcBef>
@@ -2846,11 +3242,11 @@
       </a:lvl1pPr>
     </p:titleStyle>
     <p:bodyStyle>
-      <a:lvl1pPr marL="342900" indent="-342900" algn="l" defTabSz="457200" rtl="0" eaLnBrk="1" latinLnBrk="0" hangingPunct="1">
+      <a:lvl1pPr marL="342900" indent="-342900" algn="l" defTabSz="914400" rtl="0" eaLnBrk="1" latinLnBrk="0" hangingPunct="1">
         <a:spcBef>
           <a:spcPct val="20000"/>
         </a:spcBef>
-        <a:buFont typeface="Arial"/>
+        <a:buFont typeface="Arial" pitchFamily="34" charset="0"/>
         <a:buChar char="•"/>
         <a:defRPr sz="3200" kern="1200">
           <a:solidFill>
@@ -2861,11 +3257,11 @@
           <a:cs typeface="+mn-cs"/>
         </a:defRPr>
       </a:lvl1pPr>
-      <a:lvl2pPr marL="742950" indent="-285750" algn="l" defTabSz="457200" rtl="0" eaLnBrk="1" latinLnBrk="0" hangingPunct="1">
+      <a:lvl2pPr marL="742950" indent="-285750" algn="l" defTabSz="914400" rtl="0" eaLnBrk="1" latinLnBrk="0" hangingPunct="1">
         <a:spcBef>
           <a:spcPct val="20000"/>
         </a:spcBef>
-        <a:buFont typeface="Arial"/>
+        <a:buFont typeface="Arial" pitchFamily="34" charset="0"/>
         <a:buChar char="–"/>
         <a:defRPr sz="2800" kern="1200">
           <a:solidFill>
@@ -2876,11 +3272,11 @@
           <a:cs typeface="+mn-cs"/>
         </a:defRPr>
       </a:lvl2pPr>
-      <a:lvl3pPr marL="1143000" indent="-228600" algn="l" defTabSz="457200" rtl="0" eaLnBrk="1" latinLnBrk="0" hangingPunct="1">
+      <a:lvl3pPr marL="1143000" indent="-228600" algn="l" defTabSz="914400" rtl="0" eaLnBrk="1" latinLnBrk="0" hangingPunct="1">
         <a:spcBef>
           <a:spcPct val="20000"/>
         </a:spcBef>
-        <a:buFont typeface="Arial"/>
+        <a:buFont typeface="Arial" pitchFamily="34" charset="0"/>
         <a:buChar char="•"/>
         <a:defRPr sz="2400" kern="1200">
           <a:solidFill>
@@ -2891,11 +3287,11 @@
           <a:cs typeface="+mn-cs"/>
         </a:defRPr>
       </a:lvl3pPr>
-      <a:lvl4pPr marL="1600200" indent="-228600" algn="l" defTabSz="457200" rtl="0" eaLnBrk="1" latinLnBrk="0" hangingPunct="1">
+      <a:lvl4pPr marL="1600200" indent="-228600" algn="l" defTabSz="914400" rtl="0" eaLnBrk="1" latinLnBrk="0" hangingPunct="1">
         <a:spcBef>
           <a:spcPct val="20000"/>
         </a:spcBef>
-        <a:buFont typeface="Arial"/>
+        <a:buFont typeface="Arial" pitchFamily="34" charset="0"/>
         <a:buChar char="–"/>
         <a:defRPr sz="2000" kern="1200">
           <a:solidFill>
@@ -2906,11 +3302,11 @@
           <a:cs typeface="+mn-cs"/>
         </a:defRPr>
       </a:lvl4pPr>
-      <a:lvl5pPr marL="2057400" indent="-228600" algn="l" defTabSz="457200" rtl="0" eaLnBrk="1" latinLnBrk="0" hangingPunct="1">
+      <a:lvl5pPr marL="2057400" indent="-228600" algn="l" defTabSz="914400" rtl="0" eaLnBrk="1" latinLnBrk="0" hangingPunct="1">
         <a:spcBef>
           <a:spcPct val="20000"/>
         </a:spcBef>
-        <a:buFont typeface="Arial"/>
+        <a:buFont typeface="Arial" pitchFamily="34" charset="0"/>
         <a:buChar char="»"/>
         <a:defRPr sz="2000" kern="1200">
           <a:solidFill>
@@ -2921,11 +3317,11 @@
           <a:cs typeface="+mn-cs"/>
         </a:defRPr>
       </a:lvl5pPr>
-      <a:lvl6pPr marL="2514600" indent="-228600" algn="l" defTabSz="457200" rtl="0" eaLnBrk="1" latinLnBrk="0" hangingPunct="1">
+      <a:lvl6pPr marL="2514600" indent="-228600" algn="l" defTabSz="914400" rtl="0" eaLnBrk="1" latinLnBrk="0" hangingPunct="1">
         <a:spcBef>
           <a:spcPct val="20000"/>
         </a:spcBef>
-        <a:buFont typeface="Arial"/>
+        <a:buFont typeface="Arial" pitchFamily="34" charset="0"/>
         <a:buChar char="•"/>
         <a:defRPr sz="2000" kern="1200">
           <a:solidFill>
@@ -2936,11 +3332,11 @@
           <a:cs typeface="+mn-cs"/>
         </a:defRPr>
       </a:lvl6pPr>
-      <a:lvl7pPr marL="2971800" indent="-228600" algn="l" defTabSz="457200" rtl="0" eaLnBrk="1" latinLnBrk="0" hangingPunct="1">
+      <a:lvl7pPr marL="2971800" indent="-228600" algn="l" defTabSz="914400" rtl="0" eaLnBrk="1" latinLnBrk="0" hangingPunct="1">
         <a:spcBef>
           <a:spcPct val="20000"/>
         </a:spcBef>
-        <a:buFont typeface="Arial"/>
+        <a:buFont typeface="Arial" pitchFamily="34" charset="0"/>
         <a:buChar char="•"/>
         <a:defRPr sz="2000" kern="1200">
           <a:solidFill>
@@ -2951,11 +3347,11 @@
           <a:cs typeface="+mn-cs"/>
         </a:defRPr>
       </a:lvl7pPr>
-      <a:lvl8pPr marL="3429000" indent="-228600" algn="l" defTabSz="457200" rtl="0" eaLnBrk="1" latinLnBrk="0" hangingPunct="1">
+      <a:lvl8pPr marL="3429000" indent="-228600" algn="l" defTabSz="914400" rtl="0" eaLnBrk="1" latinLnBrk="0" hangingPunct="1">
         <a:spcBef>
           <a:spcPct val="20000"/>
         </a:spcBef>
-        <a:buFont typeface="Arial"/>
+        <a:buFont typeface="Arial" pitchFamily="34" charset="0"/>
         <a:buChar char="•"/>
         <a:defRPr sz="2000" kern="1200">
           <a:solidFill>
@@ -2966,11 +3362,11 @@
           <a:cs typeface="+mn-cs"/>
         </a:defRPr>
       </a:lvl8pPr>
-      <a:lvl9pPr marL="3886200" indent="-228600" algn="l" defTabSz="457200" rtl="0" eaLnBrk="1" latinLnBrk="0" hangingPunct="1">
+      <a:lvl9pPr marL="3886200" indent="-228600" algn="l" defTabSz="914400" rtl="0" eaLnBrk="1" latinLnBrk="0" hangingPunct="1">
         <a:spcBef>
           <a:spcPct val="20000"/>
         </a:spcBef>
-        <a:buFont typeface="Arial"/>
+        <a:buFont typeface="Arial" pitchFamily="34" charset="0"/>
         <a:buChar char="•"/>
         <a:defRPr sz="2000" kern="1200">
           <a:solidFill>
@@ -2984,9 +3380,9 @@
     </p:bodyStyle>
     <p:otherStyle>
       <a:defPPr>
-        <a:defRPr lang="nb-NO"/>
+        <a:defRPr lang="en-US"/>
       </a:defPPr>
-      <a:lvl1pPr marL="0" algn="l" defTabSz="457200" rtl="0" eaLnBrk="1" latinLnBrk="0" hangingPunct="1">
+      <a:lvl1pPr marL="0" algn="l" defTabSz="914400" rtl="0" eaLnBrk="1" latinLnBrk="0" hangingPunct="1">
         <a:defRPr sz="1800" kern="1200">
           <a:solidFill>
             <a:schemeClr val="tx1"/>
@@ -2996,7 +3392,7 @@
           <a:cs typeface="+mn-cs"/>
         </a:defRPr>
       </a:lvl1pPr>
-      <a:lvl2pPr marL="457200" algn="l" defTabSz="457200" rtl="0" eaLnBrk="1" latinLnBrk="0" hangingPunct="1">
+      <a:lvl2pPr marL="457200" algn="l" defTabSz="914400" rtl="0" eaLnBrk="1" latinLnBrk="0" hangingPunct="1">
         <a:defRPr sz="1800" kern="1200">
           <a:solidFill>
             <a:schemeClr val="tx1"/>
@@ -3006,7 +3402,7 @@
           <a:cs typeface="+mn-cs"/>
         </a:defRPr>
       </a:lvl2pPr>
-      <a:lvl3pPr marL="914400" algn="l" defTabSz="457200" rtl="0" eaLnBrk="1" latinLnBrk="0" hangingPunct="1">
+      <a:lvl3pPr marL="914400" algn="l" defTabSz="914400" rtl="0" eaLnBrk="1" latinLnBrk="0" hangingPunct="1">
         <a:defRPr sz="1800" kern="1200">
           <a:solidFill>
             <a:schemeClr val="tx1"/>
@@ -3016,7 +3412,7 @@
           <a:cs typeface="+mn-cs"/>
         </a:defRPr>
       </a:lvl3pPr>
-      <a:lvl4pPr marL="1371600" algn="l" defTabSz="457200" rtl="0" eaLnBrk="1" latinLnBrk="0" hangingPunct="1">
+      <a:lvl4pPr marL="1371600" algn="l" defTabSz="914400" rtl="0" eaLnBrk="1" latinLnBrk="0" hangingPunct="1">
         <a:defRPr sz="1800" kern="1200">
           <a:solidFill>
             <a:schemeClr val="tx1"/>
@@ -3026,7 +3422,7 @@
           <a:cs typeface="+mn-cs"/>
         </a:defRPr>
       </a:lvl4pPr>
-      <a:lvl5pPr marL="1828800" algn="l" defTabSz="457200" rtl="0" eaLnBrk="1" latinLnBrk="0" hangingPunct="1">
+      <a:lvl5pPr marL="1828800" algn="l" defTabSz="914400" rtl="0" eaLnBrk="1" latinLnBrk="0" hangingPunct="1">
         <a:defRPr sz="1800" kern="1200">
           <a:solidFill>
             <a:schemeClr val="tx1"/>
@@ -3036,7 +3432,7 @@
           <a:cs typeface="+mn-cs"/>
         </a:defRPr>
       </a:lvl5pPr>
-      <a:lvl6pPr marL="2286000" algn="l" defTabSz="457200" rtl="0" eaLnBrk="1" latinLnBrk="0" hangingPunct="1">
+      <a:lvl6pPr marL="2286000" algn="l" defTabSz="914400" rtl="0" eaLnBrk="1" latinLnBrk="0" hangingPunct="1">
         <a:defRPr sz="1800" kern="1200">
           <a:solidFill>
             <a:schemeClr val="tx1"/>
@@ -3046,7 +3442,7 @@
           <a:cs typeface="+mn-cs"/>
         </a:defRPr>
       </a:lvl6pPr>
-      <a:lvl7pPr marL="2743200" algn="l" defTabSz="457200" rtl="0" eaLnBrk="1" latinLnBrk="0" hangingPunct="1">
+      <a:lvl7pPr marL="2743200" algn="l" defTabSz="914400" rtl="0" eaLnBrk="1" latinLnBrk="0" hangingPunct="1">
         <a:defRPr sz="1800" kern="1200">
           <a:solidFill>
             <a:schemeClr val="tx1"/>
@@ -3056,7 +3452,7 @@
           <a:cs typeface="+mn-cs"/>
         </a:defRPr>
       </a:lvl7pPr>
-      <a:lvl8pPr marL="3200400" algn="l" defTabSz="457200" rtl="0" eaLnBrk="1" latinLnBrk="0" hangingPunct="1">
+      <a:lvl8pPr marL="3200400" algn="l" defTabSz="914400" rtl="0" eaLnBrk="1" latinLnBrk="0" hangingPunct="1">
         <a:defRPr sz="1800" kern="1200">
           <a:solidFill>
             <a:schemeClr val="tx1"/>
@@ -3066,7 +3462,7 @@
           <a:cs typeface="+mn-cs"/>
         </a:defRPr>
       </a:lvl8pPr>
-      <a:lvl9pPr marL="3657600" algn="l" defTabSz="457200" rtl="0" eaLnBrk="1" latinLnBrk="0" hangingPunct="1">
+      <a:lvl9pPr marL="3657600" algn="l" defTabSz="914400" rtl="0" eaLnBrk="1" latinLnBrk="0" hangingPunct="1">
         <a:defRPr sz="1800" kern="1200">
           <a:solidFill>
             <a:schemeClr val="tx1"/>
@@ -3100,239 +3496,146 @@
       </p:grpSpPr>
       <p:sp>
         <p:nvSpPr>
-          <p:cNvPr id="2" name="Tittel 1"/>
-          <p:cNvSpPr>
-            <a:spLocks noGrp="1"/>
-          </p:cNvSpPr>
-          <p:nvPr>
-            <p:ph type="title"/>
+          <p:cNvPr id="2" name="1 Título"/>
+          <p:cNvSpPr>
+            <a:spLocks noGrp="1"/>
+          </p:cNvSpPr>
+          <p:nvPr>
+            <p:ph type="ctrTitle"/>
+          </p:nvPr>
+        </p:nvSpPr>
+        <p:spPr>
+          <a:xfrm>
+            <a:off x="685800" y="1525501"/>
+            <a:ext cx="7772400" cy="1470025"/>
+          </a:xfrm>
+        </p:spPr>
+        <p:txBody>
+          <a:bodyPr/>
+          <a:lstStyle/>
+          <a:p>
+            <a:r>
+              <a:rPr lang="es-ES_tradnl" dirty="0" err="1" smtClean="0">
+                <a:solidFill>
+                  <a:srgbClr val="00B050"/>
+                </a:solidFill>
+              </a:rPr>
+              <a:t>Diagnostic</a:t>
+            </a:r>
+            <a:r>
+              <a:rPr lang="es-ES_tradnl" dirty="0" smtClean="0">
+                <a:solidFill>
+                  <a:srgbClr val="00B050"/>
+                </a:solidFill>
+              </a:rPr>
+              <a:t> </a:t>
+            </a:r>
+            <a:r>
+              <a:rPr lang="es-ES_tradnl" dirty="0" err="1" smtClean="0">
+                <a:solidFill>
+                  <a:srgbClr val="00B050"/>
+                </a:solidFill>
+              </a:rPr>
+              <a:t>Report</a:t>
+            </a:r>
+            <a:r>
+              <a:rPr lang="es-ES_tradnl" dirty="0" smtClean="0">
+                <a:solidFill>
+                  <a:srgbClr val="00B050"/>
+                </a:solidFill>
+              </a:rPr>
+              <a:t> Meta-</a:t>
+            </a:r>
+            <a:r>
+              <a:rPr lang="es-ES_tradnl" dirty="0" err="1" smtClean="0">
+                <a:solidFill>
+                  <a:srgbClr val="00B050"/>
+                </a:solidFill>
+              </a:rPr>
+              <a:t>Analysis</a:t>
+            </a:r>
+            <a:endParaRPr lang="en-GB" dirty="0">
+              <a:solidFill>
+                <a:srgbClr val="00B050"/>
+              </a:solidFill>
+            </a:endParaRPr>
+          </a:p>
+        </p:txBody>
+      </p:sp>
+      <p:sp>
+        <p:nvSpPr>
+          <p:cNvPr id="3" name="2 Subtítulo"/>
+          <p:cNvSpPr>
+            <a:spLocks noGrp="1"/>
+          </p:cNvSpPr>
+          <p:nvPr>
+            <p:ph type="subTitle" idx="1"/>
           </p:nvPr>
         </p:nvSpPr>
         <p:spPr/>
         <p:txBody>
-          <a:bodyPr/>
-          <a:lstStyle/>
-          <a:p>
-            <a:r>
-              <a:rPr lang="nb-NO" dirty="0" err="1" smtClean="0"/>
-              <a:t>Diagnostic</a:t>
-            </a:r>
-            <a:r>
-              <a:rPr lang="nb-NO" dirty="0" smtClean="0"/>
-              <a:t> report </a:t>
-            </a:r>
-            <a:r>
-              <a:rPr lang="nb-NO" dirty="0" err="1" smtClean="0"/>
-              <a:t>meta</a:t>
-            </a:r>
-            <a:r>
-              <a:rPr lang="nb-NO" dirty="0" smtClean="0"/>
+          <a:bodyPr>
+            <a:normAutofit fontScale="92500" lnSpcReduction="20000"/>
+          </a:bodyPr>
+          <a:lstStyle/>
+          <a:p>
+            <a:endParaRPr lang="es-ES_tradnl" sz="2800" dirty="0" smtClean="0"/>
+          </a:p>
+          <a:p>
+            <a:r>
+              <a:rPr lang="es-ES_tradnl" sz="2800" dirty="0" smtClean="0"/>
+              <a:t>Module: </a:t>
+            </a:r>
+            <a:r>
+              <a:rPr lang="es-ES_tradnl" sz="2800" dirty="0" err="1" smtClean="0"/>
+              <a:t>Best</a:t>
+            </a:r>
+            <a:r>
+              <a:rPr lang="es-ES_tradnl" sz="2800" dirty="0" smtClean="0"/>
               <a:t> </a:t>
             </a:r>
             <a:r>
-              <a:rPr lang="nb-NO" dirty="0" err="1" smtClean="0"/>
-              <a:t>analysis</a:t>
-            </a:r>
-            <a:endParaRPr lang="nb-NO" dirty="0"/>
-          </a:p>
-        </p:txBody>
-      </p:sp>
-      <p:sp>
-        <p:nvSpPr>
-          <p:cNvPr id="3" name="Plassholder for innhold 2"/>
-          <p:cNvSpPr>
-            <a:spLocks noGrp="1"/>
-          </p:cNvSpPr>
-          <p:nvPr>
-            <p:ph idx="1"/>
-          </p:nvPr>
-        </p:nvSpPr>
-        <p:spPr/>
-        <p:txBody>
-          <a:bodyPr/>
-          <a:lstStyle/>
-          <a:p>
-            <a:pPr marL="0" indent="0">
-              <a:buNone/>
-            </a:pPr>
-            <a:r>
-              <a:rPr lang="nb-NO" dirty="0" err="1" smtClean="0"/>
-              <a:t>Steps</a:t>
-            </a:r>
-            <a:r>
-              <a:rPr lang="nb-NO" dirty="0" smtClean="0"/>
-              <a:t> to </a:t>
-            </a:r>
-            <a:r>
-              <a:rPr lang="nb-NO" dirty="0" err="1" smtClean="0"/>
-              <a:t>include</a:t>
-            </a:r>
-            <a:r>
-              <a:rPr lang="nb-NO" dirty="0" smtClean="0"/>
-              <a:t>:</a:t>
-            </a:r>
-          </a:p>
-          <a:p>
-            <a:pPr marL="514350" indent="-514350">
-              <a:buFont typeface="+mj-lt"/>
-              <a:buAutoNum type="arabicPeriod"/>
-            </a:pPr>
-            <a:r>
-              <a:rPr lang="nb-NO" dirty="0" err="1" smtClean="0"/>
-              <a:t>Weighting</a:t>
-            </a:r>
-            <a:r>
-              <a:rPr lang="nb-NO" dirty="0" smtClean="0"/>
+              <a:rPr lang="es-ES_tradnl" sz="2800" dirty="0" err="1" smtClean="0"/>
+              <a:t>Practice</a:t>
+            </a:r>
+            <a:r>
+              <a:rPr lang="es-ES_tradnl" sz="2800" dirty="0" smtClean="0"/>
+              <a:t> R</a:t>
+            </a:r>
+            <a:endParaRPr lang="en-GB" sz="2800" dirty="0" smtClean="0"/>
+          </a:p>
+          <a:p>
+            <a:endParaRPr lang="es-ES_tradnl" sz="2800" dirty="0"/>
+          </a:p>
+          <a:p>
+            <a:r>
+              <a:rPr lang="es-ES_tradnl" sz="2800" dirty="0" err="1" smtClean="0"/>
+              <a:t>Torfinn</a:t>
+            </a:r>
+            <a:r>
+              <a:rPr lang="es-ES_tradnl" sz="2800" dirty="0" smtClean="0"/>
               <a:t> </a:t>
             </a:r>
             <a:r>
-              <a:rPr lang="nb-NO" dirty="0" err="1" smtClean="0"/>
-              <a:t>of</a:t>
-            </a:r>
-            <a:r>
-              <a:rPr lang="nb-NO" dirty="0" smtClean="0"/>
-              <a:t> </a:t>
-            </a:r>
-            <a:r>
-              <a:rPr lang="nb-NO" dirty="0" err="1" smtClean="0"/>
-              <a:t>effect</a:t>
-            </a:r>
-            <a:r>
-              <a:rPr lang="nb-NO" dirty="0" smtClean="0"/>
-              <a:t> </a:t>
-            </a:r>
-            <a:r>
-              <a:rPr lang="nb-NO" dirty="0" err="1" smtClean="0"/>
-              <a:t>sizes</a:t>
-            </a:r>
-            <a:r>
-              <a:rPr lang="nb-NO" dirty="0" smtClean="0"/>
-              <a:t> </a:t>
-            </a:r>
-            <a:r>
-              <a:rPr lang="nb-NO" dirty="0" err="1" smtClean="0"/>
-              <a:t>across</a:t>
-            </a:r>
-            <a:r>
-              <a:rPr lang="nb-NO" dirty="0" smtClean="0"/>
-              <a:t> studies</a:t>
-            </a:r>
-          </a:p>
-          <a:p>
-            <a:pPr marL="514350" indent="-514350">
-              <a:buFont typeface="+mj-lt"/>
-              <a:buAutoNum type="arabicPeriod"/>
-            </a:pPr>
-            <a:r>
-              <a:rPr lang="nb-NO" dirty="0" err="1" smtClean="0"/>
-              <a:t>Exploring</a:t>
-            </a:r>
-            <a:r>
-              <a:rPr lang="nb-NO" dirty="0" smtClean="0"/>
-              <a:t> </a:t>
-            </a:r>
-            <a:r>
-              <a:rPr lang="nb-NO" dirty="0" err="1" smtClean="0"/>
-              <a:t>the</a:t>
-            </a:r>
-            <a:r>
-              <a:rPr lang="nb-NO" dirty="0" smtClean="0"/>
-              <a:t> </a:t>
-            </a:r>
-            <a:r>
-              <a:rPr lang="nb-NO" dirty="0" err="1" smtClean="0"/>
-              <a:t>cause</a:t>
-            </a:r>
-            <a:r>
-              <a:rPr lang="nb-NO" dirty="0" smtClean="0"/>
-              <a:t> </a:t>
-            </a:r>
-            <a:r>
-              <a:rPr lang="nb-NO" dirty="0" err="1" smtClean="0"/>
-              <a:t>of</a:t>
-            </a:r>
-            <a:r>
-              <a:rPr lang="nb-NO" dirty="0" smtClean="0"/>
-              <a:t> </a:t>
-            </a:r>
-            <a:r>
-              <a:rPr lang="nb-NO" dirty="0" err="1" smtClean="0"/>
-              <a:t>heterogeneity</a:t>
-            </a:r>
-            <a:endParaRPr lang="nb-NO" dirty="0" smtClean="0"/>
-          </a:p>
-          <a:p>
-            <a:pPr marL="514350" indent="-514350">
-              <a:buFont typeface="+mj-lt"/>
-              <a:buAutoNum type="arabicPeriod"/>
-            </a:pPr>
-            <a:r>
-              <a:rPr lang="nb-NO" dirty="0" smtClean="0"/>
-              <a:t>Test for </a:t>
-            </a:r>
-            <a:r>
-              <a:rPr lang="nb-NO" dirty="0" err="1" smtClean="0"/>
-              <a:t>publication</a:t>
-            </a:r>
-            <a:r>
-              <a:rPr lang="nb-NO" dirty="0" smtClean="0"/>
-              <a:t> bias</a:t>
-            </a:r>
-          </a:p>
-          <a:p>
-            <a:pPr marL="514350" indent="-514350">
-              <a:buFont typeface="+mj-lt"/>
-              <a:buAutoNum type="arabicPeriod"/>
-            </a:pPr>
-            <a:r>
-              <a:rPr lang="nb-NO" dirty="0" err="1" smtClean="0"/>
-              <a:t>Sensitivity</a:t>
-            </a:r>
-            <a:r>
-              <a:rPr lang="nb-NO" dirty="0" smtClean="0"/>
-              <a:t> </a:t>
-            </a:r>
-            <a:r>
-              <a:rPr lang="nb-NO" dirty="0" err="1" smtClean="0"/>
-              <a:t>analysis</a:t>
-            </a:r>
-            <a:endParaRPr lang="nb-NO" dirty="0" smtClean="0"/>
-          </a:p>
-          <a:p>
-            <a:pPr marL="514350" indent="-514350">
-              <a:buFont typeface="+mj-lt"/>
-              <a:buAutoNum type="arabicPeriod"/>
-            </a:pPr>
-            <a:r>
-              <a:rPr lang="nb-NO" dirty="0" smtClean="0"/>
-              <a:t>(</a:t>
-            </a:r>
-            <a:r>
-              <a:rPr lang="nb-NO" dirty="0" err="1" smtClean="0"/>
-              <a:t>account</a:t>
-            </a:r>
-            <a:r>
-              <a:rPr lang="nb-NO" dirty="0" smtClean="0"/>
-              <a:t> for </a:t>
-            </a:r>
-            <a:r>
-              <a:rPr lang="nb-NO" dirty="0" err="1" smtClean="0"/>
-              <a:t>phylogeny</a:t>
-            </a:r>
-            <a:r>
-              <a:rPr lang="nb-NO" dirty="0" smtClean="0"/>
-              <a:t>)</a:t>
-            </a:r>
-            <a:endParaRPr lang="nb-NO" dirty="0"/>
+              <a:rPr lang="es-ES_tradnl" sz="2800" dirty="0" err="1" smtClean="0"/>
+              <a:t>Belbo</a:t>
+            </a:r>
+            <a:r>
+              <a:rPr lang="es-ES_tradnl" sz="2800" dirty="0" smtClean="0"/>
+              <a:t> &amp; Carolina </a:t>
+            </a:r>
+            <a:r>
+              <a:rPr lang="es-ES_tradnl" sz="2800" dirty="0" err="1" smtClean="0"/>
+              <a:t>Wackerhagen</a:t>
+            </a:r>
+            <a:endParaRPr lang="es-ES_tradnl" sz="2800" dirty="0" smtClean="0"/>
+          </a:p>
+          <a:p>
+            <a:endParaRPr lang="es-ES_tradnl" sz="2800" dirty="0"/>
           </a:p>
         </p:txBody>
       </p:sp>
     </p:spTree>
-    <p:extLst>
-      <p:ext uri="{BB962C8B-B14F-4D97-AF65-F5344CB8AC3E}">
-        <p14:creationId xmlns:p14="http://schemas.microsoft.com/office/powerpoint/2010/main" val="2734221090"/>
-      </p:ext>
-    </p:extLst>
   </p:cSld>
   <p:clrMapOvr>
     <a:masterClrMapping/>
@@ -3373,24 +3676,12 @@
           <a:lstStyle/>
           <a:p>
             <a:r>
-              <a:rPr lang="nb-NO" dirty="0" err="1" smtClean="0"/>
-              <a:t>What</a:t>
-            </a:r>
-            <a:r>
               <a:rPr lang="nb-NO" dirty="0" smtClean="0"/>
-              <a:t> </a:t>
-            </a:r>
-            <a:r>
-              <a:rPr lang="nb-NO" dirty="0" err="1" smtClean="0"/>
-              <a:t>we</a:t>
+              <a:t>M</a:t>
             </a:r>
             <a:r>
               <a:rPr lang="nb-NO" dirty="0" smtClean="0"/>
-              <a:t> </a:t>
-            </a:r>
-            <a:r>
-              <a:rPr lang="nb-NO" dirty="0" err="1" smtClean="0"/>
-              <a:t>did</a:t>
+              <a:t>eta-Analysis</a:t>
             </a:r>
             <a:endParaRPr lang="nb-NO" dirty="0"/>
           </a:p>
@@ -3406,10 +3697,15 @@
             <p:ph idx="1"/>
           </p:nvPr>
         </p:nvSpPr>
-        <p:spPr/>
+        <p:spPr>
+          <a:xfrm>
+            <a:off x="457200" y="1600200"/>
+            <a:ext cx="8229600" cy="4885006"/>
+          </a:xfrm>
+        </p:spPr>
         <p:txBody>
           <a:bodyPr>
-            <a:normAutofit fontScale="92500" lnSpcReduction="20000"/>
+            <a:normAutofit fontScale="85000" lnSpcReduction="20000"/>
           </a:bodyPr>
           <a:lstStyle/>
           <a:p>
@@ -3417,29 +3713,43 @@
               <a:buNone/>
             </a:pPr>
             <a:r>
-              <a:rPr lang="nb-NO" dirty="0" err="1" smtClean="0"/>
-              <a:t>Steps</a:t>
-            </a:r>
-            <a:r>
-              <a:rPr lang="nb-NO" dirty="0" smtClean="0"/>
-              <a:t> to </a:t>
-            </a:r>
-            <a:r>
-              <a:rPr lang="nb-NO" dirty="0" err="1" smtClean="0"/>
-              <a:t>include</a:t>
-            </a:r>
-            <a:r>
-              <a:rPr lang="nb-NO" dirty="0" smtClean="0"/>
-              <a:t> in </a:t>
-            </a:r>
-            <a:r>
-              <a:rPr lang="nb-NO" dirty="0" err="1" smtClean="0"/>
-              <a:t>meta</a:t>
-            </a:r>
-            <a:r>
-              <a:rPr lang="nb-NO" dirty="0" smtClean="0"/>
-              <a:t> analyses:</a:t>
-            </a:r>
+              <a:rPr lang="en-US" sz="3300" dirty="0" smtClean="0"/>
+              <a:t>Steps to include (</a:t>
+            </a:r>
+            <a:r>
+              <a:rPr lang="en-US" sz="2100" dirty="0" smtClean="0"/>
+              <a:t>according to </a:t>
+            </a:r>
+            <a:r>
+              <a:rPr lang="en-US" sz="2100" dirty="0" err="1" smtClean="0"/>
+              <a:t>Koricheva</a:t>
+            </a:r>
+            <a:r>
+              <a:rPr lang="en-US" sz="2100" dirty="0" smtClean="0"/>
+              <a:t> &amp; </a:t>
+            </a:r>
+            <a:r>
+              <a:rPr lang="en-US" sz="2100" dirty="0" err="1" smtClean="0"/>
+              <a:t>Gurevitch</a:t>
+            </a:r>
+            <a:r>
+              <a:rPr lang="en-US" sz="2100" dirty="0" smtClean="0"/>
+              <a:t>, 2014 *</a:t>
+            </a:r>
+            <a:r>
+              <a:rPr lang="en-US" sz="2800" dirty="0" smtClean="0"/>
+              <a:t>)</a:t>
+            </a:r>
+            <a:r>
+              <a:rPr lang="en-US" sz="3300" dirty="0" smtClean="0"/>
+              <a:t>:</a:t>
+            </a:r>
+          </a:p>
+          <a:p>
+            <a:pPr marL="0" indent="0">
+              <a:buNone/>
+            </a:pPr>
+            <a:endParaRPr lang="en-US" dirty="0" smtClean="0"/>
           </a:p>
           <a:p>
             <a:pPr marL="514350" indent="-514350">
@@ -3447,164 +3757,16 @@
               <a:buAutoNum type="arabicPeriod"/>
             </a:pPr>
             <a:r>
-              <a:rPr lang="nb-NO" dirty="0" err="1" smtClean="0"/>
-              <a:t>Weighting</a:t>
-            </a:r>
-            <a:r>
-              <a:rPr lang="nb-NO" dirty="0" smtClean="0"/>
-              <a:t> </a:t>
-            </a:r>
-            <a:r>
-              <a:rPr lang="nb-NO" dirty="0" err="1" smtClean="0"/>
-              <a:t>of</a:t>
-            </a:r>
-            <a:r>
-              <a:rPr lang="nb-NO" dirty="0" smtClean="0"/>
-              <a:t> </a:t>
-            </a:r>
-            <a:r>
-              <a:rPr lang="nb-NO" dirty="0" err="1" smtClean="0"/>
-              <a:t>effect</a:t>
-            </a:r>
-            <a:r>
-              <a:rPr lang="nb-NO" dirty="0" smtClean="0"/>
-              <a:t> </a:t>
-            </a:r>
-            <a:r>
-              <a:rPr lang="nb-NO" dirty="0" err="1" smtClean="0"/>
-              <a:t>sizes</a:t>
-            </a:r>
-            <a:r>
-              <a:rPr lang="nb-NO" dirty="0" smtClean="0"/>
-              <a:t> </a:t>
-            </a:r>
-          </a:p>
-          <a:p>
-            <a:pPr marL="914400" lvl="1" indent="-514350"/>
-            <a:r>
-              <a:rPr lang="nb-NO" dirty="0" smtClean="0"/>
-              <a:t>Integrated in </a:t>
-            </a:r>
-            <a:r>
-              <a:rPr lang="nb-NO" dirty="0" err="1" smtClean="0">
-                <a:latin typeface="Lucida Console"/>
-                <a:cs typeface="Lucida Console"/>
-              </a:rPr>
-              <a:t>rma</a:t>
-            </a:r>
-            <a:r>
-              <a:rPr lang="nb-NO" dirty="0" smtClean="0"/>
-              <a:t> </a:t>
-            </a:r>
-            <a:r>
-              <a:rPr lang="nb-NO" dirty="0" err="1" smtClean="0"/>
-              <a:t>function</a:t>
-            </a:r>
-            <a:endParaRPr lang="nb-NO" dirty="0" smtClean="0"/>
+              <a:rPr lang="en-US" dirty="0" smtClean="0"/>
+              <a:t>Weighting of effect sizes across studies</a:t>
+            </a:r>
           </a:p>
           <a:p>
             <a:pPr marL="514350" indent="-514350">
               <a:buFont typeface="+mj-lt"/>
               <a:buAutoNum type="arabicPeriod"/>
             </a:pPr>
-            <a:r>
-              <a:rPr lang="nb-NO" dirty="0" err="1" smtClean="0"/>
-              <a:t>Exploring</a:t>
-            </a:r>
-            <a:r>
-              <a:rPr lang="nb-NO" dirty="0" smtClean="0"/>
-              <a:t> </a:t>
-            </a:r>
-            <a:r>
-              <a:rPr lang="nb-NO" dirty="0" err="1" smtClean="0"/>
-              <a:t>the</a:t>
-            </a:r>
-            <a:r>
-              <a:rPr lang="nb-NO" dirty="0" smtClean="0"/>
-              <a:t> </a:t>
-            </a:r>
-            <a:r>
-              <a:rPr lang="nb-NO" dirty="0" err="1" smtClean="0"/>
-              <a:t>cause</a:t>
-            </a:r>
-            <a:r>
-              <a:rPr lang="nb-NO" dirty="0" smtClean="0"/>
-              <a:t> </a:t>
-            </a:r>
-            <a:r>
-              <a:rPr lang="nb-NO" dirty="0" err="1" smtClean="0"/>
-              <a:t>of</a:t>
-            </a:r>
-            <a:r>
-              <a:rPr lang="nb-NO" dirty="0" smtClean="0"/>
-              <a:t> </a:t>
-            </a:r>
-            <a:r>
-              <a:rPr lang="nb-NO" dirty="0" err="1" smtClean="0"/>
-              <a:t>heterogeneity</a:t>
-            </a:r>
-            <a:endParaRPr lang="nb-NO" dirty="0" smtClean="0"/>
-          </a:p>
-          <a:p>
-            <a:pPr marL="914400" lvl="1" indent="-514350"/>
-            <a:r>
-              <a:rPr lang="nb-NO" dirty="0" err="1" smtClean="0"/>
-              <a:t>Adding</a:t>
-            </a:r>
-            <a:r>
-              <a:rPr lang="nb-NO" dirty="0" smtClean="0"/>
-              <a:t> moderators in </a:t>
-            </a:r>
-            <a:r>
-              <a:rPr lang="nb-NO" dirty="0" err="1" smtClean="0">
-                <a:latin typeface="Lucida Console"/>
-                <a:cs typeface="Lucida Console"/>
-              </a:rPr>
-              <a:t>rma</a:t>
-            </a:r>
-            <a:r>
-              <a:rPr lang="nb-NO" dirty="0" smtClean="0">
-                <a:cs typeface="Lucida Console"/>
-              </a:rPr>
-              <a:t> </a:t>
-            </a:r>
-            <a:r>
-              <a:rPr lang="nb-NO" dirty="0" err="1" smtClean="0">
-                <a:cs typeface="Lucida Console"/>
-              </a:rPr>
-              <a:t>function</a:t>
-            </a:r>
-            <a:r>
-              <a:rPr lang="nb-NO" dirty="0" smtClean="0">
-                <a:cs typeface="Lucida Console"/>
-              </a:rPr>
-              <a:t> (</a:t>
-            </a:r>
-            <a:r>
-              <a:rPr lang="nb-NO" dirty="0" err="1" smtClean="0">
-                <a:cs typeface="Lucida Console"/>
-              </a:rPr>
-              <a:t>meta</a:t>
-            </a:r>
-            <a:r>
-              <a:rPr lang="nb-NO" dirty="0" smtClean="0">
-                <a:cs typeface="Lucida Console"/>
-              </a:rPr>
-              <a:t> </a:t>
-            </a:r>
-            <a:r>
-              <a:rPr lang="nb-NO" dirty="0" err="1" smtClean="0">
-                <a:cs typeface="Lucida Console"/>
-              </a:rPr>
-              <a:t>regression</a:t>
-            </a:r>
-            <a:r>
-              <a:rPr lang="nb-NO" dirty="0" smtClean="0">
-                <a:cs typeface="Lucida Console"/>
-              </a:rPr>
-              <a:t>)</a:t>
-            </a:r>
-            <a:endParaRPr lang="nb-NO" dirty="0" smtClean="0"/>
+            <a:endParaRPr lang="en-US" dirty="0" smtClean="0"/>
           </a:p>
           <a:p>
             <a:pPr marL="514350" indent="-514350">
@@ -3612,79 +3774,165 @@
               <a:buAutoNum type="arabicPeriod"/>
             </a:pPr>
             <a:r>
-              <a:rPr lang="nb-NO" dirty="0" smtClean="0"/>
-              <a:t>Test for </a:t>
-            </a:r>
-            <a:r>
-              <a:rPr lang="nb-NO" dirty="0" err="1" smtClean="0"/>
-              <a:t>publication</a:t>
-            </a:r>
-            <a:r>
-              <a:rPr lang="nb-NO" dirty="0" smtClean="0"/>
-              <a:t> bias</a:t>
-            </a:r>
-          </a:p>
-          <a:p>
-            <a:pPr marL="914400" lvl="1" indent="-514350"/>
-            <a:r>
-              <a:rPr lang="nb-NO" dirty="0" err="1" smtClean="0"/>
-              <a:t>Funnel</a:t>
-            </a:r>
-            <a:r>
-              <a:rPr lang="nb-NO" dirty="0" smtClean="0"/>
-              <a:t> plot, </a:t>
-            </a:r>
-            <a:r>
-              <a:rPr lang="nb-NO" dirty="0" err="1" smtClean="0"/>
-              <a:t>Fail</a:t>
-            </a:r>
-            <a:r>
-              <a:rPr lang="nb-NO" dirty="0" smtClean="0"/>
-              <a:t>-Safe N </a:t>
-            </a:r>
-            <a:r>
-              <a:rPr lang="nb-NO" dirty="0" err="1" smtClean="0"/>
-              <a:t>analysis</a:t>
-            </a:r>
-            <a:endParaRPr lang="nb-NO" dirty="0" smtClean="0"/>
+              <a:rPr lang="en-US" dirty="0" smtClean="0"/>
+              <a:t>Exploring the cause of heterogeneity</a:t>
+            </a:r>
           </a:p>
           <a:p>
             <a:pPr marL="514350" indent="-514350">
               <a:buFont typeface="+mj-lt"/>
               <a:buAutoNum type="arabicPeriod"/>
             </a:pPr>
-            <a:r>
-              <a:rPr lang="nb-NO" dirty="0" err="1" smtClean="0"/>
-              <a:t>Sensitivity</a:t>
-            </a:r>
-            <a:r>
-              <a:rPr lang="nb-NO" dirty="0" smtClean="0"/>
-              <a:t> </a:t>
-            </a:r>
-            <a:r>
-              <a:rPr lang="nb-NO" dirty="0" err="1" smtClean="0"/>
-              <a:t>analysis</a:t>
-            </a:r>
-            <a:endParaRPr lang="nb-NO" dirty="0" smtClean="0"/>
-          </a:p>
-          <a:p>
-            <a:pPr marL="914400" lvl="1" indent="-514350"/>
-            <a:r>
-              <a:rPr lang="nb-NO" dirty="0" smtClean="0"/>
-              <a:t>Leave1out </a:t>
-            </a:r>
-            <a:r>
-              <a:rPr lang="nb-NO" dirty="0" err="1" smtClean="0"/>
-              <a:t>analysis</a:t>
-            </a:r>
-            <a:endParaRPr lang="nb-NO" dirty="0" smtClean="0"/>
+            <a:endParaRPr lang="en-US" dirty="0" smtClean="0"/>
+          </a:p>
+          <a:p>
+            <a:pPr marL="514350" indent="-514350">
+              <a:buFont typeface="+mj-lt"/>
+              <a:buAutoNum type="arabicPeriod"/>
+            </a:pPr>
+            <a:r>
+              <a:rPr lang="en-US" dirty="0" smtClean="0"/>
+              <a:t>Test for publication bias</a:t>
+            </a:r>
+          </a:p>
+          <a:p>
+            <a:pPr marL="514350" indent="-514350">
+              <a:buFont typeface="+mj-lt"/>
+              <a:buAutoNum type="arabicPeriod"/>
+            </a:pPr>
+            <a:endParaRPr lang="en-US" dirty="0" smtClean="0"/>
+          </a:p>
+          <a:p>
+            <a:pPr marL="514350" indent="-514350">
+              <a:buFont typeface="+mj-lt"/>
+              <a:buAutoNum type="arabicPeriod"/>
+            </a:pPr>
+            <a:r>
+              <a:rPr lang="en-US" dirty="0" smtClean="0"/>
+              <a:t>Sensitivity analysis</a:t>
+            </a:r>
+          </a:p>
+          <a:p>
+            <a:pPr marL="514350" indent="-514350">
+              <a:buFont typeface="+mj-lt"/>
+              <a:buAutoNum type="arabicPeriod"/>
+            </a:pPr>
+            <a:endParaRPr lang="en-US" dirty="0" smtClean="0"/>
+          </a:p>
+          <a:p>
+            <a:pPr marL="514350" indent="-514350">
+              <a:buFont typeface="+mj-lt"/>
+              <a:buAutoNum type="arabicPeriod"/>
+            </a:pPr>
+            <a:r>
+              <a:rPr lang="en-US" dirty="0" smtClean="0"/>
+              <a:t>(Account for phylogeny)</a:t>
+            </a:r>
+            <a:endParaRPr lang="en-US" dirty="0"/>
+          </a:p>
+        </p:txBody>
+      </p:sp>
+      <p:cxnSp>
+        <p:nvCxnSpPr>
+          <p:cNvPr id="5" name="4 Conector recto"/>
+          <p:cNvCxnSpPr/>
+          <p:nvPr/>
+        </p:nvCxnSpPr>
+        <p:spPr>
+          <a:xfrm>
+            <a:off x="0" y="1417638"/>
+            <a:ext cx="7019778" cy="0"/>
+          </a:xfrm>
+          <a:prstGeom prst="line">
+            <a:avLst/>
+          </a:prstGeom>
+          <a:ln w="25400">
+            <a:solidFill>
+              <a:srgbClr val="00B050"/>
+            </a:solidFill>
+          </a:ln>
+        </p:spPr>
+        <p:style>
+          <a:lnRef idx="1">
+            <a:schemeClr val="accent1"/>
+          </a:lnRef>
+          <a:fillRef idx="0">
+            <a:schemeClr val="accent1"/>
+          </a:fillRef>
+          <a:effectRef idx="0">
+            <a:schemeClr val="accent1"/>
+          </a:effectRef>
+          <a:fontRef idx="minor">
+            <a:schemeClr val="tx1"/>
+          </a:fontRef>
+        </p:style>
+      </p:cxnSp>
+      <p:sp>
+        <p:nvSpPr>
+          <p:cNvPr id="7" name="6 CuadroTexto"/>
+          <p:cNvSpPr txBox="1"/>
+          <p:nvPr/>
+        </p:nvSpPr>
+        <p:spPr>
+          <a:xfrm>
+            <a:off x="457199" y="6485206"/>
+            <a:ext cx="7462911" cy="261610"/>
+          </a:xfrm>
+          <a:prstGeom prst="rect">
+            <a:avLst/>
+          </a:prstGeom>
+          <a:noFill/>
+        </p:spPr>
+        <p:txBody>
+          <a:bodyPr wrap="square" rtlCol="0">
+            <a:spAutoFit/>
+          </a:bodyPr>
+          <a:lstStyle/>
+          <a:p>
+            <a:r>
+              <a:rPr lang="en-GB" sz="1100" dirty="0" smtClean="0"/>
+              <a:t>* </a:t>
+            </a:r>
+            <a:r>
+              <a:rPr lang="en-GB" sz="1100" dirty="0" err="1" smtClean="0"/>
+              <a:t>Koricheva</a:t>
+            </a:r>
+            <a:r>
+              <a:rPr lang="en-GB" sz="1100" dirty="0" smtClean="0"/>
+              <a:t>, J., &amp; </a:t>
+            </a:r>
+            <a:r>
+              <a:rPr lang="en-GB" sz="1100" dirty="0" err="1" smtClean="0"/>
+              <a:t>Gurevitch</a:t>
+            </a:r>
+            <a:r>
+              <a:rPr lang="en-GB" sz="1100" dirty="0" smtClean="0"/>
+              <a:t>, J. (2014). Uses and misuses of meta‐analysis in plant ecology. </a:t>
+            </a:r>
+            <a:r>
+              <a:rPr lang="en-GB" sz="1100" i="1" dirty="0" smtClean="0"/>
+              <a:t>Journal of Ecology</a:t>
+            </a:r>
+            <a:r>
+              <a:rPr lang="en-GB" sz="1100" dirty="0" smtClean="0"/>
+              <a:t>, </a:t>
+            </a:r>
+            <a:r>
+              <a:rPr lang="en-GB" sz="1100" i="1" dirty="0" smtClean="0"/>
+              <a:t>102</a:t>
+            </a:r>
+            <a:r>
+              <a:rPr lang="en-GB" sz="1100" dirty="0" smtClean="0"/>
+              <a:t>(4), 828-844.</a:t>
+            </a:r>
+            <a:endParaRPr lang="en-GB" sz="1100" dirty="0"/>
           </a:p>
         </p:txBody>
       </p:sp>
     </p:spTree>
     <p:extLst>
       <p:ext uri="{BB962C8B-B14F-4D97-AF65-F5344CB8AC3E}">
-        <p14:creationId xmlns:p14="http://schemas.microsoft.com/office/powerpoint/2010/main" val="4148343161"/>
+        <p14:creationId xmlns:p14="http://schemas.microsoft.com/office/powerpoint/2010/main" xmlns="" val="2734221090"/>
       </p:ext>
     </p:extLst>
   </p:cSld>
@@ -3726,334 +3974,188 @@
           <a:bodyPr/>
           <a:lstStyle/>
           <a:p>
-            <a:pPr algn="ctr"/>
-            <a:r>
-              <a:rPr lang="nb-NO" dirty="0" smtClean="0"/>
-              <a:t>Meta-</a:t>
-            </a:r>
-            <a:r>
-              <a:rPr lang="nb-NO" dirty="0" err="1" smtClean="0"/>
-              <a:t>analysis</a:t>
-            </a:r>
-            <a:r>
-              <a:rPr lang="nb-NO" dirty="0" smtClean="0"/>
-              <a:t> in </a:t>
-            </a:r>
-            <a:r>
-              <a:rPr lang="nb-NO" dirty="0" err="1" smtClean="0"/>
-              <a:t>one</a:t>
-            </a:r>
-            <a:r>
-              <a:rPr lang="nb-NO" dirty="0" smtClean="0"/>
-              <a:t> slide: </a:t>
-            </a:r>
-            <a:br>
-              <a:rPr lang="nb-NO" dirty="0" smtClean="0"/>
-            </a:br>
-            <a:r>
-              <a:rPr lang="nb-NO" dirty="0"/>
-              <a:t/>
-            </a:r>
-            <a:br>
-              <a:rPr lang="nb-NO" dirty="0"/>
-            </a:br>
-            <a:r>
-              <a:rPr lang="nb-NO" dirty="0"/>
-              <a:t>F</a:t>
-            </a:r>
-            <a:r>
-              <a:rPr lang="nb-NO" dirty="0" smtClean="0"/>
-              <a:t>orest plot!</a:t>
-            </a:r>
-            <a:endParaRPr lang="nb-NO" dirty="0"/>
-          </a:p>
-        </p:txBody>
-      </p:sp>
-      <p:sp>
-        <p:nvSpPr>
-          <p:cNvPr id="4" name="Plassholder for tekst 3"/>
-          <p:cNvSpPr>
-            <a:spLocks noGrp="1"/>
-          </p:cNvSpPr>
-          <p:nvPr>
-            <p:ph type="body" sz="half" idx="2"/>
-          </p:nvPr>
-        </p:nvSpPr>
-        <p:spPr/>
-        <p:txBody>
-          <a:bodyPr/>
-          <a:lstStyle/>
-          <a:p>
-            <a:pPr marL="285750" indent="-285750">
-              <a:buFontTx/>
-              <a:buChar char="-"/>
+            <a:r>
+              <a:rPr lang="en-US" dirty="0" smtClean="0"/>
+              <a:t>What We Did in R</a:t>
+            </a:r>
+            <a:endParaRPr lang="en-US" dirty="0"/>
+          </a:p>
+        </p:txBody>
+      </p:sp>
+      <p:sp>
+        <p:nvSpPr>
+          <p:cNvPr id="3" name="Plassholder for innhold 2"/>
+          <p:cNvSpPr>
+            <a:spLocks noGrp="1"/>
+          </p:cNvSpPr>
+          <p:nvPr>
+            <p:ph idx="1"/>
+          </p:nvPr>
+        </p:nvSpPr>
+        <p:spPr>
+          <a:xfrm>
+            <a:off x="457200" y="1417638"/>
+            <a:ext cx="8229600" cy="5208245"/>
+          </a:xfrm>
+        </p:spPr>
+        <p:txBody>
+          <a:bodyPr>
+            <a:normAutofit fontScale="85000" lnSpcReduction="10000"/>
+          </a:bodyPr>
+          <a:lstStyle/>
+          <a:p>
+            <a:pPr marL="514350" indent="-514350">
+              <a:buFont typeface="+mj-lt"/>
+              <a:buAutoNum type="arabicPeriod"/>
             </a:pPr>
-            <a:r>
-              <a:rPr lang="nb-NO" dirty="0" err="1" smtClean="0"/>
-              <a:t>Dataset</a:t>
-            </a:r>
-            <a:r>
-              <a:rPr lang="nb-NO" dirty="0" smtClean="0"/>
-              <a:t>: Gibson et. al 2011</a:t>
-            </a:r>
-          </a:p>
-          <a:p>
-            <a:pPr marL="285750" indent="-285750">
-              <a:buFontTx/>
-              <a:buChar char="-"/>
+            <a:endParaRPr lang="en-US" dirty="0" smtClean="0"/>
+          </a:p>
+          <a:p>
+            <a:pPr marL="514350" indent="-514350">
+              <a:buFont typeface="+mj-lt"/>
+              <a:buAutoNum type="arabicPeriod"/>
             </a:pPr>
             <a:r>
-              <a:rPr lang="nb-NO" dirty="0" err="1" smtClean="0"/>
-              <a:t>Subset</a:t>
-            </a:r>
-            <a:r>
-              <a:rPr lang="nb-NO" dirty="0" smtClean="0"/>
-              <a:t> </a:t>
-            </a:r>
-            <a:r>
-              <a:rPr lang="nb-NO" dirty="0" err="1" smtClean="0"/>
-              <a:t>with</a:t>
-            </a:r>
-            <a:r>
-              <a:rPr lang="nb-NO" dirty="0" smtClean="0"/>
-              <a:t> </a:t>
-            </a:r>
-            <a:r>
-              <a:rPr lang="nb-NO" dirty="0" err="1" smtClean="0"/>
-              <a:t>only</a:t>
-            </a:r>
-            <a:r>
-              <a:rPr lang="nb-NO" dirty="0" smtClean="0"/>
-              <a:t> </a:t>
-            </a:r>
-            <a:r>
-              <a:rPr lang="nb-NO" dirty="0" err="1" smtClean="0"/>
-              <a:t>bird</a:t>
-            </a:r>
-            <a:r>
-              <a:rPr lang="nb-NO" dirty="0" smtClean="0"/>
-              <a:t> </a:t>
-            </a:r>
-            <a:r>
-              <a:rPr lang="nb-NO" dirty="0" err="1" smtClean="0"/>
-              <a:t>taxon</a:t>
-            </a:r>
-            <a:endParaRPr lang="nb-NO" dirty="0" smtClean="0"/>
-          </a:p>
-          <a:p>
-            <a:pPr marL="285750" indent="-285750">
-              <a:buFontTx/>
-              <a:buChar char="-"/>
+              <a:rPr lang="en-US" dirty="0" smtClean="0"/>
+              <a:t>Weighting of effect sizes </a:t>
+            </a:r>
+          </a:p>
+          <a:p>
+            <a:pPr marL="914400" lvl="1" indent="-514350"/>
+            <a:r>
+              <a:rPr lang="en-US" dirty="0" smtClean="0"/>
+              <a:t>Integrated in </a:t>
+            </a:r>
+            <a:r>
+              <a:rPr lang="en-US" dirty="0" err="1" smtClean="0">
+                <a:latin typeface="Lucida Console"/>
+                <a:cs typeface="Lucida Console"/>
+              </a:rPr>
+              <a:t>rma</a:t>
+            </a:r>
+            <a:r>
+              <a:rPr lang="en-US" dirty="0" smtClean="0"/>
+              <a:t> function</a:t>
+            </a:r>
+          </a:p>
+          <a:p>
+            <a:pPr marL="914400" lvl="1" indent="-514350"/>
+            <a:endParaRPr lang="en-US" dirty="0" smtClean="0"/>
+          </a:p>
+          <a:p>
+            <a:pPr marL="514350" indent="-514350">
+              <a:buFont typeface="+mj-lt"/>
+              <a:buAutoNum type="arabicPeriod"/>
             </a:pPr>
             <a:r>
-              <a:rPr lang="nb-NO" dirty="0" err="1" smtClean="0"/>
-              <a:t>Only</a:t>
-            </a:r>
-            <a:r>
-              <a:rPr lang="nb-NO" dirty="0" smtClean="0"/>
-              <a:t> 1 species per </a:t>
-            </a:r>
-            <a:r>
-              <a:rPr lang="nb-NO" dirty="0" err="1" smtClean="0"/>
-              <a:t>study</a:t>
-            </a:r>
-            <a:r>
-              <a:rPr lang="nb-NO" dirty="0" smtClean="0"/>
-              <a:t> </a:t>
-            </a:r>
-            <a:r>
-              <a:rPr lang="nb-NO" dirty="0" err="1" smtClean="0"/>
-              <a:t>selected</a:t>
-            </a:r>
-            <a:r>
-              <a:rPr lang="nb-NO" dirty="0" smtClean="0"/>
-              <a:t> (</a:t>
-            </a:r>
-            <a:r>
-              <a:rPr lang="nb-NO" dirty="0" err="1" smtClean="0"/>
-              <a:t>randomly</a:t>
-            </a:r>
-            <a:r>
-              <a:rPr lang="nb-NO" dirty="0" smtClean="0"/>
-              <a:t>)</a:t>
-            </a:r>
-          </a:p>
-          <a:p>
-            <a:pPr marL="285750" indent="-285750">
-              <a:buFontTx/>
-              <a:buChar char="-"/>
+              <a:rPr lang="en-US" dirty="0" smtClean="0"/>
+              <a:t>Exploring the cause of heterogeneity</a:t>
+            </a:r>
+          </a:p>
+          <a:p>
+            <a:pPr marL="914400" lvl="1" indent="-514350"/>
+            <a:r>
+              <a:rPr lang="en-US" dirty="0" smtClean="0"/>
+              <a:t>Adding moderators in </a:t>
+            </a:r>
+            <a:r>
+              <a:rPr lang="en-US" dirty="0" err="1" smtClean="0">
+                <a:latin typeface="Lucida Console"/>
+                <a:cs typeface="Lucida Console"/>
+              </a:rPr>
+              <a:t>rma</a:t>
+            </a:r>
+            <a:r>
+              <a:rPr lang="en-US" dirty="0" smtClean="0">
+                <a:cs typeface="Lucida Console"/>
+              </a:rPr>
+              <a:t> function (meta regression)</a:t>
+            </a:r>
+          </a:p>
+          <a:p>
+            <a:pPr marL="914400" lvl="1" indent="-514350"/>
+            <a:endParaRPr lang="en-US" dirty="0" smtClean="0"/>
+          </a:p>
+          <a:p>
+            <a:pPr marL="514350" indent="-514350">
+              <a:buFont typeface="+mj-lt"/>
+              <a:buAutoNum type="arabicPeriod"/>
             </a:pPr>
             <a:r>
-              <a:rPr lang="nb-NO" dirty="0" smtClean="0"/>
-              <a:t>From n=2220 to n=38, so </a:t>
-            </a:r>
-            <a:r>
-              <a:rPr lang="nb-NO" dirty="0" err="1" smtClean="0"/>
-              <a:t>exptremely</a:t>
-            </a:r>
-            <a:r>
-              <a:rPr lang="nb-NO" dirty="0" smtClean="0"/>
-              <a:t> </a:t>
-            </a:r>
-            <a:r>
-              <a:rPr lang="nb-NO" dirty="0" err="1" smtClean="0"/>
-              <a:t>simplified</a:t>
-            </a:r>
-            <a:endParaRPr lang="nb-NO" dirty="0" smtClean="0"/>
-          </a:p>
-          <a:p>
-            <a:pPr marL="285750" indent="-285750">
-              <a:buFontTx/>
-              <a:buChar char="-"/>
+              <a:rPr lang="en-US" dirty="0" smtClean="0"/>
+              <a:t>Test for publication bias</a:t>
+            </a:r>
+          </a:p>
+          <a:p>
+            <a:pPr marL="914400" lvl="1" indent="-514350"/>
+            <a:r>
+              <a:rPr lang="en-US" dirty="0" smtClean="0"/>
+              <a:t>Funnel plot, Fail-Safe N analysis</a:t>
+            </a:r>
+          </a:p>
+          <a:p>
+            <a:pPr marL="914400" lvl="1" indent="-514350"/>
+            <a:endParaRPr lang="en-US" dirty="0" smtClean="0"/>
+          </a:p>
+          <a:p>
+            <a:pPr marL="514350" indent="-514350">
+              <a:buFont typeface="+mj-lt"/>
+              <a:buAutoNum type="arabicPeriod"/>
             </a:pPr>
             <a:r>
-              <a:rPr lang="nb-NO" dirty="0" smtClean="0"/>
-              <a:t>The </a:t>
-            </a:r>
-            <a:r>
-              <a:rPr lang="nb-NO" dirty="0" err="1" smtClean="0"/>
-              <a:t>steps</a:t>
-            </a:r>
-            <a:r>
-              <a:rPr lang="nb-NO" dirty="0" smtClean="0"/>
-              <a:t> </a:t>
-            </a:r>
-            <a:r>
-              <a:rPr lang="nb-NO" dirty="0" err="1" smtClean="0"/>
-              <a:t>presented</a:t>
-            </a:r>
-            <a:r>
-              <a:rPr lang="nb-NO" dirty="0" smtClean="0"/>
-              <a:t> in </a:t>
-            </a:r>
-            <a:r>
-              <a:rPr lang="nb-NO" dirty="0" err="1" smtClean="0"/>
-              <a:t>the</a:t>
-            </a:r>
-            <a:r>
-              <a:rPr lang="nb-NO" dirty="0" smtClean="0"/>
-              <a:t> slide </a:t>
-            </a:r>
-            <a:r>
-              <a:rPr lang="nb-NO" dirty="0" err="1" smtClean="0"/>
-              <a:t>before</a:t>
-            </a:r>
-            <a:r>
-              <a:rPr lang="nb-NO" dirty="0" smtClean="0"/>
-              <a:t> </a:t>
-            </a:r>
-            <a:r>
-              <a:rPr lang="nb-NO" dirty="0" err="1" smtClean="0"/>
-              <a:t>implemented</a:t>
-            </a:r>
-            <a:endParaRPr lang="nb-NO" dirty="0" smtClean="0"/>
-          </a:p>
-          <a:p>
-            <a:pPr marL="285750" indent="-285750">
-              <a:buFontTx/>
-              <a:buChar char="-"/>
-            </a:pPr>
-            <a:r>
-              <a:rPr lang="nb-NO" dirty="0" smtClean="0"/>
-              <a:t>And </a:t>
-            </a:r>
-            <a:r>
-              <a:rPr lang="nb-NO" dirty="0" err="1" smtClean="0"/>
-              <a:t>voila</a:t>
-            </a:r>
-            <a:r>
-              <a:rPr lang="nb-NO" dirty="0" smtClean="0"/>
-              <a:t>! </a:t>
-            </a:r>
-            <a:r>
-              <a:rPr lang="nb-NO" dirty="0" err="1" smtClean="0"/>
-              <a:t>Here’s</a:t>
-            </a:r>
-            <a:r>
-              <a:rPr lang="nb-NO" dirty="0" smtClean="0"/>
-              <a:t> </a:t>
-            </a:r>
-            <a:r>
-              <a:rPr lang="nb-NO" dirty="0" err="1" smtClean="0"/>
-              <a:t>our</a:t>
-            </a:r>
-            <a:r>
-              <a:rPr lang="nb-NO" dirty="0" smtClean="0"/>
-              <a:t> </a:t>
-            </a:r>
-            <a:r>
-              <a:rPr lang="nb-NO" dirty="0" err="1" smtClean="0"/>
-              <a:t>result</a:t>
-            </a:r>
-            <a:r>
-              <a:rPr lang="nb-NO" dirty="0" smtClean="0"/>
-              <a:t>!</a:t>
-            </a:r>
-          </a:p>
-          <a:p>
-            <a:pPr marL="285750" indent="-285750">
-              <a:buFontTx/>
-              <a:buChar char="-"/>
-            </a:pPr>
-            <a:r>
-              <a:rPr lang="nb-NO" dirty="0" err="1" smtClean="0"/>
-              <a:t>Can</a:t>
-            </a:r>
-            <a:r>
-              <a:rPr lang="nb-NO" dirty="0" smtClean="0"/>
-              <a:t> show </a:t>
-            </a:r>
-            <a:r>
-              <a:rPr lang="nb-NO" dirty="0" err="1" smtClean="0"/>
-              <a:t>you</a:t>
-            </a:r>
-            <a:r>
-              <a:rPr lang="nb-NO" dirty="0" smtClean="0"/>
-              <a:t> more </a:t>
-            </a:r>
-            <a:r>
-              <a:rPr lang="nb-NO" dirty="0" err="1" smtClean="0"/>
-              <a:t>on</a:t>
-            </a:r>
-            <a:r>
-              <a:rPr lang="nb-NO" dirty="0" smtClean="0"/>
-              <a:t> </a:t>
-            </a:r>
-            <a:r>
-              <a:rPr lang="nb-NO" dirty="0" err="1" smtClean="0"/>
-              <a:t>request</a:t>
-            </a:r>
-            <a:endParaRPr lang="nb-NO" dirty="0"/>
-          </a:p>
-        </p:txBody>
-      </p:sp>
-      <p:pic>
-        <p:nvPicPr>
-          <p:cNvPr id="5" name="Plassholder for innhold 4" descr="Rplot10.pdf"/>
-          <p:cNvPicPr>
-            <a:picLocks noGrp="1" noChangeAspect="1"/>
-          </p:cNvPicPr>
-          <p:nvPr>
-            <p:ph idx="1"/>
-          </p:nvPr>
-        </p:nvPicPr>
-        <p:blipFill rotWithShape="1">
-          <a:blip r:embed="rId2">
-            <a:extLst>
-              <a:ext uri="{28A0092B-C50C-407E-A947-70E740481C1C}">
-                <a14:useLocalDpi xmlns:a14="http://schemas.microsoft.com/office/drawing/2010/main" val="0"/>
-              </a:ext>
-            </a:extLst>
-          </a:blip>
-          <a:srcRect t="9106" b="9106"/>
-          <a:stretch/>
-        </p:blipFill>
-        <p:spPr/>
-      </p:pic>
+              <a:rPr lang="en-US" dirty="0" smtClean="0"/>
+              <a:t>Sensitivity analysis</a:t>
+            </a:r>
+          </a:p>
+          <a:p>
+            <a:pPr marL="914400" lvl="1" indent="-514350"/>
+            <a:r>
+              <a:rPr lang="en-US" dirty="0" smtClean="0"/>
+              <a:t>Leave1out analysis</a:t>
+            </a:r>
+            <a:endParaRPr lang="en-US" dirty="0" smtClean="0"/>
+          </a:p>
+        </p:txBody>
+      </p:sp>
+      <p:cxnSp>
+        <p:nvCxnSpPr>
+          <p:cNvPr id="4" name="3 Conector recto"/>
+          <p:cNvCxnSpPr/>
+          <p:nvPr/>
+        </p:nvCxnSpPr>
+        <p:spPr>
+          <a:xfrm>
+            <a:off x="0" y="1417638"/>
+            <a:ext cx="7019778" cy="0"/>
+          </a:xfrm>
+          <a:prstGeom prst="line">
+            <a:avLst/>
+          </a:prstGeom>
+          <a:ln w="25400">
+            <a:solidFill>
+              <a:srgbClr val="00B050"/>
+            </a:solidFill>
+          </a:ln>
+        </p:spPr>
+        <p:style>
+          <a:lnRef idx="1">
+            <a:schemeClr val="accent1"/>
+          </a:lnRef>
+          <a:fillRef idx="0">
+            <a:schemeClr val="accent1"/>
+          </a:fillRef>
+          <a:effectRef idx="0">
+            <a:schemeClr val="accent1"/>
+          </a:effectRef>
+          <a:fontRef idx="minor">
+            <a:schemeClr val="tx1"/>
+          </a:fontRef>
+        </p:style>
+      </p:cxnSp>
     </p:spTree>
     <p:extLst>
       <p:ext uri="{BB962C8B-B14F-4D97-AF65-F5344CB8AC3E}">
-        <p14:creationId xmlns:p14="http://schemas.microsoft.com/office/powerpoint/2010/main" val="756268187"/>
+        <p14:creationId xmlns:p14="http://schemas.microsoft.com/office/powerpoint/2010/main" xmlns="" val="4148343161"/>
       </p:ext>
     </p:extLst>
   </p:cSld>
@@ -4090,297 +4192,513 @@
             <p:ph type="title"/>
           </p:nvPr>
         </p:nvSpPr>
-        <p:spPr/>
-        <p:txBody>
-          <a:bodyPr/>
-          <a:lstStyle/>
-          <a:p>
-            <a:r>
-              <a:rPr lang="nb-NO" dirty="0" smtClean="0"/>
-              <a:t>The </a:t>
-            </a:r>
-            <a:r>
-              <a:rPr lang="nb-NO" dirty="0" err="1" smtClean="0"/>
-              <a:t>next</a:t>
-            </a:r>
-            <a:r>
-              <a:rPr lang="nb-NO" dirty="0" smtClean="0"/>
-              <a:t> </a:t>
-            </a:r>
-            <a:r>
-              <a:rPr lang="nb-NO" dirty="0" err="1" smtClean="0"/>
-              <a:t>two</a:t>
-            </a:r>
-            <a:r>
-              <a:rPr lang="nb-NO" dirty="0" smtClean="0"/>
-              <a:t> </a:t>
-            </a:r>
-            <a:r>
-              <a:rPr lang="nb-NO" dirty="0" err="1" smtClean="0"/>
-              <a:t>weeks</a:t>
-            </a:r>
-            <a:endParaRPr lang="nb-NO" dirty="0"/>
-          </a:p>
-        </p:txBody>
-      </p:sp>
-      <p:sp>
-        <p:nvSpPr>
-          <p:cNvPr id="3" name="Plassholder for innhold 2"/>
-          <p:cNvSpPr>
-            <a:spLocks noGrp="1"/>
-          </p:cNvSpPr>
-          <p:nvPr>
-            <p:ph sz="half" idx="1"/>
-          </p:nvPr>
-        </p:nvSpPr>
-        <p:spPr/>
+        <p:spPr>
+          <a:xfrm>
+            <a:off x="457200" y="5758"/>
+            <a:ext cx="3008313" cy="1162050"/>
+          </a:xfrm>
+        </p:spPr>
         <p:txBody>
           <a:bodyPr>
-            <a:normAutofit/>
+            <a:noAutofit/>
           </a:bodyPr>
           <a:lstStyle/>
           <a:p>
-            <a:pPr marL="0" indent="0">
-              <a:buNone/>
+            <a:pPr algn="ctr"/>
+            <a:r>
+              <a:rPr lang="en-US" dirty="0" smtClean="0"/>
+              <a:t>Meta-</a:t>
+            </a:r>
+            <a:r>
+              <a:rPr lang="en-US" dirty="0" smtClean="0"/>
+              <a:t>A</a:t>
+            </a:r>
+            <a:r>
+              <a:rPr lang="en-US" dirty="0" smtClean="0"/>
+              <a:t>nalysis in one slide: </a:t>
+            </a:r>
+            <a:br>
+              <a:rPr lang="en-US" dirty="0" smtClean="0"/>
+            </a:br>
+            <a:r>
+              <a:rPr lang="en-US" dirty="0" smtClean="0"/>
+              <a:t>Forest plot!</a:t>
+            </a:r>
+            <a:endParaRPr lang="en-US" dirty="0"/>
+          </a:p>
+        </p:txBody>
+      </p:sp>
+      <p:sp>
+        <p:nvSpPr>
+          <p:cNvPr id="4" name="Plassholder for tekst 3"/>
+          <p:cNvSpPr>
+            <a:spLocks noGrp="1"/>
+          </p:cNvSpPr>
+          <p:nvPr>
+            <p:ph type="body" sz="half" idx="2"/>
+          </p:nvPr>
+        </p:nvSpPr>
+        <p:spPr>
+          <a:xfrm>
+            <a:off x="457200" y="1153740"/>
+            <a:ext cx="3008313" cy="5704260"/>
+          </a:xfrm>
+        </p:spPr>
+        <p:txBody>
+          <a:bodyPr>
+            <a:noAutofit/>
+          </a:bodyPr>
+          <a:lstStyle/>
+          <a:p>
+            <a:pPr marL="285750" indent="-285750">
+              <a:buFontTx/>
+              <a:buChar char="-"/>
             </a:pPr>
             <a:r>
-              <a:rPr lang="nb-NO" dirty="0" err="1" smtClean="0"/>
-              <a:t>What</a:t>
-            </a:r>
-            <a:r>
-              <a:rPr lang="nb-NO" dirty="0" smtClean="0"/>
-              <a:t> </a:t>
-            </a:r>
-            <a:r>
-              <a:rPr lang="nb-NO" dirty="0" err="1" smtClean="0"/>
-              <a:t>we</a:t>
-            </a:r>
-            <a:r>
-              <a:rPr lang="nb-NO" dirty="0" smtClean="0"/>
-              <a:t> </a:t>
-            </a:r>
-            <a:r>
-              <a:rPr lang="nb-NO" dirty="0" err="1" smtClean="0"/>
-              <a:t>should</a:t>
-            </a:r>
-            <a:r>
-              <a:rPr lang="nb-NO" dirty="0" smtClean="0"/>
-              <a:t> do</a:t>
-            </a:r>
-          </a:p>
-          <a:p>
-            <a:r>
-              <a:rPr lang="nb-NO" dirty="0" smtClean="0"/>
-              <a:t>R-script more or less </a:t>
-            </a:r>
-            <a:r>
-              <a:rPr lang="nb-NO" dirty="0" err="1" smtClean="0"/>
-              <a:t>sorted</a:t>
-            </a:r>
-            <a:r>
-              <a:rPr lang="nb-NO" dirty="0" smtClean="0"/>
-              <a:t> </a:t>
-            </a:r>
-            <a:r>
-              <a:rPr lang="nb-NO" dirty="0" err="1" smtClean="0"/>
-              <a:t>out</a:t>
-            </a:r>
-            <a:endParaRPr lang="nb-NO" dirty="0" smtClean="0"/>
-          </a:p>
-          <a:p>
-            <a:r>
-              <a:rPr lang="nb-NO" dirty="0" err="1" smtClean="0"/>
-              <a:t>Automize</a:t>
-            </a:r>
-            <a:r>
-              <a:rPr lang="nb-NO" dirty="0" smtClean="0"/>
-              <a:t> </a:t>
-            </a:r>
-            <a:r>
-              <a:rPr lang="nb-NO" dirty="0" err="1" smtClean="0"/>
-              <a:t>the</a:t>
-            </a:r>
-            <a:r>
-              <a:rPr lang="nb-NO" dirty="0" smtClean="0"/>
-              <a:t> </a:t>
-            </a:r>
-            <a:r>
-              <a:rPr lang="nb-NO" dirty="0" err="1" smtClean="0"/>
-              <a:t>meta</a:t>
-            </a:r>
-            <a:r>
-              <a:rPr lang="nb-NO" dirty="0" smtClean="0"/>
-              <a:t> </a:t>
-            </a:r>
-            <a:r>
-              <a:rPr lang="nb-NO" dirty="0" err="1" smtClean="0"/>
-              <a:t>analysis</a:t>
-            </a:r>
-            <a:r>
-              <a:rPr lang="nb-NO" dirty="0" smtClean="0"/>
-              <a:t>/</a:t>
-            </a:r>
-            <a:r>
-              <a:rPr lang="nb-NO" dirty="0" err="1" smtClean="0"/>
-              <a:t>diagnostic</a:t>
-            </a:r>
-            <a:r>
-              <a:rPr lang="nb-NO" dirty="0" smtClean="0"/>
-              <a:t> report</a:t>
-            </a:r>
-          </a:p>
-          <a:p>
-            <a:r>
-              <a:rPr lang="nb-NO" dirty="0" err="1" smtClean="0"/>
-              <a:t>Include</a:t>
-            </a:r>
-            <a:r>
-              <a:rPr lang="nb-NO" dirty="0" smtClean="0"/>
-              <a:t> more fancy </a:t>
-            </a:r>
-            <a:r>
-              <a:rPr lang="nb-NO" dirty="0" err="1" smtClean="0"/>
-              <a:t>stuff</a:t>
-            </a:r>
-            <a:r>
-              <a:rPr lang="nb-NO" dirty="0" smtClean="0"/>
-              <a:t> </a:t>
-            </a:r>
-            <a:r>
-              <a:rPr lang="nb-NO" dirty="0" err="1" smtClean="0"/>
-              <a:t>if</a:t>
-            </a:r>
-            <a:r>
-              <a:rPr lang="nb-NO" dirty="0" smtClean="0"/>
-              <a:t> </a:t>
-            </a:r>
-            <a:r>
-              <a:rPr lang="nb-NO" dirty="0" err="1" smtClean="0"/>
-              <a:t>we</a:t>
-            </a:r>
-            <a:r>
-              <a:rPr lang="nb-NO" dirty="0" smtClean="0"/>
-              <a:t> have time (make an R </a:t>
-            </a:r>
-            <a:r>
-              <a:rPr lang="nb-NO" dirty="0" err="1" smtClean="0"/>
-              <a:t>function</a:t>
-            </a:r>
-            <a:r>
-              <a:rPr lang="nb-NO" dirty="0" smtClean="0"/>
-              <a:t>)</a:t>
-            </a:r>
-          </a:p>
-          <a:p>
-            <a:endParaRPr lang="nb-NO" dirty="0" smtClean="0"/>
-          </a:p>
-          <a:p>
-            <a:endParaRPr lang="nb-NO" dirty="0"/>
-          </a:p>
-        </p:txBody>
-      </p:sp>
-      <p:sp>
-        <p:nvSpPr>
-          <p:cNvPr id="4" name="Plassholder for innhold 3"/>
-          <p:cNvSpPr>
-            <a:spLocks noGrp="1"/>
-          </p:cNvSpPr>
-          <p:nvPr>
-            <p:ph sz="half" idx="2"/>
-          </p:nvPr>
-        </p:nvSpPr>
-        <p:spPr/>
-        <p:txBody>
-          <a:bodyPr>
-            <a:normAutofit/>
-          </a:bodyPr>
-          <a:lstStyle/>
-          <a:p>
-            <a:pPr marL="0" indent="0">
-              <a:buNone/>
+              <a:rPr lang="en-US" sz="1800" dirty="0" smtClean="0"/>
+              <a:t>Dataset: Gibson et. al 2011</a:t>
+            </a:r>
+          </a:p>
+          <a:p>
+            <a:pPr marL="285750" indent="-285750">
+              <a:buFontTx/>
+              <a:buChar char="-"/>
             </a:pPr>
-            <a:r>
-              <a:rPr lang="nb-NO" dirty="0" smtClean="0"/>
-              <a:t>Questions </a:t>
-            </a:r>
-            <a:r>
-              <a:rPr lang="nb-NO" dirty="0" err="1" smtClean="0"/>
-              <a:t>we</a:t>
-            </a:r>
-            <a:r>
-              <a:rPr lang="nb-NO" dirty="0" smtClean="0"/>
-              <a:t> have</a:t>
-            </a:r>
-          </a:p>
-          <a:p>
-            <a:r>
-              <a:rPr lang="nb-NO" dirty="0" err="1" smtClean="0"/>
-              <a:t>Where</a:t>
-            </a:r>
-            <a:r>
-              <a:rPr lang="nb-NO" dirty="0" smtClean="0"/>
-              <a:t> to start?</a:t>
-            </a:r>
-          </a:p>
-          <a:p>
-            <a:r>
-              <a:rPr lang="nb-NO" dirty="0" smtClean="0"/>
-              <a:t>How to make an </a:t>
-            </a:r>
-            <a:r>
-              <a:rPr lang="nb-NO" dirty="0" err="1" smtClean="0"/>
-              <a:t>automated</a:t>
-            </a:r>
-            <a:r>
-              <a:rPr lang="nb-NO" dirty="0" smtClean="0"/>
-              <a:t> </a:t>
-            </a:r>
-            <a:r>
-              <a:rPr lang="nb-NO" dirty="0" err="1" smtClean="0"/>
-              <a:t>appendix</a:t>
-            </a:r>
-            <a:r>
-              <a:rPr lang="nb-NO" dirty="0" smtClean="0"/>
-              <a:t>? </a:t>
-            </a:r>
-          </a:p>
-          <a:p>
-            <a:r>
-              <a:rPr lang="nb-NO" dirty="0" smtClean="0"/>
-              <a:t>Meta-</a:t>
-            </a:r>
-            <a:r>
-              <a:rPr lang="nb-NO" dirty="0" err="1" smtClean="0"/>
-              <a:t>analysis</a:t>
-            </a:r>
-            <a:r>
-              <a:rPr lang="nb-NO" dirty="0" smtClean="0"/>
-              <a:t> is not a </a:t>
-            </a:r>
-            <a:r>
-              <a:rPr lang="nb-NO" dirty="0" err="1" smtClean="0"/>
-              <a:t>standardized</a:t>
-            </a:r>
-            <a:r>
-              <a:rPr lang="nb-NO" dirty="0" smtClean="0"/>
-              <a:t> </a:t>
-            </a:r>
-            <a:r>
-              <a:rPr lang="nb-NO" dirty="0" err="1" smtClean="0"/>
-              <a:t>procedure</a:t>
-            </a:r>
-            <a:r>
-              <a:rPr lang="nb-NO" dirty="0" smtClean="0"/>
-              <a:t>!</a:t>
-            </a:r>
-            <a:endParaRPr lang="nb-NO" dirty="0"/>
-          </a:p>
-        </p:txBody>
-      </p:sp>
+            <a:endParaRPr lang="en-US" sz="1800" dirty="0" smtClean="0"/>
+          </a:p>
+          <a:p>
+            <a:pPr marL="285750" indent="-285750">
+              <a:buFontTx/>
+              <a:buChar char="-"/>
+            </a:pPr>
+            <a:r>
+              <a:rPr lang="en-US" sz="1800" dirty="0" smtClean="0"/>
+              <a:t>Subset with only bird </a:t>
+            </a:r>
+            <a:r>
+              <a:rPr lang="en-US" sz="1800" dirty="0" err="1" smtClean="0"/>
+              <a:t>taxon</a:t>
+            </a:r>
+            <a:endParaRPr lang="en-US" sz="1800" dirty="0" smtClean="0"/>
+          </a:p>
+          <a:p>
+            <a:pPr marL="285750" indent="-285750">
+              <a:buFontTx/>
+              <a:buChar char="-"/>
+            </a:pPr>
+            <a:endParaRPr lang="en-US" sz="1800" dirty="0" smtClean="0"/>
+          </a:p>
+          <a:p>
+            <a:pPr marL="285750" indent="-285750">
+              <a:buFontTx/>
+              <a:buChar char="-"/>
+            </a:pPr>
+            <a:r>
+              <a:rPr lang="en-US" sz="1800" dirty="0" smtClean="0"/>
+              <a:t>Only 1 species per study selected (randomly)</a:t>
+            </a:r>
+          </a:p>
+          <a:p>
+            <a:pPr marL="285750" indent="-285750">
+              <a:buFontTx/>
+              <a:buChar char="-"/>
+            </a:pPr>
+            <a:endParaRPr lang="en-US" sz="1800" dirty="0" smtClean="0"/>
+          </a:p>
+          <a:p>
+            <a:pPr marL="285750" indent="-285750">
+              <a:buFontTx/>
+              <a:buChar char="-"/>
+            </a:pPr>
+            <a:r>
+              <a:rPr lang="en-US" sz="1800" dirty="0" smtClean="0"/>
+              <a:t>From n=2220 to n=38, so extremely simplified</a:t>
+            </a:r>
+          </a:p>
+          <a:p>
+            <a:pPr marL="285750" indent="-285750">
+              <a:buFontTx/>
+              <a:buChar char="-"/>
+            </a:pPr>
+            <a:endParaRPr lang="en-US" sz="1800" dirty="0" smtClean="0"/>
+          </a:p>
+          <a:p>
+            <a:pPr marL="285750" indent="-285750">
+              <a:buFontTx/>
+              <a:buChar char="-"/>
+            </a:pPr>
+            <a:r>
+              <a:rPr lang="en-US" sz="1800" dirty="0" smtClean="0"/>
+              <a:t>The steps presented in the slide before implemented</a:t>
+            </a:r>
+          </a:p>
+          <a:p>
+            <a:pPr marL="285750" indent="-285750">
+              <a:buFontTx/>
+              <a:buChar char="-"/>
+            </a:pPr>
+            <a:endParaRPr lang="en-US" sz="1800" dirty="0" smtClean="0"/>
+          </a:p>
+          <a:p>
+            <a:pPr marL="285750" indent="-285750">
+              <a:buFontTx/>
+              <a:buChar char="-"/>
+            </a:pPr>
+            <a:r>
+              <a:rPr lang="en-US" sz="1800" dirty="0" smtClean="0"/>
+              <a:t>And voila! Here’s our result!</a:t>
+            </a:r>
+          </a:p>
+          <a:p>
+            <a:pPr marL="285750" indent="-285750">
+              <a:buFontTx/>
+              <a:buChar char="-"/>
+            </a:pPr>
+            <a:endParaRPr lang="en-US" sz="1800" dirty="0" smtClean="0"/>
+          </a:p>
+          <a:p>
+            <a:pPr marL="285750" indent="-285750">
+              <a:buFontTx/>
+              <a:buChar char="-"/>
+            </a:pPr>
+            <a:r>
+              <a:rPr lang="en-US" sz="1800" dirty="0"/>
+              <a:t>M</a:t>
+            </a:r>
+            <a:r>
+              <a:rPr lang="en-US" sz="1800" dirty="0" smtClean="0"/>
+              <a:t>ore </a:t>
+            </a:r>
+            <a:r>
+              <a:rPr lang="en-US" sz="1800" dirty="0" smtClean="0"/>
+              <a:t>figures can be shown </a:t>
+            </a:r>
+            <a:r>
+              <a:rPr lang="en-US" sz="1800" dirty="0" smtClean="0"/>
+              <a:t>on request</a:t>
+            </a:r>
+            <a:endParaRPr lang="en-US" sz="1800" dirty="0"/>
+          </a:p>
+        </p:txBody>
+      </p:sp>
+      <p:pic>
+        <p:nvPicPr>
+          <p:cNvPr id="1026" name="Picture 2"/>
+          <p:cNvPicPr>
+            <a:picLocks noGrp="1" noChangeAspect="1" noChangeArrowheads="1"/>
+          </p:cNvPicPr>
+          <p:nvPr>
+            <p:ph idx="1"/>
+          </p:nvPr>
+        </p:nvPicPr>
+        <p:blipFill>
+          <a:blip r:embed="rId2"/>
+          <a:srcRect/>
+          <a:stretch>
+            <a:fillRect/>
+          </a:stretch>
+        </p:blipFill>
+        <p:spPr bwMode="auto">
+          <a:xfrm>
+            <a:off x="3798275" y="239152"/>
+            <a:ext cx="5304521" cy="6572191"/>
+          </a:xfrm>
+          <a:prstGeom prst="rect">
+            <a:avLst/>
+          </a:prstGeom>
+          <a:noFill/>
+          <a:ln w="9525">
+            <a:noFill/>
+            <a:miter lim="800000"/>
+            <a:headEnd/>
+            <a:tailEnd/>
+          </a:ln>
+        </p:spPr>
+      </p:pic>
+      <p:cxnSp>
+        <p:nvCxnSpPr>
+          <p:cNvPr id="7" name="6 Conector recto"/>
+          <p:cNvCxnSpPr/>
+          <p:nvPr/>
+        </p:nvCxnSpPr>
+        <p:spPr>
+          <a:xfrm>
+            <a:off x="0" y="1178482"/>
+            <a:ext cx="3465513" cy="0"/>
+          </a:xfrm>
+          <a:prstGeom prst="line">
+            <a:avLst/>
+          </a:prstGeom>
+          <a:ln w="25400">
+            <a:solidFill>
+              <a:srgbClr val="00B050"/>
+            </a:solidFill>
+          </a:ln>
+        </p:spPr>
+        <p:style>
+          <a:lnRef idx="1">
+            <a:schemeClr val="accent1"/>
+          </a:lnRef>
+          <a:fillRef idx="0">
+            <a:schemeClr val="accent1"/>
+          </a:fillRef>
+          <a:effectRef idx="0">
+            <a:schemeClr val="accent1"/>
+          </a:effectRef>
+          <a:fontRef idx="minor">
+            <a:schemeClr val="tx1"/>
+          </a:fontRef>
+        </p:style>
+      </p:cxnSp>
     </p:spTree>
     <p:extLst>
       <p:ext uri="{BB962C8B-B14F-4D97-AF65-F5344CB8AC3E}">
-        <p14:creationId xmlns:p14="http://schemas.microsoft.com/office/powerpoint/2010/main" val="1938490422"/>
+        <p14:creationId xmlns:p14="http://schemas.microsoft.com/office/powerpoint/2010/main" xmlns="" val="756268187"/>
+      </p:ext>
+    </p:extLst>
+  </p:cSld>
+  <p:clrMapOvr>
+    <a:masterClrMapping/>
+  </p:clrMapOvr>
+</p:sld>
+</file>
+
+<file path=ppt/slides/slide5.xml><?xml version="1.0" encoding="utf-8"?>
+<p:sld xmlns:a="http://schemas.openxmlformats.org/drawingml/2006/main" xmlns:r="http://schemas.openxmlformats.org/officeDocument/2006/relationships" xmlns:p="http://schemas.openxmlformats.org/presentationml/2006/main">
+  <p:cSld>
+    <p:spTree>
+      <p:nvGrpSpPr>
+        <p:cNvPr id="1" name=""/>
+        <p:cNvGrpSpPr/>
+        <p:nvPr/>
+      </p:nvGrpSpPr>
+      <p:grpSpPr>
+        <a:xfrm>
+          <a:off x="0" y="0"/>
+          <a:ext cx="0" cy="0"/>
+          <a:chOff x="0" y="0"/>
+          <a:chExt cx="0" cy="0"/>
+        </a:xfrm>
+      </p:grpSpPr>
+      <p:sp>
+        <p:nvSpPr>
+          <p:cNvPr id="2" name="Tittel 1"/>
+          <p:cNvSpPr>
+            <a:spLocks noGrp="1"/>
+          </p:cNvSpPr>
+          <p:nvPr>
+            <p:ph type="title"/>
+          </p:nvPr>
+        </p:nvSpPr>
+        <p:spPr/>
+        <p:txBody>
+          <a:bodyPr/>
+          <a:lstStyle/>
+          <a:p>
+            <a:r>
+              <a:rPr lang="nb-NO" dirty="0" smtClean="0"/>
+              <a:t>The </a:t>
+            </a:r>
+            <a:r>
+              <a:rPr lang="nb-NO" dirty="0" smtClean="0"/>
+              <a:t>N</a:t>
+            </a:r>
+            <a:r>
+              <a:rPr lang="nb-NO" dirty="0" smtClean="0"/>
+              <a:t>ext </a:t>
+            </a:r>
+            <a:r>
+              <a:rPr lang="nb-NO" dirty="0" smtClean="0"/>
+              <a:t>T</a:t>
+            </a:r>
+            <a:r>
+              <a:rPr lang="nb-NO" dirty="0" smtClean="0"/>
+              <a:t>wo </a:t>
+            </a:r>
+            <a:r>
+              <a:rPr lang="nb-NO" dirty="0" smtClean="0"/>
+              <a:t>W</a:t>
+            </a:r>
+            <a:r>
+              <a:rPr lang="nb-NO" dirty="0" smtClean="0"/>
+              <a:t>eeks</a:t>
+            </a:r>
+            <a:endParaRPr lang="nb-NO" dirty="0"/>
+          </a:p>
+        </p:txBody>
+      </p:sp>
+      <p:sp>
+        <p:nvSpPr>
+          <p:cNvPr id="3" name="Plassholder for innhold 2"/>
+          <p:cNvSpPr>
+            <a:spLocks noGrp="1"/>
+          </p:cNvSpPr>
+          <p:nvPr>
+            <p:ph sz="half" idx="1"/>
+          </p:nvPr>
+        </p:nvSpPr>
+        <p:spPr>
+          <a:xfrm>
+            <a:off x="457200" y="1600200"/>
+            <a:ext cx="4038600" cy="4997548"/>
+          </a:xfrm>
+        </p:spPr>
+        <p:txBody>
+          <a:bodyPr>
+            <a:normAutofit fontScale="92500" lnSpcReduction="10000"/>
+          </a:bodyPr>
+          <a:lstStyle/>
+          <a:p>
+            <a:pPr marL="0" indent="0">
+              <a:buNone/>
+            </a:pPr>
+            <a:r>
+              <a:rPr lang="en-US" sz="3200" dirty="0" smtClean="0"/>
+              <a:t>What we should do:</a:t>
+            </a:r>
+          </a:p>
+          <a:p>
+            <a:pPr marL="0" indent="0">
+              <a:buNone/>
+            </a:pPr>
+            <a:endParaRPr lang="en-US" dirty="0" smtClean="0"/>
+          </a:p>
+          <a:p>
+            <a:r>
+              <a:rPr lang="en-US" dirty="0" smtClean="0"/>
+              <a:t>R-script more or less sorted out</a:t>
+            </a:r>
+          </a:p>
+          <a:p>
+            <a:endParaRPr lang="en-US" dirty="0" smtClean="0"/>
+          </a:p>
+          <a:p>
+            <a:r>
+              <a:rPr lang="en-US" dirty="0" err="1" smtClean="0"/>
+              <a:t>Automize</a:t>
+            </a:r>
+            <a:r>
+              <a:rPr lang="en-US" dirty="0" smtClean="0"/>
+              <a:t> the meta analysis/diagnostic report</a:t>
+            </a:r>
+          </a:p>
+          <a:p>
+            <a:endParaRPr lang="en-US" dirty="0" smtClean="0"/>
+          </a:p>
+          <a:p>
+            <a:r>
+              <a:rPr lang="en-US" dirty="0" smtClean="0"/>
+              <a:t>Include more fancy stuff if we have time (make an R function)</a:t>
+            </a:r>
+          </a:p>
+          <a:p>
+            <a:endParaRPr lang="nb-NO" dirty="0" smtClean="0"/>
+          </a:p>
+          <a:p>
+            <a:endParaRPr lang="nb-NO" dirty="0"/>
+          </a:p>
+        </p:txBody>
+      </p:sp>
+      <p:sp>
+        <p:nvSpPr>
+          <p:cNvPr id="4" name="Plassholder for innhold 3"/>
+          <p:cNvSpPr>
+            <a:spLocks noGrp="1"/>
+          </p:cNvSpPr>
+          <p:nvPr>
+            <p:ph sz="half" idx="2"/>
+          </p:nvPr>
+        </p:nvSpPr>
+        <p:spPr/>
+        <p:txBody>
+          <a:bodyPr>
+            <a:normAutofit fontScale="92500" lnSpcReduction="10000"/>
+          </a:bodyPr>
+          <a:lstStyle/>
+          <a:p>
+            <a:pPr marL="0" indent="0">
+              <a:buNone/>
+            </a:pPr>
+            <a:r>
+              <a:rPr lang="en-US" sz="3200" dirty="0" smtClean="0"/>
+              <a:t>Questions we have:</a:t>
+            </a:r>
+          </a:p>
+          <a:p>
+            <a:pPr marL="0" indent="0">
+              <a:buNone/>
+            </a:pPr>
+            <a:endParaRPr lang="en-US" dirty="0" smtClean="0"/>
+          </a:p>
+          <a:p>
+            <a:r>
+              <a:rPr lang="en-US" dirty="0" smtClean="0"/>
+              <a:t>Where to start?</a:t>
+            </a:r>
+          </a:p>
+          <a:p>
+            <a:endParaRPr lang="en-US" dirty="0" smtClean="0"/>
+          </a:p>
+          <a:p>
+            <a:endParaRPr lang="en-US" dirty="0" smtClean="0"/>
+          </a:p>
+          <a:p>
+            <a:r>
+              <a:rPr lang="en-US" dirty="0" smtClean="0"/>
+              <a:t>How to make an automated appendix? </a:t>
+            </a:r>
+          </a:p>
+          <a:p>
+            <a:endParaRPr lang="en-US" dirty="0" smtClean="0"/>
+          </a:p>
+          <a:p>
+            <a:r>
+              <a:rPr lang="en-US" dirty="0" smtClean="0"/>
+              <a:t>Meta-analysis is not a standardized procedure!</a:t>
+            </a:r>
+            <a:endParaRPr lang="en-US" dirty="0"/>
+          </a:p>
+        </p:txBody>
+      </p:sp>
+      <p:cxnSp>
+        <p:nvCxnSpPr>
+          <p:cNvPr id="5" name="4 Conector recto"/>
+          <p:cNvCxnSpPr/>
+          <p:nvPr/>
+        </p:nvCxnSpPr>
+        <p:spPr>
+          <a:xfrm>
+            <a:off x="0" y="1417638"/>
+            <a:ext cx="7019778" cy="0"/>
+          </a:xfrm>
+          <a:prstGeom prst="line">
+            <a:avLst/>
+          </a:prstGeom>
+          <a:ln w="25400">
+            <a:solidFill>
+              <a:srgbClr val="00B050"/>
+            </a:solidFill>
+          </a:ln>
+        </p:spPr>
+        <p:style>
+          <a:lnRef idx="1">
+            <a:schemeClr val="accent1"/>
+          </a:lnRef>
+          <a:fillRef idx="0">
+            <a:schemeClr val="accent1"/>
+          </a:fillRef>
+          <a:effectRef idx="0">
+            <a:schemeClr val="accent1"/>
+          </a:effectRef>
+          <a:fontRef idx="minor">
+            <a:schemeClr val="tx1"/>
+          </a:fontRef>
+        </p:style>
+      </p:cxnSp>
+    </p:spTree>
+    <p:extLst>
+      <p:ext uri="{BB962C8B-B14F-4D97-AF65-F5344CB8AC3E}">
+        <p14:creationId xmlns:p14="http://schemas.microsoft.com/office/powerpoint/2010/main" xmlns="" val="1938490422"/>
       </p:ext>
     </p:extLst>
   </p:cSld>
@@ -4391,7 +4709,7 @@
 </file>
 
 <file path=ppt/theme/theme1.xml><?xml version="1.0" encoding="utf-8"?>
-<a:theme xmlns:a="http://schemas.openxmlformats.org/drawingml/2006/main" name="Office-tema">
+<a:theme xmlns:a="http://schemas.openxmlformats.org/drawingml/2006/main" name="Tema de Office">
   <a:themeElements>
     <a:clrScheme name="Office">
       <a:dk1>
@@ -4465,7 +4783,6 @@
         <a:font script="Mong" typeface="Mongolian Baiti"/>
         <a:font script="Viet" typeface="Times New Roman"/>
         <a:font script="Uigh" typeface="Microsoft Uighur"/>
-        <a:font script="Geor" typeface="Sylfaen"/>
       </a:majorFont>
       <a:minorFont>
         <a:latin typeface="Calibri"/>
@@ -4500,7 +4817,6 @@
         <a:font script="Mong" typeface="Mongolian Baiti"/>
         <a:font script="Viet" typeface="Arial"/>
         <a:font script="Uigh" typeface="Microsoft Uighur"/>
-        <a:font script="Geor" typeface="Sylfaen"/>
       </a:minorFont>
     </a:fontScheme>
     <a:fmtScheme name="Office">
@@ -4535,16 +4851,20 @@
           <a:gsLst>
             <a:gs pos="0">
               <a:schemeClr val="phClr">
-                <a:tint val="100000"/>
-                <a:shade val="100000"/>
+                <a:shade val="51000"/>
+                <a:satMod val="130000"/>
+              </a:schemeClr>
+            </a:gs>
+            <a:gs pos="80000">
+              <a:schemeClr val="phClr">
+                <a:shade val="93000"/>
                 <a:satMod val="130000"/>
               </a:schemeClr>
             </a:gs>
             <a:gs pos="100000">
               <a:schemeClr val="phClr">
-                <a:tint val="50000"/>
-                <a:shade val="100000"/>
-                <a:satMod val="350000"/>
+                <a:shade val="94000"/>
+                <a:satMod val="135000"/>
               </a:schemeClr>
             </a:gs>
           </a:gsLst>
@@ -4666,46 +4986,290 @@
       </a:bgFillStyleLst>
     </a:fmtScheme>
   </a:themeElements>
-  <a:objectDefaults>
-    <a:spDef>
-      <a:spPr/>
-      <a:bodyPr/>
-      <a:lstStyle/>
-      <a:style>
-        <a:lnRef idx="1">
-          <a:schemeClr val="accent1"/>
-        </a:lnRef>
-        <a:fillRef idx="3">
-          <a:schemeClr val="accent1"/>
-        </a:fillRef>
-        <a:effectRef idx="2">
-          <a:schemeClr val="accent1"/>
-        </a:effectRef>
-        <a:fontRef idx="minor">
-          <a:schemeClr val="lt1"/>
-        </a:fontRef>
-      </a:style>
-    </a:spDef>
-    <a:lnDef>
-      <a:spPr/>
-      <a:bodyPr/>
-      <a:lstStyle/>
-      <a:style>
-        <a:lnRef idx="2">
-          <a:schemeClr val="accent1"/>
-        </a:lnRef>
-        <a:fillRef idx="0">
-          <a:schemeClr val="accent1"/>
-        </a:fillRef>
-        <a:effectRef idx="1">
-          <a:schemeClr val="accent1"/>
-        </a:effectRef>
-        <a:fontRef idx="minor">
-          <a:schemeClr val="tx1"/>
-        </a:fontRef>
-      </a:style>
-    </a:lnDef>
-  </a:objectDefaults>
+  <a:objectDefaults/>
+  <a:extraClrSchemeLst/>
+</a:theme>
+</file>
+
+<file path=ppt/theme/theme2.xml><?xml version="1.0" encoding="utf-8"?>
+<a:theme xmlns:a="http://schemas.openxmlformats.org/drawingml/2006/main" name="Tema de Office">
+  <a:themeElements>
+    <a:clrScheme name="Office">
+      <a:dk1>
+        <a:sysClr val="windowText" lastClr="000000"/>
+      </a:dk1>
+      <a:lt1>
+        <a:sysClr val="window" lastClr="FFFFFF"/>
+      </a:lt1>
+      <a:dk2>
+        <a:srgbClr val="1F497D"/>
+      </a:dk2>
+      <a:lt2>
+        <a:srgbClr val="EEECE1"/>
+      </a:lt2>
+      <a:accent1>
+        <a:srgbClr val="4F81BD"/>
+      </a:accent1>
+      <a:accent2>
+        <a:srgbClr val="C0504D"/>
+      </a:accent2>
+      <a:accent3>
+        <a:srgbClr val="9BBB59"/>
+      </a:accent3>
+      <a:accent4>
+        <a:srgbClr val="8064A2"/>
+      </a:accent4>
+      <a:accent5>
+        <a:srgbClr val="4BACC6"/>
+      </a:accent5>
+      <a:accent6>
+        <a:srgbClr val="F79646"/>
+      </a:accent6>
+      <a:hlink>
+        <a:srgbClr val="0000FF"/>
+      </a:hlink>
+      <a:folHlink>
+        <a:srgbClr val="800080"/>
+      </a:folHlink>
+    </a:clrScheme>
+    <a:fontScheme name="Office">
+      <a:majorFont>
+        <a:latin typeface="Calibri"/>
+        <a:ea typeface=""/>
+        <a:cs typeface=""/>
+        <a:font script="Jpan" typeface="ＭＳ Ｐゴシック"/>
+        <a:font script="Hang" typeface="맑은 고딕"/>
+        <a:font script="Hans" typeface="宋体"/>
+        <a:font script="Hant" typeface="新細明體"/>
+        <a:font script="Arab" typeface="Times New Roman"/>
+        <a:font script="Hebr" typeface="Times New Roman"/>
+        <a:font script="Thai" typeface="Angsana New"/>
+        <a:font script="Ethi" typeface="Nyala"/>
+        <a:font script="Beng" typeface="Vrinda"/>
+        <a:font script="Gujr" typeface="Shruti"/>
+        <a:font script="Khmr" typeface="MoolBoran"/>
+        <a:font script="Knda" typeface="Tunga"/>
+        <a:font script="Guru" typeface="Raavi"/>
+        <a:font script="Cans" typeface="Euphemia"/>
+        <a:font script="Cher" typeface="Plantagenet Cherokee"/>
+        <a:font script="Yiii" typeface="Microsoft Yi Baiti"/>
+        <a:font script="Tibt" typeface="Microsoft Himalaya"/>
+        <a:font script="Thaa" typeface="MV Boli"/>
+        <a:font script="Deva" typeface="Mangal"/>
+        <a:font script="Telu" typeface="Gautami"/>
+        <a:font script="Taml" typeface="Latha"/>
+        <a:font script="Syrc" typeface="Estrangelo Edessa"/>
+        <a:font script="Orya" typeface="Kalinga"/>
+        <a:font script="Mlym" typeface="Kartika"/>
+        <a:font script="Laoo" typeface="DokChampa"/>
+        <a:font script="Sinh" typeface="Iskoola Pota"/>
+        <a:font script="Mong" typeface="Mongolian Baiti"/>
+        <a:font script="Viet" typeface="Times New Roman"/>
+        <a:font script="Uigh" typeface="Microsoft Uighur"/>
+      </a:majorFont>
+      <a:minorFont>
+        <a:latin typeface="Calibri"/>
+        <a:ea typeface=""/>
+        <a:cs typeface=""/>
+        <a:font script="Jpan" typeface="ＭＳ Ｐゴシック"/>
+        <a:font script="Hang" typeface="맑은 고딕"/>
+        <a:font script="Hans" typeface="宋体"/>
+        <a:font script="Hant" typeface="新細明體"/>
+        <a:font script="Arab" typeface="Arial"/>
+        <a:font script="Hebr" typeface="Arial"/>
+        <a:font script="Thai" typeface="Cordia New"/>
+        <a:font script="Ethi" typeface="Nyala"/>
+        <a:font script="Beng" typeface="Vrinda"/>
+        <a:font script="Gujr" typeface="Shruti"/>
+        <a:font script="Khmr" typeface="DaunPenh"/>
+        <a:font script="Knda" typeface="Tunga"/>
+        <a:font script="Guru" typeface="Raavi"/>
+        <a:font script="Cans" typeface="Euphemia"/>
+        <a:font script="Cher" typeface="Plantagenet Cherokee"/>
+        <a:font script="Yiii" typeface="Microsoft Yi Baiti"/>
+        <a:font script="Tibt" typeface="Microsoft Himalaya"/>
+        <a:font script="Thaa" typeface="MV Boli"/>
+        <a:font script="Deva" typeface="Mangal"/>
+        <a:font script="Telu" typeface="Gautami"/>
+        <a:font script="Taml" typeface="Latha"/>
+        <a:font script="Syrc" typeface="Estrangelo Edessa"/>
+        <a:font script="Orya" typeface="Kalinga"/>
+        <a:font script="Mlym" typeface="Kartika"/>
+        <a:font script="Laoo" typeface="DokChampa"/>
+        <a:font script="Sinh" typeface="Iskoola Pota"/>
+        <a:font script="Mong" typeface="Mongolian Baiti"/>
+        <a:font script="Viet" typeface="Arial"/>
+        <a:font script="Uigh" typeface="Microsoft Uighur"/>
+      </a:minorFont>
+    </a:fontScheme>
+    <a:fmtScheme name="Office">
+      <a:fillStyleLst>
+        <a:solidFill>
+          <a:schemeClr val="phClr"/>
+        </a:solidFill>
+        <a:gradFill rotWithShape="1">
+          <a:gsLst>
+            <a:gs pos="0">
+              <a:schemeClr val="phClr">
+                <a:tint val="50000"/>
+                <a:satMod val="300000"/>
+              </a:schemeClr>
+            </a:gs>
+            <a:gs pos="35000">
+              <a:schemeClr val="phClr">
+                <a:tint val="37000"/>
+                <a:satMod val="300000"/>
+              </a:schemeClr>
+            </a:gs>
+            <a:gs pos="100000">
+              <a:schemeClr val="phClr">
+                <a:tint val="15000"/>
+                <a:satMod val="350000"/>
+              </a:schemeClr>
+            </a:gs>
+          </a:gsLst>
+          <a:lin ang="16200000" scaled="1"/>
+        </a:gradFill>
+        <a:gradFill rotWithShape="1">
+          <a:gsLst>
+            <a:gs pos="0">
+              <a:schemeClr val="phClr">
+                <a:shade val="51000"/>
+                <a:satMod val="130000"/>
+              </a:schemeClr>
+            </a:gs>
+            <a:gs pos="80000">
+              <a:schemeClr val="phClr">
+                <a:shade val="93000"/>
+                <a:satMod val="130000"/>
+              </a:schemeClr>
+            </a:gs>
+            <a:gs pos="100000">
+              <a:schemeClr val="phClr">
+                <a:shade val="94000"/>
+                <a:satMod val="135000"/>
+              </a:schemeClr>
+            </a:gs>
+          </a:gsLst>
+          <a:lin ang="16200000" scaled="0"/>
+        </a:gradFill>
+      </a:fillStyleLst>
+      <a:lnStyleLst>
+        <a:ln w="9525" cap="flat" cmpd="sng" algn="ctr">
+          <a:solidFill>
+            <a:schemeClr val="phClr">
+              <a:shade val="95000"/>
+              <a:satMod val="105000"/>
+            </a:schemeClr>
+          </a:solidFill>
+          <a:prstDash val="solid"/>
+        </a:ln>
+        <a:ln w="25400" cap="flat" cmpd="sng" algn="ctr">
+          <a:solidFill>
+            <a:schemeClr val="phClr"/>
+          </a:solidFill>
+          <a:prstDash val="solid"/>
+        </a:ln>
+        <a:ln w="38100" cap="flat" cmpd="sng" algn="ctr">
+          <a:solidFill>
+            <a:schemeClr val="phClr"/>
+          </a:solidFill>
+          <a:prstDash val="solid"/>
+        </a:ln>
+      </a:lnStyleLst>
+      <a:effectStyleLst>
+        <a:effectStyle>
+          <a:effectLst>
+            <a:outerShdw blurRad="40000" dist="20000" dir="5400000" rotWithShape="0">
+              <a:srgbClr val="000000">
+                <a:alpha val="38000"/>
+              </a:srgbClr>
+            </a:outerShdw>
+          </a:effectLst>
+        </a:effectStyle>
+        <a:effectStyle>
+          <a:effectLst>
+            <a:outerShdw blurRad="40000" dist="23000" dir="5400000" rotWithShape="0">
+              <a:srgbClr val="000000">
+                <a:alpha val="35000"/>
+              </a:srgbClr>
+            </a:outerShdw>
+          </a:effectLst>
+        </a:effectStyle>
+        <a:effectStyle>
+          <a:effectLst>
+            <a:outerShdw blurRad="40000" dist="23000" dir="5400000" rotWithShape="0">
+              <a:srgbClr val="000000">
+                <a:alpha val="35000"/>
+              </a:srgbClr>
+            </a:outerShdw>
+          </a:effectLst>
+          <a:scene3d>
+            <a:camera prst="orthographicFront">
+              <a:rot lat="0" lon="0" rev="0"/>
+            </a:camera>
+            <a:lightRig rig="threePt" dir="t">
+              <a:rot lat="0" lon="0" rev="1200000"/>
+            </a:lightRig>
+          </a:scene3d>
+          <a:sp3d>
+            <a:bevelT w="63500" h="25400"/>
+          </a:sp3d>
+        </a:effectStyle>
+      </a:effectStyleLst>
+      <a:bgFillStyleLst>
+        <a:solidFill>
+          <a:schemeClr val="phClr"/>
+        </a:solidFill>
+        <a:gradFill rotWithShape="1">
+          <a:gsLst>
+            <a:gs pos="0">
+              <a:schemeClr val="phClr">
+                <a:tint val="40000"/>
+                <a:satMod val="350000"/>
+              </a:schemeClr>
+            </a:gs>
+            <a:gs pos="40000">
+              <a:schemeClr val="phClr">
+                <a:tint val="45000"/>
+                <a:shade val="99000"/>
+                <a:satMod val="350000"/>
+              </a:schemeClr>
+            </a:gs>
+            <a:gs pos="100000">
+              <a:schemeClr val="phClr">
+                <a:shade val="20000"/>
+                <a:satMod val="255000"/>
+              </a:schemeClr>
+            </a:gs>
+          </a:gsLst>
+          <a:path path="circle">
+            <a:fillToRect l="50000" t="-80000" r="50000" b="180000"/>
+          </a:path>
+        </a:gradFill>
+        <a:gradFill rotWithShape="1">
+          <a:gsLst>
+            <a:gs pos="0">
+              <a:schemeClr val="phClr">
+                <a:tint val="80000"/>
+                <a:satMod val="300000"/>
+              </a:schemeClr>
+            </a:gs>
+            <a:gs pos="100000">
+              <a:schemeClr val="phClr">
+                <a:shade val="30000"/>
+                <a:satMod val="200000"/>
+              </a:schemeClr>
+            </a:gs>
+          </a:gsLst>
+          <a:path path="circle">
+            <a:fillToRect l="50000" t="50000" r="50000" b="50000"/>
+          </a:path>
+        </a:gradFill>
+      </a:bgFillStyleLst>
+    </a:fmtScheme>
+  </a:themeElements>
+  <a:objectDefaults/>
   <a:extraClrSchemeLst/>
 </a:theme>
 </file>
--- a/Presentation/Presentation nov 18.pptx
+++ b/Presentation/Presentation nov 18.pptx
@@ -196,7 +196,7 @@
           <a:p>
             <a:fld id="{9184657C-6B7B-4D11-92FE-19D7F27F78B9}" type="datetimeFigureOut">
               <a:rPr lang="en-GB" smtClean="0"/>
-              <a:t>17/11/2014</a:t>
+              <a:t>17.11.14</a:t>
             </a:fld>
             <a:endParaRPr lang="en-GB"/>
           </a:p>
@@ -357,13 +357,18 @@
           <a:p>
             <a:fld id="{1E047F9F-E4D1-4A29-BB8A-19035468A4E4}" type="slidenum">
               <a:rPr lang="en-GB" smtClean="0"/>
-              <a:t>‹Nº›</a:t>
+              <a:t>‹#›</a:t>
             </a:fld>
             <a:endParaRPr lang="en-GB"/>
           </a:p>
         </p:txBody>
       </p:sp>
     </p:spTree>
+    <p:extLst>
+      <p:ext uri="{BB962C8B-B14F-4D97-AF65-F5344CB8AC3E}">
+        <p14:creationId xmlns:p14="http://schemas.microsoft.com/office/powerpoint/2010/main" val="2624709471"/>
+      </p:ext>
+    </p:extLst>
   </p:cSld>
   <p:clrMap bg1="lt1" tx1="dk1" bg2="lt2" tx2="dk2" accent1="accent1" accent2="accent2" accent3="accent3" accent4="accent4" accent5="accent5" accent6="accent6" hlink="hlink" folHlink="folHlink"/>
   <p:notesStyle>
@@ -724,7 +729,7 @@
             <a:fld id="{89ABF61E-C81E-B147-A9C3-9359CCDF05AF}" type="datetimeFigureOut">
               <a:rPr lang="nb-NO" smtClean="0"/>
               <a:pPr/>
-              <a:t>17.11.2014</a:t>
+              <a:t>17.11.14</a:t>
             </a:fld>
             <a:endParaRPr lang="nb-NO"/>
           </a:p>
@@ -767,7 +772,7 @@
             <a:fld id="{A592D690-0A75-2B47-B762-A5B99D01306A}" type="slidenum">
               <a:rPr lang="nb-NO" smtClean="0"/>
               <a:pPr/>
-              <a:t>‹Nº›</a:t>
+              <a:t>‹#›</a:t>
             </a:fld>
             <a:endParaRPr lang="nb-NO"/>
           </a:p>
@@ -891,7 +896,7 @@
             <a:fld id="{89ABF61E-C81E-B147-A9C3-9359CCDF05AF}" type="datetimeFigureOut">
               <a:rPr lang="nb-NO" smtClean="0"/>
               <a:pPr/>
-              <a:t>17.11.2014</a:t>
+              <a:t>17.11.14</a:t>
             </a:fld>
             <a:endParaRPr lang="nb-NO"/>
           </a:p>
@@ -934,7 +939,7 @@
             <a:fld id="{A592D690-0A75-2B47-B762-A5B99D01306A}" type="slidenum">
               <a:rPr lang="nb-NO" smtClean="0"/>
               <a:pPr/>
-              <a:t>‹Nº›</a:t>
+              <a:t>‹#›</a:t>
             </a:fld>
             <a:endParaRPr lang="nb-NO"/>
           </a:p>
@@ -1068,7 +1073,7 @@
             <a:fld id="{89ABF61E-C81E-B147-A9C3-9359CCDF05AF}" type="datetimeFigureOut">
               <a:rPr lang="nb-NO" smtClean="0"/>
               <a:pPr/>
-              <a:t>17.11.2014</a:t>
+              <a:t>17.11.14</a:t>
             </a:fld>
             <a:endParaRPr lang="nb-NO"/>
           </a:p>
@@ -1111,7 +1116,7 @@
             <a:fld id="{A592D690-0A75-2B47-B762-A5B99D01306A}" type="slidenum">
               <a:rPr lang="nb-NO" smtClean="0"/>
               <a:pPr/>
-              <a:t>‹Nº›</a:t>
+              <a:t>‹#›</a:t>
             </a:fld>
             <a:endParaRPr lang="nb-NO"/>
           </a:p>
@@ -1235,7 +1240,7 @@
             <a:fld id="{89ABF61E-C81E-B147-A9C3-9359CCDF05AF}" type="datetimeFigureOut">
               <a:rPr lang="nb-NO" smtClean="0"/>
               <a:pPr/>
-              <a:t>17.11.2014</a:t>
+              <a:t>17.11.14</a:t>
             </a:fld>
             <a:endParaRPr lang="nb-NO"/>
           </a:p>
@@ -1278,7 +1283,7 @@
             <a:fld id="{A592D690-0A75-2B47-B762-A5B99D01306A}" type="slidenum">
               <a:rPr lang="nb-NO" smtClean="0"/>
               <a:pPr/>
-              <a:t>‹Nº›</a:t>
+              <a:t>‹#›</a:t>
             </a:fld>
             <a:endParaRPr lang="nb-NO"/>
           </a:p>
@@ -1478,7 +1483,7 @@
             <a:fld id="{89ABF61E-C81E-B147-A9C3-9359CCDF05AF}" type="datetimeFigureOut">
               <a:rPr lang="nb-NO" smtClean="0"/>
               <a:pPr/>
-              <a:t>17.11.2014</a:t>
+              <a:t>17.11.14</a:t>
             </a:fld>
             <a:endParaRPr lang="nb-NO"/>
           </a:p>
@@ -1521,7 +1526,7 @@
             <a:fld id="{A592D690-0A75-2B47-B762-A5B99D01306A}" type="slidenum">
               <a:rPr lang="nb-NO" smtClean="0"/>
               <a:pPr/>
-              <a:t>‹Nº›</a:t>
+              <a:t>‹#›</a:t>
             </a:fld>
             <a:endParaRPr lang="nb-NO"/>
           </a:p>
@@ -1763,7 +1768,7 @@
             <a:fld id="{89ABF61E-C81E-B147-A9C3-9359CCDF05AF}" type="datetimeFigureOut">
               <a:rPr lang="nb-NO" smtClean="0"/>
               <a:pPr/>
-              <a:t>17.11.2014</a:t>
+              <a:t>17.11.14</a:t>
             </a:fld>
             <a:endParaRPr lang="nb-NO"/>
           </a:p>
@@ -1806,7 +1811,7 @@
             <a:fld id="{A592D690-0A75-2B47-B762-A5B99D01306A}" type="slidenum">
               <a:rPr lang="nb-NO" smtClean="0"/>
               <a:pPr/>
-              <a:t>‹Nº›</a:t>
+              <a:t>‹#›</a:t>
             </a:fld>
             <a:endParaRPr lang="nb-NO"/>
           </a:p>
@@ -2182,7 +2187,7 @@
             <a:fld id="{89ABF61E-C81E-B147-A9C3-9359CCDF05AF}" type="datetimeFigureOut">
               <a:rPr lang="nb-NO" smtClean="0"/>
               <a:pPr/>
-              <a:t>17.11.2014</a:t>
+              <a:t>17.11.14</a:t>
             </a:fld>
             <a:endParaRPr lang="nb-NO"/>
           </a:p>
@@ -2225,7 +2230,7 @@
             <a:fld id="{A592D690-0A75-2B47-B762-A5B99D01306A}" type="slidenum">
               <a:rPr lang="nb-NO" smtClean="0"/>
               <a:pPr/>
-              <a:t>‹Nº›</a:t>
+              <a:t>‹#›</a:t>
             </a:fld>
             <a:endParaRPr lang="nb-NO"/>
           </a:p>
@@ -2297,7 +2302,7 @@
             <a:fld id="{89ABF61E-C81E-B147-A9C3-9359CCDF05AF}" type="datetimeFigureOut">
               <a:rPr lang="nb-NO" smtClean="0"/>
               <a:pPr/>
-              <a:t>17.11.2014</a:t>
+              <a:t>17.11.14</a:t>
             </a:fld>
             <a:endParaRPr lang="nb-NO"/>
           </a:p>
@@ -2340,7 +2345,7 @@
             <a:fld id="{A592D690-0A75-2B47-B762-A5B99D01306A}" type="slidenum">
               <a:rPr lang="nb-NO" smtClean="0"/>
               <a:pPr/>
-              <a:t>‹Nº›</a:t>
+              <a:t>‹#›</a:t>
             </a:fld>
             <a:endParaRPr lang="nb-NO"/>
           </a:p>
@@ -2389,7 +2394,7 @@
             <a:fld id="{89ABF61E-C81E-B147-A9C3-9359CCDF05AF}" type="datetimeFigureOut">
               <a:rPr lang="nb-NO" smtClean="0"/>
               <a:pPr/>
-              <a:t>17.11.2014</a:t>
+              <a:t>17.11.14</a:t>
             </a:fld>
             <a:endParaRPr lang="nb-NO"/>
           </a:p>
@@ -2432,7 +2437,7 @@
             <a:fld id="{A592D690-0A75-2B47-B762-A5B99D01306A}" type="slidenum">
               <a:rPr lang="nb-NO" smtClean="0"/>
               <a:pPr/>
-              <a:t>‹Nº›</a:t>
+              <a:t>‹#›</a:t>
             </a:fld>
             <a:endParaRPr lang="nb-NO"/>
           </a:p>
@@ -2663,7 +2668,7 @@
             <a:fld id="{89ABF61E-C81E-B147-A9C3-9359CCDF05AF}" type="datetimeFigureOut">
               <a:rPr lang="nb-NO" smtClean="0"/>
               <a:pPr/>
-              <a:t>17.11.2014</a:t>
+              <a:t>17.11.14</a:t>
             </a:fld>
             <a:endParaRPr lang="nb-NO"/>
           </a:p>
@@ -2706,7 +2711,7 @@
             <a:fld id="{A592D690-0A75-2B47-B762-A5B99D01306A}" type="slidenum">
               <a:rPr lang="nb-NO" smtClean="0"/>
               <a:pPr/>
-              <a:t>‹Nº›</a:t>
+              <a:t>‹#›</a:t>
             </a:fld>
             <a:endParaRPr lang="nb-NO"/>
           </a:p>
@@ -2913,7 +2918,7 @@
             <a:fld id="{89ABF61E-C81E-B147-A9C3-9359CCDF05AF}" type="datetimeFigureOut">
               <a:rPr lang="nb-NO" smtClean="0"/>
               <a:pPr/>
-              <a:t>17.11.2014</a:t>
+              <a:t>17.11.14</a:t>
             </a:fld>
             <a:endParaRPr lang="nb-NO"/>
           </a:p>
@@ -2956,7 +2961,7 @@
             <a:fld id="{A592D690-0A75-2B47-B762-A5B99D01306A}" type="slidenum">
               <a:rPr lang="nb-NO" smtClean="0"/>
               <a:pPr/>
-              <a:t>‹Nº›</a:t>
+              <a:t>‹#›</a:t>
             </a:fld>
             <a:endParaRPr lang="nb-NO"/>
           </a:p>
@@ -3123,7 +3128,7 @@
             <a:fld id="{89ABF61E-C81E-B147-A9C3-9359CCDF05AF}" type="datetimeFigureOut">
               <a:rPr lang="nb-NO" smtClean="0"/>
               <a:pPr/>
-              <a:t>17.11.2014</a:t>
+              <a:t>17.11.14</a:t>
             </a:fld>
             <a:endParaRPr lang="nb-NO"/>
           </a:p>
@@ -3202,7 +3207,7 @@
             <a:fld id="{A592D690-0A75-2B47-B762-A5B99D01306A}" type="slidenum">
               <a:rPr lang="nb-NO" smtClean="0"/>
               <a:pPr/>
-              <a:t>‹Nº›</a:t>
+              <a:t>‹#›</a:t>
             </a:fld>
             <a:endParaRPr lang="nb-NO"/>
           </a:p>
@@ -3640,6 +3645,13 @@
   <p:clrMapOvr>
     <a:masterClrMapping/>
   </p:clrMapOvr>
+  <p:timing>
+    <p:tnLst>
+      <p:par>
+        <p:cTn xmlns:p14="http://schemas.microsoft.com/office/powerpoint/2010/main" id="1" dur="indefinite" restart="never" nodeType="tmRoot"/>
+      </p:par>
+    </p:tnLst>
+  </p:timing>
 </p:sld>
 </file>
 
@@ -3677,11 +3689,7 @@
           <a:p>
             <a:r>
               <a:rPr lang="nb-NO" dirty="0" smtClean="0"/>
-              <a:t>M</a:t>
-            </a:r>
-            <a:r>
-              <a:rPr lang="nb-NO" dirty="0" smtClean="0"/>
-              <a:t>eta-Analysis</a:t>
+              <a:t>Meta-Analysis</a:t>
             </a:r>
             <a:endParaRPr lang="nb-NO" dirty="0"/>
           </a:p>
@@ -3932,13 +3940,368 @@
     </p:spTree>
     <p:extLst>
       <p:ext uri="{BB962C8B-B14F-4D97-AF65-F5344CB8AC3E}">
-        <p14:creationId xmlns:p14="http://schemas.microsoft.com/office/powerpoint/2010/main" xmlns="" val="2734221090"/>
+        <p14:creationId xmlns:p14="http://schemas.microsoft.com/office/powerpoint/2010/main" val="2734221090"/>
       </p:ext>
     </p:extLst>
   </p:cSld>
   <p:clrMapOvr>
     <a:masterClrMapping/>
   </p:clrMapOvr>
+  <p:timing>
+    <p:tnLst>
+      <p:par>
+        <p:cTn xmlns:p14="http://schemas.microsoft.com/office/powerpoint/2010/main" id="1" dur="indefinite" restart="never" nodeType="tmRoot">
+          <p:childTnLst>
+            <p:seq concurrent="1" nextAc="seek">
+              <p:cTn id="2" dur="indefinite" nodeType="mainSeq">
+                <p:childTnLst>
+                  <p:par>
+                    <p:cTn id="3" fill="hold">
+                      <p:stCondLst>
+                        <p:cond delay="indefinite"/>
+                      </p:stCondLst>
+                      <p:childTnLst>
+                        <p:par>
+                          <p:cTn id="4" fill="hold">
+                            <p:stCondLst>
+                              <p:cond delay="0"/>
+                            </p:stCondLst>
+                            <p:childTnLst>
+                              <p:par>
+                                <p:cTn id="5" presetID="1" presetClass="entr" presetSubtype="0" fill="hold" nodeType="clickEffect">
+                                  <p:stCondLst>
+                                    <p:cond delay="0"/>
+                                  </p:stCondLst>
+                                  <p:childTnLst>
+                                    <p:set>
+                                      <p:cBhvr>
+                                        <p:cTn id="6" dur="1" fill="hold">
+                                          <p:stCondLst>
+                                            <p:cond delay="0"/>
+                                          </p:stCondLst>
+                                        </p:cTn>
+                                        <p:tgtEl>
+                                          <p:spTgt spid="3">
+                                            <p:txEl>
+                                              <p:pRg st="0" end="0"/>
+                                            </p:txEl>
+                                          </p:spTgt>
+                                        </p:tgtEl>
+                                        <p:attrNameLst>
+                                          <p:attrName>style.visibility</p:attrName>
+                                        </p:attrNameLst>
+                                      </p:cBhvr>
+                                      <p:to>
+                                        <p:strVal val="visible"/>
+                                      </p:to>
+                                    </p:set>
+                                  </p:childTnLst>
+                                </p:cTn>
+                              </p:par>
+                              <p:par>
+                                <p:cTn id="7" presetID="1" presetClass="entr" presetSubtype="0" fill="hold" nodeType="withEffect">
+                                  <p:stCondLst>
+                                    <p:cond delay="0"/>
+                                  </p:stCondLst>
+                                  <p:childTnLst>
+                                    <p:set>
+                                      <p:cBhvr>
+                                        <p:cTn id="8" dur="1" fill="hold">
+                                          <p:stCondLst>
+                                            <p:cond delay="0"/>
+                                          </p:stCondLst>
+                                        </p:cTn>
+                                        <p:tgtEl>
+                                          <p:spTgt spid="7">
+                                            <p:txEl>
+                                              <p:pRg st="0" end="0"/>
+                                            </p:txEl>
+                                          </p:spTgt>
+                                        </p:tgtEl>
+                                        <p:attrNameLst>
+                                          <p:attrName>style.visibility</p:attrName>
+                                        </p:attrNameLst>
+                                      </p:cBhvr>
+                                      <p:to>
+                                        <p:strVal val="visible"/>
+                                      </p:to>
+                                    </p:set>
+                                  </p:childTnLst>
+                                </p:cTn>
+                              </p:par>
+                            </p:childTnLst>
+                          </p:cTn>
+                        </p:par>
+                      </p:childTnLst>
+                    </p:cTn>
+                  </p:par>
+                  <p:par>
+                    <p:cTn id="9" fill="hold">
+                      <p:stCondLst>
+                        <p:cond delay="indefinite"/>
+                      </p:stCondLst>
+                      <p:childTnLst>
+                        <p:par>
+                          <p:cTn id="10" fill="hold">
+                            <p:stCondLst>
+                              <p:cond delay="0"/>
+                            </p:stCondLst>
+                            <p:childTnLst>
+                              <p:par>
+                                <p:cTn id="11" presetID="1" presetClass="entr" presetSubtype="0" fill="hold" nodeType="clickEffect">
+                                  <p:stCondLst>
+                                    <p:cond delay="0"/>
+                                  </p:stCondLst>
+                                  <p:childTnLst>
+                                    <p:set>
+                                      <p:cBhvr>
+                                        <p:cTn id="12" dur="1" fill="hold">
+                                          <p:stCondLst>
+                                            <p:cond delay="0"/>
+                                          </p:stCondLst>
+                                        </p:cTn>
+                                        <p:tgtEl>
+                                          <p:spTgt spid="3">
+                                            <p:txEl>
+                                              <p:pRg st="2" end="2"/>
+                                            </p:txEl>
+                                          </p:spTgt>
+                                        </p:tgtEl>
+                                        <p:attrNameLst>
+                                          <p:attrName>style.visibility</p:attrName>
+                                        </p:attrNameLst>
+                                      </p:cBhvr>
+                                      <p:to>
+                                        <p:strVal val="visible"/>
+                                      </p:to>
+                                    </p:set>
+                                  </p:childTnLst>
+                                </p:cTn>
+                              </p:par>
+                            </p:childTnLst>
+                          </p:cTn>
+                        </p:par>
+                      </p:childTnLst>
+                    </p:cTn>
+                  </p:par>
+                  <p:par>
+                    <p:cTn id="13" fill="hold">
+                      <p:stCondLst>
+                        <p:cond delay="indefinite"/>
+                      </p:stCondLst>
+                      <p:childTnLst>
+                        <p:par>
+                          <p:cTn id="14" fill="hold">
+                            <p:stCondLst>
+                              <p:cond delay="0"/>
+                            </p:stCondLst>
+                            <p:childTnLst>
+                              <p:par>
+                                <p:cTn id="15" presetID="1" presetClass="entr" presetSubtype="0" fill="hold" nodeType="clickEffect">
+                                  <p:stCondLst>
+                                    <p:cond delay="0"/>
+                                  </p:stCondLst>
+                                  <p:childTnLst>
+                                    <p:set>
+                                      <p:cBhvr>
+                                        <p:cTn id="16" dur="1" fill="hold">
+                                          <p:stCondLst>
+                                            <p:cond delay="0"/>
+                                          </p:stCondLst>
+                                        </p:cTn>
+                                        <p:tgtEl>
+                                          <p:spTgt spid="3">
+                                            <p:txEl>
+                                              <p:pRg st="4" end="4"/>
+                                            </p:txEl>
+                                          </p:spTgt>
+                                        </p:tgtEl>
+                                        <p:attrNameLst>
+                                          <p:attrName>style.visibility</p:attrName>
+                                        </p:attrNameLst>
+                                      </p:cBhvr>
+                                      <p:to>
+                                        <p:strVal val="visible"/>
+                                      </p:to>
+                                    </p:set>
+                                  </p:childTnLst>
+                                </p:cTn>
+                              </p:par>
+                            </p:childTnLst>
+                          </p:cTn>
+                        </p:par>
+                      </p:childTnLst>
+                    </p:cTn>
+                  </p:par>
+                  <p:par>
+                    <p:cTn id="17" fill="hold">
+                      <p:stCondLst>
+                        <p:cond delay="indefinite"/>
+                      </p:stCondLst>
+                      <p:childTnLst>
+                        <p:par>
+                          <p:cTn id="18" fill="hold">
+                            <p:stCondLst>
+                              <p:cond delay="0"/>
+                            </p:stCondLst>
+                            <p:childTnLst>
+                              <p:par>
+                                <p:cTn id="19" presetID="1" presetClass="entr" presetSubtype="0" fill="hold" nodeType="clickEffect">
+                                  <p:stCondLst>
+                                    <p:cond delay="0"/>
+                                  </p:stCondLst>
+                                  <p:childTnLst>
+                                    <p:set>
+                                      <p:cBhvr>
+                                        <p:cTn id="20" dur="1" fill="hold">
+                                          <p:stCondLst>
+                                            <p:cond delay="0"/>
+                                          </p:stCondLst>
+                                        </p:cTn>
+                                        <p:tgtEl>
+                                          <p:spTgt spid="3">
+                                            <p:txEl>
+                                              <p:pRg st="6" end="6"/>
+                                            </p:txEl>
+                                          </p:spTgt>
+                                        </p:tgtEl>
+                                        <p:attrNameLst>
+                                          <p:attrName>style.visibility</p:attrName>
+                                        </p:attrNameLst>
+                                      </p:cBhvr>
+                                      <p:to>
+                                        <p:strVal val="visible"/>
+                                      </p:to>
+                                    </p:set>
+                                  </p:childTnLst>
+                                </p:cTn>
+                              </p:par>
+                            </p:childTnLst>
+                          </p:cTn>
+                        </p:par>
+                      </p:childTnLst>
+                    </p:cTn>
+                  </p:par>
+                  <p:par>
+                    <p:cTn id="21" fill="hold">
+                      <p:stCondLst>
+                        <p:cond delay="indefinite"/>
+                      </p:stCondLst>
+                      <p:childTnLst>
+                        <p:par>
+                          <p:cTn id="22" fill="hold">
+                            <p:stCondLst>
+                              <p:cond delay="0"/>
+                            </p:stCondLst>
+                            <p:childTnLst>
+                              <p:par>
+                                <p:cTn id="23" presetID="1" presetClass="entr" presetSubtype="0" fill="hold" nodeType="clickEffect">
+                                  <p:stCondLst>
+                                    <p:cond delay="0"/>
+                                  </p:stCondLst>
+                                  <p:childTnLst>
+                                    <p:set>
+                                      <p:cBhvr>
+                                        <p:cTn id="24" dur="1" fill="hold">
+                                          <p:stCondLst>
+                                            <p:cond delay="0"/>
+                                          </p:stCondLst>
+                                        </p:cTn>
+                                        <p:tgtEl>
+                                          <p:spTgt spid="3">
+                                            <p:txEl>
+                                              <p:pRg st="8" end="8"/>
+                                            </p:txEl>
+                                          </p:spTgt>
+                                        </p:tgtEl>
+                                        <p:attrNameLst>
+                                          <p:attrName>style.visibility</p:attrName>
+                                        </p:attrNameLst>
+                                      </p:cBhvr>
+                                      <p:to>
+                                        <p:strVal val="visible"/>
+                                      </p:to>
+                                    </p:set>
+                                  </p:childTnLst>
+                                </p:cTn>
+                              </p:par>
+                            </p:childTnLst>
+                          </p:cTn>
+                        </p:par>
+                      </p:childTnLst>
+                    </p:cTn>
+                  </p:par>
+                  <p:par>
+                    <p:cTn id="25" fill="hold">
+                      <p:stCondLst>
+                        <p:cond delay="indefinite"/>
+                      </p:stCondLst>
+                      <p:childTnLst>
+                        <p:par>
+                          <p:cTn id="26" fill="hold">
+                            <p:stCondLst>
+                              <p:cond delay="0"/>
+                            </p:stCondLst>
+                            <p:childTnLst>
+                              <p:par>
+                                <p:cTn id="27" presetID="1" presetClass="entr" presetSubtype="0" fill="hold" nodeType="clickEffect">
+                                  <p:stCondLst>
+                                    <p:cond delay="0"/>
+                                  </p:stCondLst>
+                                  <p:childTnLst>
+                                    <p:set>
+                                      <p:cBhvr>
+                                        <p:cTn id="28" dur="1" fill="hold">
+                                          <p:stCondLst>
+                                            <p:cond delay="0"/>
+                                          </p:stCondLst>
+                                        </p:cTn>
+                                        <p:tgtEl>
+                                          <p:spTgt spid="3">
+                                            <p:txEl>
+                                              <p:pRg st="10" end="10"/>
+                                            </p:txEl>
+                                          </p:spTgt>
+                                        </p:tgtEl>
+                                        <p:attrNameLst>
+                                          <p:attrName>style.visibility</p:attrName>
+                                        </p:attrNameLst>
+                                      </p:cBhvr>
+                                      <p:to>
+                                        <p:strVal val="visible"/>
+                                      </p:to>
+                                    </p:set>
+                                  </p:childTnLst>
+                                </p:cTn>
+                              </p:par>
+                            </p:childTnLst>
+                          </p:cTn>
+                        </p:par>
+                      </p:childTnLst>
+                    </p:cTn>
+                  </p:par>
+                </p:childTnLst>
+              </p:cTn>
+              <p:prevCondLst>
+                <p:cond evt="onPrev" delay="0">
+                  <p:tgtEl>
+                    <p:sldTgt/>
+                  </p:tgtEl>
+                </p:cond>
+              </p:prevCondLst>
+              <p:nextCondLst>
+                <p:cond evt="onNext" delay="0">
+                  <p:tgtEl>
+                    <p:sldTgt/>
+                  </p:tgtEl>
+                </p:cond>
+              </p:nextCondLst>
+            </p:seq>
+          </p:childTnLst>
+        </p:cTn>
+      </p:par>
+    </p:tnLst>
+  </p:timing>
 </p:sld>
 </file>
 
@@ -4035,8 +4398,24 @@
             </a:r>
             <a:r>
               <a:rPr lang="en-US" dirty="0" smtClean="0"/>
-              <a:t> function</a:t>
-            </a:r>
+              <a:t> </a:t>
+            </a:r>
+            <a:r>
+              <a:rPr lang="en-US" dirty="0" smtClean="0"/>
+              <a:t>function (in </a:t>
+            </a:r>
+            <a:r>
+              <a:rPr lang="en-US" dirty="0" err="1" smtClean="0">
+                <a:latin typeface="Lucida Console"/>
+                <a:cs typeface="Lucida Console"/>
+              </a:rPr>
+              <a:t>metafor</a:t>
+            </a:r>
+            <a:r>
+              <a:rPr lang="en-US" dirty="0" smtClean="0"/>
+              <a:t> package) </a:t>
+            </a:r>
+            <a:endParaRPr lang="en-US" dirty="0" smtClean="0"/>
           </a:p>
           <a:p>
             <a:pPr marL="914400" lvl="1" indent="-514350"/>
@@ -4069,8 +4448,17 @@
               <a:rPr lang="en-US" dirty="0" smtClean="0">
                 <a:cs typeface="Lucida Console"/>
               </a:rPr>
-              <a:t> function (meta regression)</a:t>
-            </a:r>
+              <a:t> function (meta regression</a:t>
+            </a:r>
+            <a:r>
+              <a:rPr lang="en-US" dirty="0" smtClean="0">
+                <a:cs typeface="Lucida Console"/>
+              </a:rPr>
+              <a:t>)</a:t>
+            </a:r>
+            <a:endParaRPr lang="en-US" dirty="0" smtClean="0">
+              <a:cs typeface="Lucida Console"/>
+            </a:endParaRPr>
           </a:p>
           <a:p>
             <a:pPr marL="914400" lvl="1" indent="-514350"/>
@@ -4089,8 +4477,15 @@
           <a:p>
             <a:pPr marL="914400" lvl="1" indent="-514350"/>
             <a:r>
+              <a:rPr lang="en-US" dirty="0" smtClean="0">
+                <a:latin typeface="Lucida Console"/>
+                <a:cs typeface="Lucida Console"/>
+              </a:rPr>
+              <a:t>Funnel</a:t>
+            </a:r>
+            <a:r>
               <a:rPr lang="en-US" dirty="0" smtClean="0"/>
-              <a:t>Funnel plot, Fail-Safe N analysis</a:t>
+              <a:t> plot, Fail-Safe N analysis</a:t>
             </a:r>
           </a:p>
           <a:p>
@@ -4110,10 +4505,16 @@
           <a:p>
             <a:pPr marL="914400" lvl="1" indent="-514350"/>
             <a:r>
+              <a:rPr lang="en-US" dirty="0" smtClean="0">
+                <a:latin typeface="Lucida Console"/>
+                <a:cs typeface="Lucida Console"/>
+              </a:rPr>
+              <a:t>Leave1out</a:t>
+            </a:r>
+            <a:r>
               <a:rPr lang="en-US" dirty="0" smtClean="0"/>
-              <a:t>Leave1out analysis</a:t>
-            </a:r>
-            <a:endParaRPr lang="en-US" dirty="0" smtClean="0"/>
+              <a:t> analysis</a:t>
+            </a:r>
           </a:p>
         </p:txBody>
       </p:sp>
@@ -4155,13 +4556,239 @@
     </p:spTree>
     <p:extLst>
       <p:ext uri="{BB962C8B-B14F-4D97-AF65-F5344CB8AC3E}">
-        <p14:creationId xmlns:p14="http://schemas.microsoft.com/office/powerpoint/2010/main" xmlns="" val="4148343161"/>
+        <p14:creationId xmlns:p14="http://schemas.microsoft.com/office/powerpoint/2010/main" val="4148343161"/>
       </p:ext>
     </p:extLst>
   </p:cSld>
   <p:clrMapOvr>
     <a:masterClrMapping/>
   </p:clrMapOvr>
+  <p:timing>
+    <p:tnLst>
+      <p:par>
+        <p:cTn xmlns:p14="http://schemas.microsoft.com/office/powerpoint/2010/main" id="1" dur="indefinite" restart="never" nodeType="tmRoot">
+          <p:childTnLst>
+            <p:seq concurrent="1" nextAc="seek">
+              <p:cTn id="2" dur="indefinite" nodeType="mainSeq">
+                <p:childTnLst>
+                  <p:par>
+                    <p:cTn id="3" fill="hold">
+                      <p:stCondLst>
+                        <p:cond delay="indefinite"/>
+                      </p:stCondLst>
+                      <p:childTnLst>
+                        <p:par>
+                          <p:cTn id="4" fill="hold">
+                            <p:stCondLst>
+                              <p:cond delay="0"/>
+                            </p:stCondLst>
+                            <p:childTnLst>
+                              <p:par>
+                                <p:cTn id="5" presetID="1" presetClass="entr" presetSubtype="0" fill="hold" nodeType="clickEffect">
+                                  <p:stCondLst>
+                                    <p:cond delay="0"/>
+                                  </p:stCondLst>
+                                  <p:childTnLst>
+                                    <p:set>
+                                      <p:cBhvr>
+                                        <p:cTn id="6" dur="1" fill="hold">
+                                          <p:stCondLst>
+                                            <p:cond delay="0"/>
+                                          </p:stCondLst>
+                                        </p:cTn>
+                                        <p:tgtEl>
+                                          <p:spTgt spid="3">
+                                            <p:txEl>
+                                              <p:pRg st="2" end="2"/>
+                                            </p:txEl>
+                                          </p:spTgt>
+                                        </p:tgtEl>
+                                        <p:attrNameLst>
+                                          <p:attrName>style.visibility</p:attrName>
+                                        </p:attrNameLst>
+                                      </p:cBhvr>
+                                      <p:to>
+                                        <p:strVal val="visible"/>
+                                      </p:to>
+                                    </p:set>
+                                  </p:childTnLst>
+                                </p:cTn>
+                              </p:par>
+                            </p:childTnLst>
+                          </p:cTn>
+                        </p:par>
+                      </p:childTnLst>
+                    </p:cTn>
+                  </p:par>
+                  <p:par>
+                    <p:cTn id="7" fill="hold">
+                      <p:stCondLst>
+                        <p:cond delay="indefinite"/>
+                      </p:stCondLst>
+                      <p:childTnLst>
+                        <p:par>
+                          <p:cTn id="8" fill="hold">
+                            <p:stCondLst>
+                              <p:cond delay="0"/>
+                            </p:stCondLst>
+                            <p:childTnLst>
+                              <p:par>
+                                <p:cTn id="9" presetID="1" presetClass="entr" presetSubtype="0" fill="hold" nodeType="clickEffect">
+                                  <p:stCondLst>
+                                    <p:cond delay="0"/>
+                                  </p:stCondLst>
+                                  <p:childTnLst>
+                                    <p:set>
+                                      <p:cBhvr>
+                                        <p:cTn id="10" dur="1" fill="hold">
+                                          <p:stCondLst>
+                                            <p:cond delay="0"/>
+                                          </p:stCondLst>
+                                        </p:cTn>
+                                        <p:tgtEl>
+                                          <p:spTgt spid="3">
+                                            <p:txEl>
+                                              <p:pRg st="5" end="5"/>
+                                            </p:txEl>
+                                          </p:spTgt>
+                                        </p:tgtEl>
+                                        <p:attrNameLst>
+                                          <p:attrName>style.visibility</p:attrName>
+                                        </p:attrNameLst>
+                                      </p:cBhvr>
+                                      <p:to>
+                                        <p:strVal val="visible"/>
+                                      </p:to>
+                                    </p:set>
+                                  </p:childTnLst>
+                                </p:cTn>
+                              </p:par>
+                            </p:childTnLst>
+                          </p:cTn>
+                        </p:par>
+                      </p:childTnLst>
+                    </p:cTn>
+                  </p:par>
+                  <p:par>
+                    <p:cTn id="11" fill="hold">
+                      <p:stCondLst>
+                        <p:cond delay="indefinite"/>
+                      </p:stCondLst>
+                      <p:childTnLst>
+                        <p:par>
+                          <p:cTn id="12" fill="hold">
+                            <p:stCondLst>
+                              <p:cond delay="0"/>
+                            </p:stCondLst>
+                            <p:childTnLst>
+                              <p:par>
+                                <p:cTn id="13" presetID="1" presetClass="entr" presetSubtype="0" fill="hold" nodeType="clickEffect">
+                                  <p:stCondLst>
+                                    <p:cond delay="0"/>
+                                  </p:stCondLst>
+                                  <p:childTnLst>
+                                    <p:set>
+                                      <p:cBhvr>
+                                        <p:cTn id="14" dur="1" fill="hold">
+                                          <p:stCondLst>
+                                            <p:cond delay="0"/>
+                                          </p:stCondLst>
+                                        </p:cTn>
+                                        <p:tgtEl>
+                                          <p:spTgt spid="3">
+                                            <p:txEl>
+                                              <p:pRg st="8" end="8"/>
+                                            </p:txEl>
+                                          </p:spTgt>
+                                        </p:tgtEl>
+                                        <p:attrNameLst>
+                                          <p:attrName>style.visibility</p:attrName>
+                                        </p:attrNameLst>
+                                      </p:cBhvr>
+                                      <p:to>
+                                        <p:strVal val="visible"/>
+                                      </p:to>
+                                    </p:set>
+                                  </p:childTnLst>
+                                </p:cTn>
+                              </p:par>
+                            </p:childTnLst>
+                          </p:cTn>
+                        </p:par>
+                      </p:childTnLst>
+                    </p:cTn>
+                  </p:par>
+                  <p:par>
+                    <p:cTn id="15" fill="hold">
+                      <p:stCondLst>
+                        <p:cond delay="indefinite"/>
+                      </p:stCondLst>
+                      <p:childTnLst>
+                        <p:par>
+                          <p:cTn id="16" fill="hold">
+                            <p:stCondLst>
+                              <p:cond delay="0"/>
+                            </p:stCondLst>
+                            <p:childTnLst>
+                              <p:par>
+                                <p:cTn id="17" presetID="1" presetClass="entr" presetSubtype="0" fill="hold" nodeType="clickEffect">
+                                  <p:stCondLst>
+                                    <p:cond delay="0"/>
+                                  </p:stCondLst>
+                                  <p:childTnLst>
+                                    <p:set>
+                                      <p:cBhvr>
+                                        <p:cTn id="18" dur="1" fill="hold">
+                                          <p:stCondLst>
+                                            <p:cond delay="0"/>
+                                          </p:stCondLst>
+                                        </p:cTn>
+                                        <p:tgtEl>
+                                          <p:spTgt spid="3">
+                                            <p:txEl>
+                                              <p:pRg st="11" end="11"/>
+                                            </p:txEl>
+                                          </p:spTgt>
+                                        </p:tgtEl>
+                                        <p:attrNameLst>
+                                          <p:attrName>style.visibility</p:attrName>
+                                        </p:attrNameLst>
+                                      </p:cBhvr>
+                                      <p:to>
+                                        <p:strVal val="visible"/>
+                                      </p:to>
+                                    </p:set>
+                                  </p:childTnLst>
+                                </p:cTn>
+                              </p:par>
+                            </p:childTnLst>
+                          </p:cTn>
+                        </p:par>
+                      </p:childTnLst>
+                    </p:cTn>
+                  </p:par>
+                </p:childTnLst>
+              </p:cTn>
+              <p:prevCondLst>
+                <p:cond evt="onPrev" delay="0">
+                  <p:tgtEl>
+                    <p:sldTgt/>
+                  </p:tgtEl>
+                </p:cond>
+              </p:prevCondLst>
+              <p:nextCondLst>
+                <p:cond evt="onNext" delay="0">
+                  <p:tgtEl>
+                    <p:sldTgt/>
+                  </p:tgtEl>
+                </p:cond>
+              </p:nextCondLst>
+            </p:seq>
+          </p:childTnLst>
+        </p:cTn>
+      </p:par>
+    </p:tnLst>
+  </p:timing>
 </p:sld>
 </file>
 
@@ -4195,7 +4822,7 @@
         <p:spPr>
           <a:xfrm>
             <a:off x="457200" y="5758"/>
-            <a:ext cx="3008313" cy="1162050"/>
+            <a:ext cx="3008313" cy="696477"/>
           </a:xfrm>
         </p:spPr>
         <p:txBody>
@@ -4207,22 +4834,7 @@
             <a:pPr algn="ctr"/>
             <a:r>
               <a:rPr lang="en-US" dirty="0" smtClean="0"/>
-              <a:t>Meta-</a:t>
-            </a:r>
-            <a:r>
-              <a:rPr lang="en-US" dirty="0" smtClean="0"/>
-              <a:t>A</a:t>
-            </a:r>
-            <a:r>
-              <a:rPr lang="en-US" dirty="0" smtClean="0"/>
-              <a:t>nalysis in one slide: </a:t>
-            </a:r>
-            <a:br>
-              <a:rPr lang="en-US" dirty="0" smtClean="0"/>
-            </a:br>
-            <a:r>
-              <a:rPr lang="en-US" dirty="0" smtClean="0"/>
-              <a:t>Forest plot!</a:t>
+              <a:t>Meta-Analysis in one slide: </a:t>
             </a:r>
             <a:endParaRPr lang="en-US" dirty="0"/>
           </a:p>
@@ -4255,7 +4867,7 @@
               <a:buChar char="-"/>
             </a:pPr>
             <a:r>
-              <a:rPr lang="en-US" sz="1800" dirty="0" smtClean="0"/>
+              <a:rPr lang="en-US" sz="1850" dirty="0" smtClean="0"/>
               <a:t>Dataset: Gibson et. al 2011</a:t>
             </a:r>
           </a:p>
@@ -4264,7 +4876,7 @@
               <a:buFontTx/>
               <a:buChar char="-"/>
             </a:pPr>
-            <a:endParaRPr lang="en-US" sz="1800" dirty="0" smtClean="0"/>
+            <a:endParaRPr lang="en-US" sz="1850" dirty="0" smtClean="0"/>
           </a:p>
           <a:p>
             <a:pPr marL="285750" indent="-285750">
@@ -4272,21 +4884,21 @@
               <a:buChar char="-"/>
             </a:pPr>
             <a:r>
-              <a:rPr lang="en-US" sz="1800" dirty="0" smtClean="0"/>
+              <a:rPr lang="en-US" sz="1850" dirty="0" smtClean="0"/>
               <a:t>Subset with only bird </a:t>
             </a:r>
             <a:r>
-              <a:rPr lang="en-US" sz="1800" dirty="0" err="1" smtClean="0"/>
+              <a:rPr lang="en-US" sz="1850" dirty="0" err="1" smtClean="0"/>
               <a:t>taxon</a:t>
             </a:r>
-            <a:endParaRPr lang="en-US" sz="1800" dirty="0" smtClean="0"/>
+            <a:endParaRPr lang="en-US" sz="1850" dirty="0" smtClean="0"/>
           </a:p>
           <a:p>
             <a:pPr marL="285750" indent="-285750">
               <a:buFontTx/>
               <a:buChar char="-"/>
             </a:pPr>
-            <a:endParaRPr lang="en-US" sz="1800" dirty="0" smtClean="0"/>
+            <a:endParaRPr lang="en-US" sz="1850" dirty="0" smtClean="0"/>
           </a:p>
           <a:p>
             <a:pPr marL="285750" indent="-285750">
@@ -4294,7 +4906,7 @@
               <a:buChar char="-"/>
             </a:pPr>
             <a:r>
-              <a:rPr lang="en-US" sz="1800" dirty="0" smtClean="0"/>
+              <a:rPr lang="en-US" sz="1850" dirty="0" smtClean="0"/>
               <a:t>Only 1 species per study selected (randomly)</a:t>
             </a:r>
           </a:p>
@@ -4303,7 +4915,7 @@
               <a:buFontTx/>
               <a:buChar char="-"/>
             </a:pPr>
-            <a:endParaRPr lang="en-US" sz="1800" dirty="0" smtClean="0"/>
+            <a:endParaRPr lang="en-US" sz="1850" dirty="0" smtClean="0"/>
           </a:p>
           <a:p>
             <a:pPr marL="285750" indent="-285750">
@@ -4311,7 +4923,7 @@
               <a:buChar char="-"/>
             </a:pPr>
             <a:r>
-              <a:rPr lang="en-US" sz="1800" dirty="0" smtClean="0"/>
+              <a:rPr lang="en-US" sz="1850" dirty="0" smtClean="0"/>
               <a:t>From n=2220 to n=38, so extremely simplified</a:t>
             </a:r>
           </a:p>
@@ -4320,7 +4932,7 @@
               <a:buFontTx/>
               <a:buChar char="-"/>
             </a:pPr>
-            <a:endParaRPr lang="en-US" sz="1800" dirty="0" smtClean="0"/>
+            <a:endParaRPr lang="en-US" sz="1850" dirty="0" smtClean="0"/>
           </a:p>
           <a:p>
             <a:pPr marL="285750" indent="-285750">
@@ -4328,7 +4940,7 @@
               <a:buChar char="-"/>
             </a:pPr>
             <a:r>
-              <a:rPr lang="en-US" sz="1800" dirty="0" smtClean="0"/>
+              <a:rPr lang="en-US" sz="1850" dirty="0" smtClean="0"/>
               <a:t>The steps presented in the slide before implemented</a:t>
             </a:r>
           </a:p>
@@ -4337,7 +4949,7 @@
               <a:buFontTx/>
               <a:buChar char="-"/>
             </a:pPr>
-            <a:endParaRPr lang="en-US" sz="1800" dirty="0" smtClean="0"/>
+            <a:endParaRPr lang="en-US" sz="1850" dirty="0" smtClean="0"/>
           </a:p>
           <a:p>
             <a:pPr marL="285750" indent="-285750">
@@ -4345,39 +4957,14 @@
               <a:buChar char="-"/>
             </a:pPr>
             <a:r>
-              <a:rPr lang="en-US" sz="1800" dirty="0" smtClean="0"/>
-              <a:t>And voila! Here’s our result!</a:t>
-            </a:r>
-          </a:p>
-          <a:p>
-            <a:pPr marL="285750" indent="-285750">
-              <a:buFontTx/>
-              <a:buChar char="-"/>
-            </a:pPr>
-            <a:endParaRPr lang="en-US" sz="1800" dirty="0" smtClean="0"/>
-          </a:p>
-          <a:p>
-            <a:pPr marL="285750" indent="-285750">
-              <a:buFontTx/>
-              <a:buChar char="-"/>
-            </a:pPr>
-            <a:r>
-              <a:rPr lang="en-US" sz="1800" dirty="0"/>
-              <a:t>M</a:t>
-            </a:r>
-            <a:r>
-              <a:rPr lang="en-US" sz="1800" dirty="0" smtClean="0"/>
-              <a:t>ore </a:t>
-            </a:r>
-            <a:r>
-              <a:rPr lang="en-US" sz="1800" dirty="0" smtClean="0"/>
-              <a:t>figures can be shown </a:t>
-            </a:r>
-            <a:r>
-              <a:rPr lang="en-US" sz="1800" dirty="0" smtClean="0"/>
-              <a:t>on request</a:t>
-            </a:r>
-            <a:endParaRPr lang="en-US" sz="1800" dirty="0"/>
+              <a:rPr lang="en-US" sz="1850" dirty="0" smtClean="0"/>
+              <a:t>And voila! Here’s our result</a:t>
+            </a:r>
+            <a:r>
+              <a:rPr lang="en-US" sz="1850" dirty="0" smtClean="0"/>
+              <a:t>!</a:t>
+            </a:r>
+            <a:endParaRPr lang="en-US" sz="1850" dirty="0" smtClean="0"/>
           </a:p>
         </p:txBody>
       </p:sp>
@@ -4450,16 +5037,634 @@
           </a:fontRef>
         </p:style>
       </p:cxnSp>
+      <p:sp>
+        <p:nvSpPr>
+          <p:cNvPr id="3" name="TekstSylinder 2"/>
+          <p:cNvSpPr txBox="1"/>
+          <p:nvPr/>
+        </p:nvSpPr>
+        <p:spPr>
+          <a:xfrm>
+            <a:off x="666377" y="654110"/>
+            <a:ext cx="2510118" cy="400110"/>
+          </a:xfrm>
+          <a:prstGeom prst="rect">
+            <a:avLst/>
+          </a:prstGeom>
+          <a:noFill/>
+        </p:spPr>
+        <p:txBody>
+          <a:bodyPr wrap="square" rtlCol="0">
+            <a:spAutoFit/>
+          </a:bodyPr>
+          <a:lstStyle/>
+          <a:p>
+            <a:pPr algn="ctr"/>
+            <a:r>
+              <a:rPr lang="en-US" sz="2000" b="1" dirty="0">
+                <a:latin typeface="+mj-lt"/>
+              </a:rPr>
+              <a:t>Forest plot!</a:t>
+            </a:r>
+            <a:endParaRPr lang="nb-NO" sz="2000" b="1" dirty="0">
+              <a:latin typeface="+mj-lt"/>
+            </a:endParaRPr>
+          </a:p>
+        </p:txBody>
+      </p:sp>
     </p:spTree>
     <p:extLst>
       <p:ext uri="{BB962C8B-B14F-4D97-AF65-F5344CB8AC3E}">
-        <p14:creationId xmlns:p14="http://schemas.microsoft.com/office/powerpoint/2010/main" xmlns="" val="756268187"/>
+        <p14:creationId xmlns:p14="http://schemas.microsoft.com/office/powerpoint/2010/main" val="756268187"/>
       </p:ext>
     </p:extLst>
   </p:cSld>
   <p:clrMapOvr>
     <a:masterClrMapping/>
   </p:clrMapOvr>
+  <p:timing>
+    <p:tnLst>
+      <p:par>
+        <p:cTn xmlns:p14="http://schemas.microsoft.com/office/powerpoint/2010/main" id="1" dur="indefinite" restart="never" nodeType="tmRoot">
+          <p:childTnLst>
+            <p:seq concurrent="1" nextAc="seek">
+              <p:cTn id="2" dur="indefinite" nodeType="mainSeq">
+                <p:childTnLst>
+                  <p:par>
+                    <p:cTn id="3" fill="hold">
+                      <p:stCondLst>
+                        <p:cond delay="indefinite"/>
+                      </p:stCondLst>
+                      <p:childTnLst>
+                        <p:par>
+                          <p:cTn id="4" fill="hold">
+                            <p:stCondLst>
+                              <p:cond delay="0"/>
+                            </p:stCondLst>
+                            <p:childTnLst>
+                              <p:par>
+                                <p:cTn id="5" presetID="1" presetClass="entr" presetSubtype="0" fill="hold" nodeType="clickEffect">
+                                  <p:stCondLst>
+                                    <p:cond delay="0"/>
+                                  </p:stCondLst>
+                                  <p:childTnLst>
+                                    <p:set>
+                                      <p:cBhvr>
+                                        <p:cTn id="6" dur="1" fill="hold">
+                                          <p:stCondLst>
+                                            <p:cond delay="0"/>
+                                          </p:stCondLst>
+                                        </p:cTn>
+                                        <p:tgtEl>
+                                          <p:spTgt spid="4">
+                                            <p:txEl>
+                                              <p:pRg st="0" end="0"/>
+                                            </p:txEl>
+                                          </p:spTgt>
+                                        </p:tgtEl>
+                                        <p:attrNameLst>
+                                          <p:attrName>style.visibility</p:attrName>
+                                        </p:attrNameLst>
+                                      </p:cBhvr>
+                                      <p:to>
+                                        <p:strVal val="visible"/>
+                                      </p:to>
+                                    </p:set>
+                                  </p:childTnLst>
+                                </p:cTn>
+                              </p:par>
+                            </p:childTnLst>
+                          </p:cTn>
+                        </p:par>
+                      </p:childTnLst>
+                    </p:cTn>
+                  </p:par>
+                  <p:par>
+                    <p:cTn id="7" fill="hold">
+                      <p:stCondLst>
+                        <p:cond delay="indefinite"/>
+                      </p:stCondLst>
+                      <p:childTnLst>
+                        <p:par>
+                          <p:cTn id="8" fill="hold">
+                            <p:stCondLst>
+                              <p:cond delay="0"/>
+                            </p:stCondLst>
+                            <p:childTnLst>
+                              <p:par>
+                                <p:cTn id="9" presetID="1" presetClass="entr" presetSubtype="0" fill="hold" nodeType="clickEffect">
+                                  <p:stCondLst>
+                                    <p:cond delay="0"/>
+                                  </p:stCondLst>
+                                  <p:childTnLst>
+                                    <p:set>
+                                      <p:cBhvr>
+                                        <p:cTn id="10" dur="1" fill="hold">
+                                          <p:stCondLst>
+                                            <p:cond delay="0"/>
+                                          </p:stCondLst>
+                                        </p:cTn>
+                                        <p:tgtEl>
+                                          <p:spTgt spid="4">
+                                            <p:txEl>
+                                              <p:pRg st="2" end="2"/>
+                                            </p:txEl>
+                                          </p:spTgt>
+                                        </p:tgtEl>
+                                        <p:attrNameLst>
+                                          <p:attrName>style.visibility</p:attrName>
+                                        </p:attrNameLst>
+                                      </p:cBhvr>
+                                      <p:to>
+                                        <p:strVal val="visible"/>
+                                      </p:to>
+                                    </p:set>
+                                  </p:childTnLst>
+                                </p:cTn>
+                              </p:par>
+                            </p:childTnLst>
+                          </p:cTn>
+                        </p:par>
+                      </p:childTnLst>
+                    </p:cTn>
+                  </p:par>
+                  <p:par>
+                    <p:cTn id="11" fill="hold">
+                      <p:stCondLst>
+                        <p:cond delay="indefinite"/>
+                      </p:stCondLst>
+                      <p:childTnLst>
+                        <p:par>
+                          <p:cTn id="12" fill="hold">
+                            <p:stCondLst>
+                              <p:cond delay="0"/>
+                            </p:stCondLst>
+                            <p:childTnLst>
+                              <p:par>
+                                <p:cTn id="13" presetID="1" presetClass="entr" presetSubtype="0" fill="hold" nodeType="clickEffect">
+                                  <p:stCondLst>
+                                    <p:cond delay="0"/>
+                                  </p:stCondLst>
+                                  <p:childTnLst>
+                                    <p:set>
+                                      <p:cBhvr>
+                                        <p:cTn id="14" dur="1" fill="hold">
+                                          <p:stCondLst>
+                                            <p:cond delay="0"/>
+                                          </p:stCondLst>
+                                        </p:cTn>
+                                        <p:tgtEl>
+                                          <p:spTgt spid="4">
+                                            <p:txEl>
+                                              <p:pRg st="4" end="4"/>
+                                            </p:txEl>
+                                          </p:spTgt>
+                                        </p:tgtEl>
+                                        <p:attrNameLst>
+                                          <p:attrName>style.visibility</p:attrName>
+                                        </p:attrNameLst>
+                                      </p:cBhvr>
+                                      <p:to>
+                                        <p:strVal val="visible"/>
+                                      </p:to>
+                                    </p:set>
+                                  </p:childTnLst>
+                                </p:cTn>
+                              </p:par>
+                            </p:childTnLst>
+                          </p:cTn>
+                        </p:par>
+                      </p:childTnLst>
+                    </p:cTn>
+                  </p:par>
+                  <p:par>
+                    <p:cTn id="15" fill="hold">
+                      <p:stCondLst>
+                        <p:cond delay="indefinite"/>
+                      </p:stCondLst>
+                      <p:childTnLst>
+                        <p:par>
+                          <p:cTn id="16" fill="hold">
+                            <p:stCondLst>
+                              <p:cond delay="0"/>
+                            </p:stCondLst>
+                            <p:childTnLst>
+                              <p:par>
+                                <p:cTn id="17" presetID="1" presetClass="entr" presetSubtype="0" fill="hold" nodeType="clickEffect">
+                                  <p:stCondLst>
+                                    <p:cond delay="0"/>
+                                  </p:stCondLst>
+                                  <p:childTnLst>
+                                    <p:set>
+                                      <p:cBhvr>
+                                        <p:cTn id="18" dur="1" fill="hold">
+                                          <p:stCondLst>
+                                            <p:cond delay="0"/>
+                                          </p:stCondLst>
+                                        </p:cTn>
+                                        <p:tgtEl>
+                                          <p:spTgt spid="4">
+                                            <p:txEl>
+                                              <p:pRg st="6" end="6"/>
+                                            </p:txEl>
+                                          </p:spTgt>
+                                        </p:tgtEl>
+                                        <p:attrNameLst>
+                                          <p:attrName>style.visibility</p:attrName>
+                                        </p:attrNameLst>
+                                      </p:cBhvr>
+                                      <p:to>
+                                        <p:strVal val="visible"/>
+                                      </p:to>
+                                    </p:set>
+                                  </p:childTnLst>
+                                </p:cTn>
+                              </p:par>
+                            </p:childTnLst>
+                          </p:cTn>
+                        </p:par>
+                      </p:childTnLst>
+                    </p:cTn>
+                  </p:par>
+                  <p:par>
+                    <p:cTn id="19" fill="hold">
+                      <p:stCondLst>
+                        <p:cond delay="indefinite"/>
+                      </p:stCondLst>
+                      <p:childTnLst>
+                        <p:par>
+                          <p:cTn id="20" fill="hold">
+                            <p:stCondLst>
+                              <p:cond delay="0"/>
+                            </p:stCondLst>
+                            <p:childTnLst>
+                              <p:par>
+                                <p:cTn id="21" presetID="1" presetClass="entr" presetSubtype="0" fill="hold" nodeType="clickEffect">
+                                  <p:stCondLst>
+                                    <p:cond delay="0"/>
+                                  </p:stCondLst>
+                                  <p:childTnLst>
+                                    <p:set>
+                                      <p:cBhvr>
+                                        <p:cTn id="22" dur="1" fill="hold">
+                                          <p:stCondLst>
+                                            <p:cond delay="0"/>
+                                          </p:stCondLst>
+                                        </p:cTn>
+                                        <p:tgtEl>
+                                          <p:spTgt spid="4">
+                                            <p:txEl>
+                                              <p:pRg st="8" end="8"/>
+                                            </p:txEl>
+                                          </p:spTgt>
+                                        </p:tgtEl>
+                                        <p:attrNameLst>
+                                          <p:attrName>style.visibility</p:attrName>
+                                        </p:attrNameLst>
+                                      </p:cBhvr>
+                                      <p:to>
+                                        <p:strVal val="visible"/>
+                                      </p:to>
+                                    </p:set>
+                                  </p:childTnLst>
+                                </p:cTn>
+                              </p:par>
+                            </p:childTnLst>
+                          </p:cTn>
+                        </p:par>
+                      </p:childTnLst>
+                    </p:cTn>
+                  </p:par>
+                  <p:par>
+                    <p:cTn id="23" fill="hold">
+                      <p:stCondLst>
+                        <p:cond delay="indefinite"/>
+                      </p:stCondLst>
+                      <p:childTnLst>
+                        <p:par>
+                          <p:cTn id="24" fill="hold">
+                            <p:stCondLst>
+                              <p:cond delay="0"/>
+                            </p:stCondLst>
+                            <p:childTnLst>
+                              <p:par>
+                                <p:cTn id="25" presetID="1" presetClass="entr" presetSubtype="0" fill="hold" nodeType="clickEffect">
+                                  <p:stCondLst>
+                                    <p:cond delay="0"/>
+                                  </p:stCondLst>
+                                  <p:childTnLst>
+                                    <p:set>
+                                      <p:cBhvr>
+                                        <p:cTn id="26" dur="1" fill="hold">
+                                          <p:stCondLst>
+                                            <p:cond delay="0"/>
+                                          </p:stCondLst>
+                                        </p:cTn>
+                                        <p:tgtEl>
+                                          <p:spTgt spid="4">
+                                            <p:txEl>
+                                              <p:pRg st="10" end="10"/>
+                                            </p:txEl>
+                                          </p:spTgt>
+                                        </p:tgtEl>
+                                        <p:attrNameLst>
+                                          <p:attrName>style.visibility</p:attrName>
+                                        </p:attrNameLst>
+                                      </p:cBhvr>
+                                      <p:to>
+                                        <p:strVal val="visible"/>
+                                      </p:to>
+                                    </p:set>
+                                  </p:childTnLst>
+                                </p:cTn>
+                              </p:par>
+                            </p:childTnLst>
+                          </p:cTn>
+                        </p:par>
+                      </p:childTnLst>
+                    </p:cTn>
+                  </p:par>
+                  <p:par>
+                    <p:cTn id="27" fill="hold">
+                      <p:stCondLst>
+                        <p:cond delay="indefinite"/>
+                      </p:stCondLst>
+                      <p:childTnLst>
+                        <p:par>
+                          <p:cTn id="28" fill="hold">
+                            <p:stCondLst>
+                              <p:cond delay="0"/>
+                            </p:stCondLst>
+                            <p:childTnLst>
+                              <p:par>
+                                <p:cTn id="29" presetID="15" presetClass="entr" presetSubtype="0" fill="hold" nodeType="clickEffect">
+                                  <p:stCondLst>
+                                    <p:cond delay="0"/>
+                                  </p:stCondLst>
+                                  <p:childTnLst>
+                                    <p:set>
+                                      <p:cBhvr>
+                                        <p:cTn id="30" dur="1" fill="hold">
+                                          <p:stCondLst>
+                                            <p:cond delay="0"/>
+                                          </p:stCondLst>
+                                        </p:cTn>
+                                        <p:tgtEl>
+                                          <p:spTgt spid="1026"/>
+                                        </p:tgtEl>
+                                        <p:attrNameLst>
+                                          <p:attrName>style.visibility</p:attrName>
+                                        </p:attrNameLst>
+                                      </p:cBhvr>
+                                      <p:to>
+                                        <p:strVal val="visible"/>
+                                      </p:to>
+                                    </p:set>
+                                    <p:anim calcmode="lin" valueType="num">
+                                      <p:cBhvr>
+                                        <p:cTn id="31" dur="1000" fill="hold"/>
+                                        <p:tgtEl>
+                                          <p:spTgt spid="1026"/>
+                                        </p:tgtEl>
+                                        <p:attrNameLst>
+                                          <p:attrName>ppt_w</p:attrName>
+                                        </p:attrNameLst>
+                                      </p:cBhvr>
+                                      <p:tavLst>
+                                        <p:tav tm="0">
+                                          <p:val>
+                                            <p:fltVal val="0"/>
+                                          </p:val>
+                                        </p:tav>
+                                        <p:tav tm="100000">
+                                          <p:val>
+                                            <p:strVal val="#ppt_w"/>
+                                          </p:val>
+                                        </p:tav>
+                                      </p:tavLst>
+                                    </p:anim>
+                                    <p:anim calcmode="lin" valueType="num">
+                                      <p:cBhvr>
+                                        <p:cTn id="32" dur="1000" fill="hold"/>
+                                        <p:tgtEl>
+                                          <p:spTgt spid="1026"/>
+                                        </p:tgtEl>
+                                        <p:attrNameLst>
+                                          <p:attrName>ppt_h</p:attrName>
+                                        </p:attrNameLst>
+                                      </p:cBhvr>
+                                      <p:tavLst>
+                                        <p:tav tm="0">
+                                          <p:val>
+                                            <p:fltVal val="0"/>
+                                          </p:val>
+                                        </p:tav>
+                                        <p:tav tm="100000">
+                                          <p:val>
+                                            <p:strVal val="#ppt_h"/>
+                                          </p:val>
+                                        </p:tav>
+                                      </p:tavLst>
+                                    </p:anim>
+                                    <p:anim calcmode="lin" valueType="num">
+                                      <p:cBhvr>
+                                        <p:cTn id="33" dur="1000" fill="hold"/>
+                                        <p:tgtEl>
+                                          <p:spTgt spid="1026"/>
+                                        </p:tgtEl>
+                                        <p:attrNameLst>
+                                          <p:attrName>ppt_x</p:attrName>
+                                        </p:attrNameLst>
+                                      </p:cBhvr>
+                                      <p:tavLst>
+                                        <p:tav tm="0" fmla="#ppt_x+(cos(-2*pi*(1-$))*-#ppt_x-sin(-2*pi*(1-$))*(1-#ppt_y))*(1-$)">
+                                          <p:val>
+                                            <p:fltVal val="0"/>
+                                          </p:val>
+                                        </p:tav>
+                                        <p:tav tm="100000">
+                                          <p:val>
+                                            <p:fltVal val="1"/>
+                                          </p:val>
+                                        </p:tav>
+                                      </p:tavLst>
+                                    </p:anim>
+                                    <p:anim calcmode="lin" valueType="num">
+                                      <p:cBhvr>
+                                        <p:cTn id="34" dur="1000" fill="hold"/>
+                                        <p:tgtEl>
+                                          <p:spTgt spid="1026"/>
+                                        </p:tgtEl>
+                                        <p:attrNameLst>
+                                          <p:attrName>ppt_y</p:attrName>
+                                        </p:attrNameLst>
+                                      </p:cBhvr>
+                                      <p:tavLst>
+                                        <p:tav tm="0" fmla="#ppt_y+(sin(-2*pi*(1-$))*-#ppt_x+cos(-2*pi*(1-$))*(1-#ppt_y))*(1-$)">
+                                          <p:val>
+                                            <p:fltVal val="0"/>
+                                          </p:val>
+                                        </p:tav>
+                                        <p:tav tm="100000">
+                                          <p:val>
+                                            <p:fltVal val="1"/>
+                                          </p:val>
+                                        </p:tav>
+                                      </p:tavLst>
+                                    </p:anim>
+                                  </p:childTnLst>
+                                </p:cTn>
+                              </p:par>
+                              <p:par>
+                                <p:cTn id="35" presetID="15" presetClass="entr" presetSubtype="0" fill="hold" grpId="0" nodeType="withEffect">
+                                  <p:stCondLst>
+                                    <p:cond delay="0"/>
+                                  </p:stCondLst>
+                                  <p:childTnLst>
+                                    <p:set>
+                                      <p:cBhvr>
+                                        <p:cTn id="36" dur="1" fill="hold">
+                                          <p:stCondLst>
+                                            <p:cond delay="0"/>
+                                          </p:stCondLst>
+                                        </p:cTn>
+                                        <p:tgtEl>
+                                          <p:spTgt spid="3"/>
+                                        </p:tgtEl>
+                                        <p:attrNameLst>
+                                          <p:attrName>style.visibility</p:attrName>
+                                        </p:attrNameLst>
+                                      </p:cBhvr>
+                                      <p:to>
+                                        <p:strVal val="visible"/>
+                                      </p:to>
+                                    </p:set>
+                                    <p:anim calcmode="lin" valueType="num">
+                                      <p:cBhvr>
+                                        <p:cTn id="37" dur="1000" fill="hold"/>
+                                        <p:tgtEl>
+                                          <p:spTgt spid="3"/>
+                                        </p:tgtEl>
+                                        <p:attrNameLst>
+                                          <p:attrName>ppt_w</p:attrName>
+                                        </p:attrNameLst>
+                                      </p:cBhvr>
+                                      <p:tavLst>
+                                        <p:tav tm="0">
+                                          <p:val>
+                                            <p:fltVal val="0"/>
+                                          </p:val>
+                                        </p:tav>
+                                        <p:tav tm="100000">
+                                          <p:val>
+                                            <p:strVal val="#ppt_w"/>
+                                          </p:val>
+                                        </p:tav>
+                                      </p:tavLst>
+                                    </p:anim>
+                                    <p:anim calcmode="lin" valueType="num">
+                                      <p:cBhvr>
+                                        <p:cTn id="38" dur="1000" fill="hold"/>
+                                        <p:tgtEl>
+                                          <p:spTgt spid="3"/>
+                                        </p:tgtEl>
+                                        <p:attrNameLst>
+                                          <p:attrName>ppt_h</p:attrName>
+                                        </p:attrNameLst>
+                                      </p:cBhvr>
+                                      <p:tavLst>
+                                        <p:tav tm="0">
+                                          <p:val>
+                                            <p:fltVal val="0"/>
+                                          </p:val>
+                                        </p:tav>
+                                        <p:tav tm="100000">
+                                          <p:val>
+                                            <p:strVal val="#ppt_h"/>
+                                          </p:val>
+                                        </p:tav>
+                                      </p:tavLst>
+                                    </p:anim>
+                                    <p:anim calcmode="lin" valueType="num">
+                                      <p:cBhvr>
+                                        <p:cTn id="39" dur="1000" fill="hold"/>
+                                        <p:tgtEl>
+                                          <p:spTgt spid="3"/>
+                                        </p:tgtEl>
+                                        <p:attrNameLst>
+                                          <p:attrName>ppt_x</p:attrName>
+                                        </p:attrNameLst>
+                                      </p:cBhvr>
+                                      <p:tavLst>
+                                        <p:tav tm="0" fmla="#ppt_x+(cos(-2*pi*(1-$))*-#ppt_x-sin(-2*pi*(1-$))*(1-#ppt_y))*(1-$)">
+                                          <p:val>
+                                            <p:fltVal val="0"/>
+                                          </p:val>
+                                        </p:tav>
+                                        <p:tav tm="100000">
+                                          <p:val>
+                                            <p:fltVal val="1"/>
+                                          </p:val>
+                                        </p:tav>
+                                      </p:tavLst>
+                                    </p:anim>
+                                    <p:anim calcmode="lin" valueType="num">
+                                      <p:cBhvr>
+                                        <p:cTn id="40" dur="1000" fill="hold"/>
+                                        <p:tgtEl>
+                                          <p:spTgt spid="3"/>
+                                        </p:tgtEl>
+                                        <p:attrNameLst>
+                                          <p:attrName>ppt_y</p:attrName>
+                                        </p:attrNameLst>
+                                      </p:cBhvr>
+                                      <p:tavLst>
+                                        <p:tav tm="0" fmla="#ppt_y+(sin(-2*pi*(1-$))*-#ppt_x+cos(-2*pi*(1-$))*(1-#ppt_y))*(1-$)">
+                                          <p:val>
+                                            <p:fltVal val="0"/>
+                                          </p:val>
+                                        </p:tav>
+                                        <p:tav tm="100000">
+                                          <p:val>
+                                            <p:fltVal val="1"/>
+                                          </p:val>
+                                        </p:tav>
+                                      </p:tavLst>
+                                    </p:anim>
+                                  </p:childTnLst>
+                                </p:cTn>
+                              </p:par>
+                            </p:childTnLst>
+                          </p:cTn>
+                        </p:par>
+                      </p:childTnLst>
+                    </p:cTn>
+                  </p:par>
+                </p:childTnLst>
+              </p:cTn>
+              <p:prevCondLst>
+                <p:cond evt="onPrev" delay="0">
+                  <p:tgtEl>
+                    <p:sldTgt/>
+                  </p:tgtEl>
+                </p:cond>
+              </p:prevCondLst>
+              <p:nextCondLst>
+                <p:cond evt="onNext" delay="0">
+                  <p:tgtEl>
+                    <p:sldTgt/>
+                  </p:tgtEl>
+                </p:cond>
+              </p:nextCondLst>
+            </p:seq>
+          </p:childTnLst>
+        </p:cTn>
+      </p:par>
+    </p:tnLst>
+    <p:bldLst>
+      <p:bldP spid="3" grpId="0"/>
+    </p:bldLst>
+  </p:timing>
 </p:sld>
 </file>
 
@@ -4497,31 +5702,7 @@
           <a:p>
             <a:r>
               <a:rPr lang="nb-NO" dirty="0" smtClean="0"/>
-              <a:t>The </a:t>
-            </a:r>
-            <a:r>
-              <a:rPr lang="nb-NO" dirty="0" smtClean="0"/>
-              <a:t>N</a:t>
-            </a:r>
-            <a:r>
-              <a:rPr lang="nb-NO" dirty="0" smtClean="0"/>
-              <a:t>ext </a:t>
-            </a:r>
-            <a:r>
-              <a:rPr lang="nb-NO" dirty="0" smtClean="0"/>
-              <a:t>T</a:t>
-            </a:r>
-            <a:r>
-              <a:rPr lang="nb-NO" dirty="0" smtClean="0"/>
-              <a:t>wo </a:t>
-            </a:r>
-            <a:r>
-              <a:rPr lang="nb-NO" dirty="0" smtClean="0"/>
-              <a:t>W</a:t>
-            </a:r>
-            <a:r>
-              <a:rPr lang="nb-NO" dirty="0" smtClean="0"/>
-              <a:t>eeks</a:t>
+              <a:t>The Next Two Weeks</a:t>
             </a:r>
             <a:endParaRPr lang="nb-NO" dirty="0"/>
           </a:p>
@@ -4545,7 +5726,7 @@
         </p:spPr>
         <p:txBody>
           <a:bodyPr>
-            <a:normAutofit fontScale="92500" lnSpcReduction="10000"/>
+            <a:normAutofit lnSpcReduction="10000"/>
           </a:bodyPr>
           <a:lstStyle/>
           <a:p>
@@ -4566,7 +5747,15 @@
           <a:p>
             <a:r>
               <a:rPr lang="en-US" dirty="0" smtClean="0"/>
-              <a:t>R-script more or less sorted out</a:t>
+              <a:t>Finalize R</a:t>
+            </a:r>
+            <a:r>
+              <a:rPr lang="en-US" dirty="0" smtClean="0"/>
+              <a:t>-</a:t>
+            </a:r>
+            <a:r>
+              <a:rPr lang="en-US" dirty="0" smtClean="0"/>
+              <a:t>script</a:t>
             </a:r>
           </a:p>
           <a:p>
@@ -4609,10 +5798,15 @@
             <p:ph sz="half" idx="2"/>
           </p:nvPr>
         </p:nvSpPr>
-        <p:spPr/>
+        <p:spPr>
+          <a:xfrm>
+            <a:off x="4648200" y="1600200"/>
+            <a:ext cx="4038600" cy="4997548"/>
+          </a:xfrm>
+        </p:spPr>
         <p:txBody>
           <a:bodyPr>
-            <a:normAutofit fontScale="92500" lnSpcReduction="10000"/>
+            <a:normAutofit lnSpcReduction="10000"/>
           </a:bodyPr>
           <a:lstStyle/>
           <a:p>
@@ -4637,9 +5831,9 @@
             </a:r>
           </a:p>
           <a:p>
-            <a:endParaRPr lang="en-US" dirty="0" smtClean="0"/>
-          </a:p>
-          <a:p>
+            <a:pPr marL="0" indent="0">
+              <a:buNone/>
+            </a:pPr>
             <a:endParaRPr lang="en-US" dirty="0" smtClean="0"/>
           </a:p>
           <a:p>
@@ -4649,6 +5843,16 @@
             </a:r>
           </a:p>
           <a:p>
+            <a:pPr marL="0" indent="0">
+              <a:buNone/>
+            </a:pPr>
+            <a:r>
+              <a:rPr lang="en-US" dirty="0" smtClean="0"/>
+              <a:t/>
+            </a:r>
+            <a:br>
+              <a:rPr lang="en-US" dirty="0" smtClean="0"/>
+            </a:br>
             <a:endParaRPr lang="en-US" dirty="0" smtClean="0"/>
           </a:p>
           <a:p>
@@ -4698,13 +5902,386 @@
     </p:spTree>
     <p:extLst>
       <p:ext uri="{BB962C8B-B14F-4D97-AF65-F5344CB8AC3E}">
-        <p14:creationId xmlns:p14="http://schemas.microsoft.com/office/powerpoint/2010/main" xmlns="" val="1938490422"/>
+        <p14:creationId xmlns:p14="http://schemas.microsoft.com/office/powerpoint/2010/main" val="1938490422"/>
       </p:ext>
     </p:extLst>
   </p:cSld>
   <p:clrMapOvr>
     <a:masterClrMapping/>
   </p:clrMapOvr>
+  <p:timing>
+    <p:tnLst>
+      <p:par>
+        <p:cTn xmlns:p14="http://schemas.microsoft.com/office/powerpoint/2010/main" id="1" dur="indefinite" restart="never" nodeType="tmRoot">
+          <p:childTnLst>
+            <p:seq concurrent="1" nextAc="seek">
+              <p:cTn id="2" dur="indefinite" nodeType="mainSeq">
+                <p:childTnLst>
+                  <p:par>
+                    <p:cTn id="3" fill="hold">
+                      <p:stCondLst>
+                        <p:cond delay="indefinite"/>
+                      </p:stCondLst>
+                      <p:childTnLst>
+                        <p:par>
+                          <p:cTn id="4" fill="hold">
+                            <p:stCondLst>
+                              <p:cond delay="0"/>
+                            </p:stCondLst>
+                            <p:childTnLst>
+                              <p:par>
+                                <p:cTn id="5" presetID="1" presetClass="entr" presetSubtype="0" fill="hold" nodeType="clickEffect">
+                                  <p:stCondLst>
+                                    <p:cond delay="0"/>
+                                  </p:stCondLst>
+                                  <p:childTnLst>
+                                    <p:set>
+                                      <p:cBhvr>
+                                        <p:cTn id="6" dur="1" fill="hold">
+                                          <p:stCondLst>
+                                            <p:cond delay="0"/>
+                                          </p:stCondLst>
+                                        </p:cTn>
+                                        <p:tgtEl>
+                                          <p:spTgt spid="3">
+                                            <p:txEl>
+                                              <p:pRg st="2" end="2"/>
+                                            </p:txEl>
+                                          </p:spTgt>
+                                        </p:tgtEl>
+                                        <p:attrNameLst>
+                                          <p:attrName>style.visibility</p:attrName>
+                                        </p:attrNameLst>
+                                      </p:cBhvr>
+                                      <p:to>
+                                        <p:strVal val="visible"/>
+                                      </p:to>
+                                    </p:set>
+                                  </p:childTnLst>
+                                </p:cTn>
+                              </p:par>
+                            </p:childTnLst>
+                          </p:cTn>
+                        </p:par>
+                      </p:childTnLst>
+                    </p:cTn>
+                  </p:par>
+                  <p:par>
+                    <p:cTn id="7" fill="hold">
+                      <p:stCondLst>
+                        <p:cond delay="indefinite"/>
+                      </p:stCondLst>
+                      <p:childTnLst>
+                        <p:par>
+                          <p:cTn id="8" fill="hold">
+                            <p:stCondLst>
+                              <p:cond delay="0"/>
+                            </p:stCondLst>
+                            <p:childTnLst>
+                              <p:par>
+                                <p:cTn id="9" presetID="1" presetClass="entr" presetSubtype="0" fill="hold" nodeType="clickEffect">
+                                  <p:stCondLst>
+                                    <p:cond delay="0"/>
+                                  </p:stCondLst>
+                                  <p:childTnLst>
+                                    <p:set>
+                                      <p:cBhvr>
+                                        <p:cTn id="10" dur="1" fill="hold">
+                                          <p:stCondLst>
+                                            <p:cond delay="0"/>
+                                          </p:stCondLst>
+                                        </p:cTn>
+                                        <p:tgtEl>
+                                          <p:spTgt spid="3">
+                                            <p:txEl>
+                                              <p:pRg st="4" end="4"/>
+                                            </p:txEl>
+                                          </p:spTgt>
+                                        </p:tgtEl>
+                                        <p:attrNameLst>
+                                          <p:attrName>style.visibility</p:attrName>
+                                        </p:attrNameLst>
+                                      </p:cBhvr>
+                                      <p:to>
+                                        <p:strVal val="visible"/>
+                                      </p:to>
+                                    </p:set>
+                                  </p:childTnLst>
+                                </p:cTn>
+                              </p:par>
+                            </p:childTnLst>
+                          </p:cTn>
+                        </p:par>
+                      </p:childTnLst>
+                    </p:cTn>
+                  </p:par>
+                  <p:par>
+                    <p:cTn id="11" fill="hold">
+                      <p:stCondLst>
+                        <p:cond delay="indefinite"/>
+                      </p:stCondLst>
+                      <p:childTnLst>
+                        <p:par>
+                          <p:cTn id="12" fill="hold">
+                            <p:stCondLst>
+                              <p:cond delay="0"/>
+                            </p:stCondLst>
+                            <p:childTnLst>
+                              <p:par>
+                                <p:cTn id="13" presetID="1" presetClass="entr" presetSubtype="0" fill="hold" nodeType="clickEffect">
+                                  <p:stCondLst>
+                                    <p:cond delay="0"/>
+                                  </p:stCondLst>
+                                  <p:childTnLst>
+                                    <p:set>
+                                      <p:cBhvr>
+                                        <p:cTn id="14" dur="1" fill="hold">
+                                          <p:stCondLst>
+                                            <p:cond delay="0"/>
+                                          </p:stCondLst>
+                                        </p:cTn>
+                                        <p:tgtEl>
+                                          <p:spTgt spid="3">
+                                            <p:txEl>
+                                              <p:pRg st="6" end="6"/>
+                                            </p:txEl>
+                                          </p:spTgt>
+                                        </p:tgtEl>
+                                        <p:attrNameLst>
+                                          <p:attrName>style.visibility</p:attrName>
+                                        </p:attrNameLst>
+                                      </p:cBhvr>
+                                      <p:to>
+                                        <p:strVal val="visible"/>
+                                      </p:to>
+                                    </p:set>
+                                  </p:childTnLst>
+                                </p:cTn>
+                              </p:par>
+                            </p:childTnLst>
+                          </p:cTn>
+                        </p:par>
+                      </p:childTnLst>
+                    </p:cTn>
+                  </p:par>
+                  <p:par>
+                    <p:cTn id="15" fill="hold">
+                      <p:stCondLst>
+                        <p:cond delay="indefinite"/>
+                      </p:stCondLst>
+                      <p:childTnLst>
+                        <p:par>
+                          <p:cTn id="16" fill="hold">
+                            <p:stCondLst>
+                              <p:cond delay="0"/>
+                            </p:stCondLst>
+                            <p:childTnLst>
+                              <p:par>
+                                <p:cTn id="17" presetID="1" presetClass="entr" presetSubtype="0" fill="hold" nodeType="clickEffect">
+                                  <p:stCondLst>
+                                    <p:cond delay="0"/>
+                                  </p:stCondLst>
+                                  <p:childTnLst>
+                                    <p:set>
+                                      <p:cBhvr>
+                                        <p:cTn id="18" dur="1" fill="hold">
+                                          <p:stCondLst>
+                                            <p:cond delay="0"/>
+                                          </p:stCondLst>
+                                        </p:cTn>
+                                        <p:tgtEl>
+                                          <p:spTgt spid="4">
+                                            <p:txEl>
+                                              <p:pRg st="0" end="0"/>
+                                            </p:txEl>
+                                          </p:spTgt>
+                                        </p:tgtEl>
+                                        <p:attrNameLst>
+                                          <p:attrName>style.visibility</p:attrName>
+                                        </p:attrNameLst>
+                                      </p:cBhvr>
+                                      <p:to>
+                                        <p:strVal val="visible"/>
+                                      </p:to>
+                                    </p:set>
+                                  </p:childTnLst>
+                                </p:cTn>
+                              </p:par>
+                            </p:childTnLst>
+                          </p:cTn>
+                        </p:par>
+                      </p:childTnLst>
+                    </p:cTn>
+                  </p:par>
+                  <p:par>
+                    <p:cTn id="19" fill="hold">
+                      <p:stCondLst>
+                        <p:cond delay="indefinite"/>
+                      </p:stCondLst>
+                      <p:childTnLst>
+                        <p:par>
+                          <p:cTn id="20" fill="hold">
+                            <p:stCondLst>
+                              <p:cond delay="0"/>
+                            </p:stCondLst>
+                            <p:childTnLst>
+                              <p:par>
+                                <p:cTn id="21" presetID="1" presetClass="entr" presetSubtype="0" fill="hold" nodeType="clickEffect">
+                                  <p:stCondLst>
+                                    <p:cond delay="0"/>
+                                  </p:stCondLst>
+                                  <p:childTnLst>
+                                    <p:set>
+                                      <p:cBhvr>
+                                        <p:cTn id="22" dur="1" fill="hold">
+                                          <p:stCondLst>
+                                            <p:cond delay="0"/>
+                                          </p:stCondLst>
+                                        </p:cTn>
+                                        <p:tgtEl>
+                                          <p:spTgt spid="4">
+                                            <p:txEl>
+                                              <p:pRg st="2" end="2"/>
+                                            </p:txEl>
+                                          </p:spTgt>
+                                        </p:tgtEl>
+                                        <p:attrNameLst>
+                                          <p:attrName>style.visibility</p:attrName>
+                                        </p:attrNameLst>
+                                      </p:cBhvr>
+                                      <p:to>
+                                        <p:strVal val="visible"/>
+                                      </p:to>
+                                    </p:set>
+                                  </p:childTnLst>
+                                </p:cTn>
+                              </p:par>
+                            </p:childTnLst>
+                          </p:cTn>
+                        </p:par>
+                      </p:childTnLst>
+                    </p:cTn>
+                  </p:par>
+                  <p:par>
+                    <p:cTn id="23" fill="hold">
+                      <p:stCondLst>
+                        <p:cond delay="indefinite"/>
+                      </p:stCondLst>
+                      <p:childTnLst>
+                        <p:par>
+                          <p:cTn id="24" fill="hold">
+                            <p:stCondLst>
+                              <p:cond delay="0"/>
+                            </p:stCondLst>
+                            <p:childTnLst>
+                              <p:par>
+                                <p:cTn id="25" presetID="1" presetClass="entr" presetSubtype="0" fill="hold" nodeType="clickEffect">
+                                  <p:stCondLst>
+                                    <p:cond delay="0"/>
+                                  </p:stCondLst>
+                                  <p:childTnLst>
+                                    <p:set>
+                                      <p:cBhvr>
+                                        <p:cTn id="26" dur="1" fill="hold">
+                                          <p:stCondLst>
+                                            <p:cond delay="0"/>
+                                          </p:stCondLst>
+                                        </p:cTn>
+                                        <p:tgtEl>
+                                          <p:spTgt spid="4">
+                                            <p:txEl>
+                                              <p:pRg st="4" end="4"/>
+                                            </p:txEl>
+                                          </p:spTgt>
+                                        </p:tgtEl>
+                                        <p:attrNameLst>
+                                          <p:attrName>style.visibility</p:attrName>
+                                        </p:attrNameLst>
+                                      </p:cBhvr>
+                                      <p:to>
+                                        <p:strVal val="visible"/>
+                                      </p:to>
+                                    </p:set>
+                                  </p:childTnLst>
+                                </p:cTn>
+                              </p:par>
+                            </p:childTnLst>
+                          </p:cTn>
+                        </p:par>
+                      </p:childTnLst>
+                    </p:cTn>
+                  </p:par>
+                  <p:par>
+                    <p:cTn id="27" fill="hold">
+                      <p:stCondLst>
+                        <p:cond delay="indefinite"/>
+                      </p:stCondLst>
+                      <p:childTnLst>
+                        <p:par>
+                          <p:cTn id="28" fill="hold">
+                            <p:stCondLst>
+                              <p:cond delay="0"/>
+                            </p:stCondLst>
+                            <p:childTnLst>
+                              <p:par>
+                                <p:cTn id="29" presetID="1" presetClass="entr" presetSubtype="0" fill="hold" nodeType="clickEffect">
+                                  <p:stCondLst>
+                                    <p:cond delay="0"/>
+                                  </p:stCondLst>
+                                  <p:childTnLst>
+                                    <p:set>
+                                      <p:cBhvr>
+                                        <p:cTn id="30" dur="1" fill="hold">
+                                          <p:stCondLst>
+                                            <p:cond delay="0"/>
+                                          </p:stCondLst>
+                                        </p:cTn>
+                                        <p:tgtEl>
+                                          <p:spTgt spid="4">
+                                            <p:txEl>
+                                              <p:pRg st="6" end="6"/>
+                                            </p:txEl>
+                                          </p:spTgt>
+                                        </p:tgtEl>
+                                        <p:attrNameLst>
+                                          <p:attrName>style.visibility</p:attrName>
+                                        </p:attrNameLst>
+                                      </p:cBhvr>
+                                      <p:to>
+                                        <p:strVal val="visible"/>
+                                      </p:to>
+                                    </p:set>
+                                  </p:childTnLst>
+                                </p:cTn>
+                              </p:par>
+                            </p:childTnLst>
+                          </p:cTn>
+                        </p:par>
+                      </p:childTnLst>
+                    </p:cTn>
+                  </p:par>
+                </p:childTnLst>
+              </p:cTn>
+              <p:prevCondLst>
+                <p:cond evt="onPrev" delay="0">
+                  <p:tgtEl>
+                    <p:sldTgt/>
+                  </p:tgtEl>
+                </p:cond>
+              </p:prevCondLst>
+              <p:nextCondLst>
+                <p:cond evt="onNext" delay="0">
+                  <p:tgtEl>
+                    <p:sldTgt/>
+                  </p:tgtEl>
+                </p:cond>
+              </p:nextCondLst>
+            </p:seq>
+          </p:childTnLst>
+        </p:cTn>
+      </p:par>
+    </p:tnLst>
+  </p:timing>
 </p:sld>
 </file>
 

--- a/Presentation/Presentation nov 18.pptx
+++ b/Presentation/Presentation nov 18.pptx
@@ -196,7 +196,8 @@
           <a:p>
             <a:fld id="{9184657C-6B7B-4D11-92FE-19D7F27F78B9}" type="datetimeFigureOut">
               <a:rPr lang="en-GB" smtClean="0"/>
-              <a:t>17.11.14</a:t>
+              <a:pPr/>
+              <a:t>17/11/2014</a:t>
             </a:fld>
             <a:endParaRPr lang="en-GB"/>
           </a:p>
@@ -357,7 +358,8 @@
           <a:p>
             <a:fld id="{1E047F9F-E4D1-4A29-BB8A-19035468A4E4}" type="slidenum">
               <a:rPr lang="en-GB" smtClean="0"/>
-              <a:t>‹#›</a:t>
+              <a:pPr/>
+              <a:t>‹Nº›</a:t>
             </a:fld>
             <a:endParaRPr lang="en-GB"/>
           </a:p>
@@ -366,7 +368,7 @@
     </p:spTree>
     <p:extLst>
       <p:ext uri="{BB962C8B-B14F-4D97-AF65-F5344CB8AC3E}">
-        <p14:creationId xmlns:p14="http://schemas.microsoft.com/office/powerpoint/2010/main" val="2624709471"/>
+        <p14:creationId xmlns:p14="http://schemas.microsoft.com/office/powerpoint/2010/main" xmlns="" val="2624709471"/>
       </p:ext>
     </p:extLst>
   </p:cSld>
@@ -533,6 +535,7 @@
           <a:p>
             <a:fld id="{1E047F9F-E4D1-4A29-BB8A-19035468A4E4}" type="slidenum">
               <a:rPr lang="en-GB" smtClean="0"/>
+              <a:pPr/>
               <a:t>2</a:t>
             </a:fld>
             <a:endParaRPr lang="en-GB"/>
@@ -729,7 +732,7 @@
             <a:fld id="{89ABF61E-C81E-B147-A9C3-9359CCDF05AF}" type="datetimeFigureOut">
               <a:rPr lang="nb-NO" smtClean="0"/>
               <a:pPr/>
-              <a:t>17.11.14</a:t>
+              <a:t>17.11.2014</a:t>
             </a:fld>
             <a:endParaRPr lang="nb-NO"/>
           </a:p>
@@ -772,7 +775,7 @@
             <a:fld id="{A592D690-0A75-2B47-B762-A5B99D01306A}" type="slidenum">
               <a:rPr lang="nb-NO" smtClean="0"/>
               <a:pPr/>
-              <a:t>‹#›</a:t>
+              <a:t>‹Nº›</a:t>
             </a:fld>
             <a:endParaRPr lang="nb-NO"/>
           </a:p>
@@ -896,7 +899,7 @@
             <a:fld id="{89ABF61E-C81E-B147-A9C3-9359CCDF05AF}" type="datetimeFigureOut">
               <a:rPr lang="nb-NO" smtClean="0"/>
               <a:pPr/>
-              <a:t>17.11.14</a:t>
+              <a:t>17.11.2014</a:t>
             </a:fld>
             <a:endParaRPr lang="nb-NO"/>
           </a:p>
@@ -939,7 +942,7 @@
             <a:fld id="{A592D690-0A75-2B47-B762-A5B99D01306A}" type="slidenum">
               <a:rPr lang="nb-NO" smtClean="0"/>
               <a:pPr/>
-              <a:t>‹#›</a:t>
+              <a:t>‹Nº›</a:t>
             </a:fld>
             <a:endParaRPr lang="nb-NO"/>
           </a:p>
@@ -1073,7 +1076,7 @@
             <a:fld id="{89ABF61E-C81E-B147-A9C3-9359CCDF05AF}" type="datetimeFigureOut">
               <a:rPr lang="nb-NO" smtClean="0"/>
               <a:pPr/>
-              <a:t>17.11.14</a:t>
+              <a:t>17.11.2014</a:t>
             </a:fld>
             <a:endParaRPr lang="nb-NO"/>
           </a:p>
@@ -1116,7 +1119,7 @@
             <a:fld id="{A592D690-0A75-2B47-B762-A5B99D01306A}" type="slidenum">
               <a:rPr lang="nb-NO" smtClean="0"/>
               <a:pPr/>
-              <a:t>‹#›</a:t>
+              <a:t>‹Nº›</a:t>
             </a:fld>
             <a:endParaRPr lang="nb-NO"/>
           </a:p>
@@ -1240,7 +1243,7 @@
             <a:fld id="{89ABF61E-C81E-B147-A9C3-9359CCDF05AF}" type="datetimeFigureOut">
               <a:rPr lang="nb-NO" smtClean="0"/>
               <a:pPr/>
-              <a:t>17.11.14</a:t>
+              <a:t>17.11.2014</a:t>
             </a:fld>
             <a:endParaRPr lang="nb-NO"/>
           </a:p>
@@ -1283,7 +1286,7 @@
             <a:fld id="{A592D690-0A75-2B47-B762-A5B99D01306A}" type="slidenum">
               <a:rPr lang="nb-NO" smtClean="0"/>
               <a:pPr/>
-              <a:t>‹#›</a:t>
+              <a:t>‹Nº›</a:t>
             </a:fld>
             <a:endParaRPr lang="nb-NO"/>
           </a:p>
@@ -1483,7 +1486,7 @@
             <a:fld id="{89ABF61E-C81E-B147-A9C3-9359CCDF05AF}" type="datetimeFigureOut">
               <a:rPr lang="nb-NO" smtClean="0"/>
               <a:pPr/>
-              <a:t>17.11.14</a:t>
+              <a:t>17.11.2014</a:t>
             </a:fld>
             <a:endParaRPr lang="nb-NO"/>
           </a:p>
@@ -1526,7 +1529,7 @@
             <a:fld id="{A592D690-0A75-2B47-B762-A5B99D01306A}" type="slidenum">
               <a:rPr lang="nb-NO" smtClean="0"/>
               <a:pPr/>
-              <a:t>‹#›</a:t>
+              <a:t>‹Nº›</a:t>
             </a:fld>
             <a:endParaRPr lang="nb-NO"/>
           </a:p>
@@ -1768,7 +1771,7 @@
             <a:fld id="{89ABF61E-C81E-B147-A9C3-9359CCDF05AF}" type="datetimeFigureOut">
               <a:rPr lang="nb-NO" smtClean="0"/>
               <a:pPr/>
-              <a:t>17.11.14</a:t>
+              <a:t>17.11.2014</a:t>
             </a:fld>
             <a:endParaRPr lang="nb-NO"/>
           </a:p>
@@ -1811,7 +1814,7 @@
             <a:fld id="{A592D690-0A75-2B47-B762-A5B99D01306A}" type="slidenum">
               <a:rPr lang="nb-NO" smtClean="0"/>
               <a:pPr/>
-              <a:t>‹#›</a:t>
+              <a:t>‹Nº›</a:t>
             </a:fld>
             <a:endParaRPr lang="nb-NO"/>
           </a:p>
@@ -2187,7 +2190,7 @@
             <a:fld id="{89ABF61E-C81E-B147-A9C3-9359CCDF05AF}" type="datetimeFigureOut">
               <a:rPr lang="nb-NO" smtClean="0"/>
               <a:pPr/>
-              <a:t>17.11.14</a:t>
+              <a:t>17.11.2014</a:t>
             </a:fld>
             <a:endParaRPr lang="nb-NO"/>
           </a:p>
@@ -2230,7 +2233,7 @@
             <a:fld id="{A592D690-0A75-2B47-B762-A5B99D01306A}" type="slidenum">
               <a:rPr lang="nb-NO" smtClean="0"/>
               <a:pPr/>
-              <a:t>‹#›</a:t>
+              <a:t>‹Nº›</a:t>
             </a:fld>
             <a:endParaRPr lang="nb-NO"/>
           </a:p>
@@ -2302,7 +2305,7 @@
             <a:fld id="{89ABF61E-C81E-B147-A9C3-9359CCDF05AF}" type="datetimeFigureOut">
               <a:rPr lang="nb-NO" smtClean="0"/>
               <a:pPr/>
-              <a:t>17.11.14</a:t>
+              <a:t>17.11.2014</a:t>
             </a:fld>
             <a:endParaRPr lang="nb-NO"/>
           </a:p>
@@ -2345,7 +2348,7 @@
             <a:fld id="{A592D690-0A75-2B47-B762-A5B99D01306A}" type="slidenum">
               <a:rPr lang="nb-NO" smtClean="0"/>
               <a:pPr/>
-              <a:t>‹#›</a:t>
+              <a:t>‹Nº›</a:t>
             </a:fld>
             <a:endParaRPr lang="nb-NO"/>
           </a:p>
@@ -2394,7 +2397,7 @@
             <a:fld id="{89ABF61E-C81E-B147-A9C3-9359CCDF05AF}" type="datetimeFigureOut">
               <a:rPr lang="nb-NO" smtClean="0"/>
               <a:pPr/>
-              <a:t>17.11.14</a:t>
+              <a:t>17.11.2014</a:t>
             </a:fld>
             <a:endParaRPr lang="nb-NO"/>
           </a:p>
@@ -2437,7 +2440,7 @@
             <a:fld id="{A592D690-0A75-2B47-B762-A5B99D01306A}" type="slidenum">
               <a:rPr lang="nb-NO" smtClean="0"/>
               <a:pPr/>
-              <a:t>‹#›</a:t>
+              <a:t>‹Nº›</a:t>
             </a:fld>
             <a:endParaRPr lang="nb-NO"/>
           </a:p>
@@ -2668,7 +2671,7 @@
             <a:fld id="{89ABF61E-C81E-B147-A9C3-9359CCDF05AF}" type="datetimeFigureOut">
               <a:rPr lang="nb-NO" smtClean="0"/>
               <a:pPr/>
-              <a:t>17.11.14</a:t>
+              <a:t>17.11.2014</a:t>
             </a:fld>
             <a:endParaRPr lang="nb-NO"/>
           </a:p>
@@ -2711,7 +2714,7 @@
             <a:fld id="{A592D690-0A75-2B47-B762-A5B99D01306A}" type="slidenum">
               <a:rPr lang="nb-NO" smtClean="0"/>
               <a:pPr/>
-              <a:t>‹#›</a:t>
+              <a:t>‹Nº›</a:t>
             </a:fld>
             <a:endParaRPr lang="nb-NO"/>
           </a:p>
@@ -2918,7 +2921,7 @@
             <a:fld id="{89ABF61E-C81E-B147-A9C3-9359CCDF05AF}" type="datetimeFigureOut">
               <a:rPr lang="nb-NO" smtClean="0"/>
               <a:pPr/>
-              <a:t>17.11.14</a:t>
+              <a:t>17.11.2014</a:t>
             </a:fld>
             <a:endParaRPr lang="nb-NO"/>
           </a:p>
@@ -2961,7 +2964,7 @@
             <a:fld id="{A592D690-0A75-2B47-B762-A5B99D01306A}" type="slidenum">
               <a:rPr lang="nb-NO" smtClean="0"/>
               <a:pPr/>
-              <a:t>‹#›</a:t>
+              <a:t>‹Nº›</a:t>
             </a:fld>
             <a:endParaRPr lang="nb-NO"/>
           </a:p>
@@ -3128,7 +3131,7 @@
             <a:fld id="{89ABF61E-C81E-B147-A9C3-9359CCDF05AF}" type="datetimeFigureOut">
               <a:rPr lang="nb-NO" smtClean="0"/>
               <a:pPr/>
-              <a:t>17.11.14</a:t>
+              <a:t>17.11.2014</a:t>
             </a:fld>
             <a:endParaRPr lang="nb-NO"/>
           </a:p>
@@ -3207,7 +3210,7 @@
             <a:fld id="{A592D690-0A75-2B47-B762-A5B99D01306A}" type="slidenum">
               <a:rPr lang="nb-NO" smtClean="0"/>
               <a:pPr/>
-              <a:t>‹#›</a:t>
+              <a:t>‹Nº›</a:t>
             </a:fld>
             <a:endParaRPr lang="nb-NO"/>
           </a:p>
@@ -3549,7 +3552,22 @@
                   <a:srgbClr val="00B050"/>
                 </a:solidFill>
               </a:rPr>
-              <a:t> Meta-</a:t>
+              <a:t> of a </a:t>
+            </a:r>
+            <a:br>
+              <a:rPr lang="es-ES_tradnl" dirty="0" smtClean="0">
+                <a:solidFill>
+                  <a:srgbClr val="00B050"/>
+                </a:solidFill>
+              </a:rPr>
+            </a:br>
+            <a:r>
+              <a:rPr lang="es-ES_tradnl" dirty="0" smtClean="0">
+                <a:solidFill>
+                  <a:srgbClr val="00B050"/>
+                </a:solidFill>
+              </a:rPr>
+              <a:t>Meta-</a:t>
             </a:r>
             <a:r>
               <a:rPr lang="es-ES_tradnl" dirty="0" err="1" smtClean="0">
@@ -3648,7 +3666,7 @@
   <p:timing>
     <p:tnLst>
       <p:par>
-        <p:cTn xmlns:p14="http://schemas.microsoft.com/office/powerpoint/2010/main" id="1" dur="indefinite" restart="never" nodeType="tmRoot"/>
+        <p:cTn id="1" dur="indefinite" restart="never" nodeType="tmRoot"/>
       </p:par>
     </p:tnLst>
   </p:timing>
@@ -3940,7 +3958,7 @@
     </p:spTree>
     <p:extLst>
       <p:ext uri="{BB962C8B-B14F-4D97-AF65-F5344CB8AC3E}">
-        <p14:creationId xmlns:p14="http://schemas.microsoft.com/office/powerpoint/2010/main" val="2734221090"/>
+        <p14:creationId xmlns:p14="http://schemas.microsoft.com/office/powerpoint/2010/main" xmlns="" val="2734221090"/>
       </p:ext>
     </p:extLst>
   </p:cSld>
@@ -3950,7 +3968,7 @@
   <p:timing>
     <p:tnLst>
       <p:par>
-        <p:cTn xmlns:p14="http://schemas.microsoft.com/office/powerpoint/2010/main" id="1" dur="indefinite" restart="never" nodeType="tmRoot">
+        <p:cTn id="1" dur="indefinite" restart="never" nodeType="tmRoot">
           <p:childTnLst>
             <p:seq concurrent="1" nextAc="seek">
               <p:cTn id="2" dur="indefinite" nodeType="mainSeq">
@@ -4398,11 +4416,7 @@
             </a:r>
             <a:r>
               <a:rPr lang="en-US" dirty="0" smtClean="0"/>
-              <a:t> </a:t>
-            </a:r>
-            <a:r>
-              <a:rPr lang="en-US" dirty="0" smtClean="0"/>
-              <a:t>function (in </a:t>
+              <a:t> function (in </a:t>
             </a:r>
             <a:r>
               <a:rPr lang="en-US" dirty="0" err="1" smtClean="0">
@@ -4415,7 +4429,6 @@
               <a:rPr lang="en-US" dirty="0" smtClean="0"/>
               <a:t> package) </a:t>
             </a:r>
-            <a:endParaRPr lang="en-US" dirty="0" smtClean="0"/>
           </a:p>
           <a:p>
             <a:pPr marL="914400" lvl="1" indent="-514350"/>
@@ -4435,7 +4448,19 @@
             <a:pPr marL="914400" lvl="1" indent="-514350"/>
             <a:r>
               <a:rPr lang="en-US" dirty="0" smtClean="0"/>
-              <a:t>Adding moderators in </a:t>
+              <a:t>Adding </a:t>
+            </a:r>
+            <a:r>
+              <a:rPr lang="en-US" smtClean="0"/>
+              <a:t>moderators </a:t>
+            </a:r>
+            <a:r>
+              <a:rPr lang="en-US" smtClean="0"/>
+              <a:t>to</a:t>
+            </a:r>
+            <a:r>
+              <a:rPr lang="en-US" smtClean="0"/>
+              <a:t> </a:t>
             </a:r>
             <a:r>
               <a:rPr lang="en-US" dirty="0" err="1" smtClean="0">
@@ -4448,17 +4473,8 @@
               <a:rPr lang="en-US" dirty="0" smtClean="0">
                 <a:cs typeface="Lucida Console"/>
               </a:rPr>
-              <a:t> function (meta regression</a:t>
-            </a:r>
-            <a:r>
-              <a:rPr lang="en-US" dirty="0" smtClean="0">
-                <a:cs typeface="Lucida Console"/>
-              </a:rPr>
-              <a:t>)</a:t>
-            </a:r>
-            <a:endParaRPr lang="en-US" dirty="0" smtClean="0">
-              <a:cs typeface="Lucida Console"/>
-            </a:endParaRPr>
+              <a:t> function (meta regression)</a:t>
+            </a:r>
           </a:p>
           <a:p>
             <a:pPr marL="914400" lvl="1" indent="-514350"/>
@@ -4485,7 +4501,25 @@
             </a:r>
             <a:r>
               <a:rPr lang="en-US" dirty="0" smtClean="0"/>
-              <a:t> plot, Fail-Safe N analysis</a:t>
+              <a:t> plot, </a:t>
+            </a:r>
+            <a:r>
+              <a:rPr lang="en-US" dirty="0" smtClean="0"/>
+              <a:t> </a:t>
+            </a:r>
+            <a:r>
+              <a:rPr lang="en-US" dirty="0" smtClean="0">
+                <a:latin typeface="Lucida Console" pitchFamily="49" charset="0"/>
+              </a:rPr>
+              <a:t>Fail-Safe N</a:t>
+            </a:r>
+            <a:r>
+              <a:rPr lang="en-US" dirty="0" smtClean="0"/>
+              <a:t> </a:t>
+            </a:r>
+            <a:r>
+              <a:rPr lang="en-US" dirty="0" smtClean="0"/>
+              <a:t>analysis</a:t>
             </a:r>
           </a:p>
           <a:p>
@@ -4513,8 +4547,13 @@
             </a:r>
             <a:r>
               <a:rPr lang="en-US" dirty="0" smtClean="0"/>
-              <a:t> analysis</a:t>
-            </a:r>
+              <a:t> </a:t>
+            </a:r>
+            <a:r>
+              <a:rPr lang="en-US" dirty="0" smtClean="0"/>
+              <a:t>function and analysis</a:t>
+            </a:r>
+            <a:endParaRPr lang="en-US" dirty="0" smtClean="0"/>
           </a:p>
         </p:txBody>
       </p:sp>
@@ -4556,7 +4595,7 @@
     </p:spTree>
     <p:extLst>
       <p:ext uri="{BB962C8B-B14F-4D97-AF65-F5344CB8AC3E}">
-        <p14:creationId xmlns:p14="http://schemas.microsoft.com/office/powerpoint/2010/main" val="4148343161"/>
+        <p14:creationId xmlns:p14="http://schemas.microsoft.com/office/powerpoint/2010/main" xmlns="" val="4148343161"/>
       </p:ext>
     </p:extLst>
   </p:cSld>
@@ -4566,7 +4605,7 @@
   <p:timing>
     <p:tnLst>
       <p:par>
-        <p:cTn xmlns:p14="http://schemas.microsoft.com/office/powerpoint/2010/main" id="1" dur="indefinite" restart="never" nodeType="tmRoot">
+        <p:cTn id="1" dur="indefinite" restart="never" nodeType="tmRoot">
           <p:childTnLst>
             <p:seq concurrent="1" nextAc="seek">
               <p:cTn id="2" dur="indefinite" nodeType="mainSeq">
@@ -4958,13 +4997,8 @@
             </a:pPr>
             <a:r>
               <a:rPr lang="en-US" sz="1850" dirty="0" smtClean="0"/>
-              <a:t>And voila! Here’s our result</a:t>
-            </a:r>
-            <a:r>
-              <a:rPr lang="en-US" sz="1850" dirty="0" smtClean="0"/>
-              <a:t>!</a:t>
-            </a:r>
-            <a:endParaRPr lang="en-US" sz="1850" dirty="0" smtClean="0"/>
+              <a:t>And voila! Here’s our result!</a:t>
+            </a:r>
           </a:p>
         </p:txBody>
       </p:sp>
@@ -5075,7 +5109,7 @@
     </p:spTree>
     <p:extLst>
       <p:ext uri="{BB962C8B-B14F-4D97-AF65-F5344CB8AC3E}">
-        <p14:creationId xmlns:p14="http://schemas.microsoft.com/office/powerpoint/2010/main" val="756268187"/>
+        <p14:creationId xmlns:p14="http://schemas.microsoft.com/office/powerpoint/2010/main" xmlns="" val="756268187"/>
       </p:ext>
     </p:extLst>
   </p:cSld>
@@ -5085,7 +5119,7 @@
   <p:timing>
     <p:tnLst>
       <p:par>
-        <p:cTn xmlns:p14="http://schemas.microsoft.com/office/powerpoint/2010/main" id="1" dur="indefinite" restart="never" nodeType="tmRoot">
+        <p:cTn id="1" dur="indefinite" restart="never" nodeType="tmRoot">
           <p:childTnLst>
             <p:seq concurrent="1" nextAc="seek">
               <p:cTn id="2" dur="indefinite" nodeType="mainSeq">
@@ -5747,15 +5781,7 @@
           <a:p>
             <a:r>
               <a:rPr lang="en-US" dirty="0" smtClean="0"/>
-              <a:t>Finalize R</a:t>
-            </a:r>
-            <a:r>
-              <a:rPr lang="en-US" dirty="0" smtClean="0"/>
-              <a:t>-</a:t>
-            </a:r>
-            <a:r>
-              <a:rPr lang="en-US" dirty="0" smtClean="0"/>
-              <a:t>script</a:t>
+              <a:t>Finalize R-script</a:t>
             </a:r>
           </a:p>
           <a:p>
@@ -5902,7 +5928,7 @@
     </p:spTree>
     <p:extLst>
       <p:ext uri="{BB962C8B-B14F-4D97-AF65-F5344CB8AC3E}">
-        <p14:creationId xmlns:p14="http://schemas.microsoft.com/office/powerpoint/2010/main" val="1938490422"/>
+        <p14:creationId xmlns:p14="http://schemas.microsoft.com/office/powerpoint/2010/main" xmlns="" val="1938490422"/>
       </p:ext>
     </p:extLst>
   </p:cSld>
@@ -5912,7 +5938,7 @@
   <p:timing>
     <p:tnLst>
       <p:par>
-        <p:cTn xmlns:p14="http://schemas.microsoft.com/office/powerpoint/2010/main" id="1" dur="indefinite" restart="never" nodeType="tmRoot">
+        <p:cTn id="1" dur="indefinite" restart="never" nodeType="tmRoot">
           <p:childTnLst>
             <p:seq concurrent="1" nextAc="seek">
               <p:cTn id="2" dur="indefinite" nodeType="mainSeq">
